--- a/Lectures/Lecture 17/Lecture 17.pptx
+++ b/Lectures/Lecture 17/Lecture 17.pptx
@@ -227,7 +227,7 @@
           <a:p>
             <a:fld id="{467FE51A-BC06-4E6F-B1DA-B477364E598F}" type="datetimeFigureOut">
               <a:rPr lang="en-US" smtClean="0"/>
-              <a:t>2/21/2020</a:t>
+              <a:t>2/29/2020</a:t>
             </a:fld>
             <a:endParaRPr lang="en-US"/>
           </a:p>
@@ -641,7 +641,7 @@
           <a:p>
             <a:fld id="{11C4ABE2-2F1A-4C31-A43A-C3E7CE49CE95}" type="datetimeFigureOut">
               <a:rPr lang="en-US" smtClean="0"/>
-              <a:t>2/21/2020</a:t>
+              <a:t>2/29/2020</a:t>
             </a:fld>
             <a:endParaRPr lang="en-US"/>
           </a:p>
@@ -839,7 +839,7 @@
           <a:p>
             <a:fld id="{11C4ABE2-2F1A-4C31-A43A-C3E7CE49CE95}" type="datetimeFigureOut">
               <a:rPr lang="en-US" smtClean="0"/>
-              <a:t>2/21/2020</a:t>
+              <a:t>2/29/2020</a:t>
             </a:fld>
             <a:endParaRPr lang="en-US"/>
           </a:p>
@@ -1047,7 +1047,7 @@
           <a:p>
             <a:fld id="{11C4ABE2-2F1A-4C31-A43A-C3E7CE49CE95}" type="datetimeFigureOut">
               <a:rPr lang="en-US" smtClean="0"/>
-              <a:t>2/21/2020</a:t>
+              <a:t>2/29/2020</a:t>
             </a:fld>
             <a:endParaRPr lang="en-US"/>
           </a:p>
@@ -1245,7 +1245,7 @@
           <a:p>
             <a:fld id="{11C4ABE2-2F1A-4C31-A43A-C3E7CE49CE95}" type="datetimeFigureOut">
               <a:rPr lang="en-US" smtClean="0"/>
-              <a:t>2/21/2020</a:t>
+              <a:t>2/29/2020</a:t>
             </a:fld>
             <a:endParaRPr lang="en-US"/>
           </a:p>
@@ -1520,7 +1520,7 @@
           <a:p>
             <a:fld id="{11C4ABE2-2F1A-4C31-A43A-C3E7CE49CE95}" type="datetimeFigureOut">
               <a:rPr lang="en-US" smtClean="0"/>
-              <a:t>2/21/2020</a:t>
+              <a:t>2/29/2020</a:t>
             </a:fld>
             <a:endParaRPr lang="en-US"/>
           </a:p>
@@ -1785,7 +1785,7 @@
           <a:p>
             <a:fld id="{11C4ABE2-2F1A-4C31-A43A-C3E7CE49CE95}" type="datetimeFigureOut">
               <a:rPr lang="en-US" smtClean="0"/>
-              <a:t>2/21/2020</a:t>
+              <a:t>2/29/2020</a:t>
             </a:fld>
             <a:endParaRPr lang="en-US"/>
           </a:p>
@@ -2197,7 +2197,7 @@
           <a:p>
             <a:fld id="{11C4ABE2-2F1A-4C31-A43A-C3E7CE49CE95}" type="datetimeFigureOut">
               <a:rPr lang="en-US" smtClean="0"/>
-              <a:t>2/21/2020</a:t>
+              <a:t>2/29/2020</a:t>
             </a:fld>
             <a:endParaRPr lang="en-US"/>
           </a:p>
@@ -2338,7 +2338,7 @@
           <a:p>
             <a:fld id="{11C4ABE2-2F1A-4C31-A43A-C3E7CE49CE95}" type="datetimeFigureOut">
               <a:rPr lang="en-US" smtClean="0"/>
-              <a:t>2/21/2020</a:t>
+              <a:t>2/29/2020</a:t>
             </a:fld>
             <a:endParaRPr lang="en-US"/>
           </a:p>
@@ -2451,7 +2451,7 @@
           <a:p>
             <a:fld id="{11C4ABE2-2F1A-4C31-A43A-C3E7CE49CE95}" type="datetimeFigureOut">
               <a:rPr lang="en-US" smtClean="0"/>
-              <a:t>2/21/2020</a:t>
+              <a:t>2/29/2020</a:t>
             </a:fld>
             <a:endParaRPr lang="en-US"/>
           </a:p>
@@ -2762,7 +2762,7 @@
           <a:p>
             <a:fld id="{11C4ABE2-2F1A-4C31-A43A-C3E7CE49CE95}" type="datetimeFigureOut">
               <a:rPr lang="en-US" smtClean="0"/>
-              <a:t>2/21/2020</a:t>
+              <a:t>2/29/2020</a:t>
             </a:fld>
             <a:endParaRPr lang="en-US"/>
           </a:p>
@@ -3050,7 +3050,7 @@
           <a:p>
             <a:fld id="{11C4ABE2-2F1A-4C31-A43A-C3E7CE49CE95}" type="datetimeFigureOut">
               <a:rPr lang="en-US" smtClean="0"/>
-              <a:t>2/21/2020</a:t>
+              <a:t>2/29/2020</a:t>
             </a:fld>
             <a:endParaRPr lang="en-US"/>
           </a:p>
@@ -3291,7 +3291,7 @@
           <a:p>
             <a:fld id="{11C4ABE2-2F1A-4C31-A43A-C3E7CE49CE95}" type="datetimeFigureOut">
               <a:rPr lang="en-US" smtClean="0"/>
-              <a:t>2/21/2020</a:t>
+              <a:t>2/29/2020</a:t>
             </a:fld>
             <a:endParaRPr lang="en-US"/>
           </a:p>
@@ -6836,8 +6836,8 @@
           </a:prstGeom>
         </p:spPr>
       </p:pic>
-      <mc:AlternateContent xmlns:mc="http://schemas.openxmlformats.org/markup-compatibility/2006">
-        <mc:Choice xmlns:a14="http://schemas.microsoft.com/office/drawing/2010/main" Requires="a14">
+      <mc:AlternateContent xmlns:mc="http://schemas.openxmlformats.org/markup-compatibility/2006" xmlns:a14="http://schemas.microsoft.com/office/drawing/2010/main">
+        <mc:Choice Requires="a14">
           <p:sp>
             <p:nvSpPr>
               <p:cNvPr id="29" name="TextBox 28">
@@ -6956,7 +6956,7 @@
             </p:txBody>
           </p:sp>
         </mc:Choice>
-        <mc:Fallback>
+        <mc:Fallback xmlns="">
           <p:sp>
             <p:nvSpPr>
               <p:cNvPr id="29" name="TextBox 28">
@@ -9307,8 +9307,8 @@
           </a:effectLst>
         </p:spPr>
       </p:pic>
-      <mc:AlternateContent xmlns:mc="http://schemas.openxmlformats.org/markup-compatibility/2006">
-        <mc:Choice xmlns:a14="http://schemas.microsoft.com/office/drawing/2010/main" Requires="a14">
+      <mc:AlternateContent xmlns:mc="http://schemas.openxmlformats.org/markup-compatibility/2006" xmlns:a14="http://schemas.microsoft.com/office/drawing/2010/main">
+        <mc:Choice Requires="a14">
           <p:sp>
             <p:nvSpPr>
               <p:cNvPr id="23" name="TextBox 22">
@@ -9682,7 +9682,7 @@
             </p:txBody>
           </p:sp>
         </mc:Choice>
-        <mc:Fallback>
+        <mc:Fallback xmlns="">
           <p:sp>
             <p:nvSpPr>
               <p:cNvPr id="23" name="TextBox 22">
@@ -12003,8 +12003,8 @@
           </a:prstGeom>
         </p:spPr>
       </p:pic>
-      <mc:AlternateContent xmlns:mc="http://schemas.openxmlformats.org/markup-compatibility/2006">
-        <mc:Choice xmlns:a14="http://schemas.microsoft.com/office/drawing/2010/main" Requires="a14">
+      <mc:AlternateContent xmlns:mc="http://schemas.openxmlformats.org/markup-compatibility/2006" xmlns:a14="http://schemas.microsoft.com/office/drawing/2010/main">
+        <mc:Choice Requires="a14">
           <p:sp>
             <p:nvSpPr>
               <p:cNvPr id="23" name="TextBox 22">
@@ -12105,7 +12105,7 @@
             </p:txBody>
           </p:sp>
         </mc:Choice>
-        <mc:Fallback>
+        <mc:Fallback xmlns="">
           <p:sp>
             <p:nvSpPr>
               <p:cNvPr id="23" name="TextBox 22">
@@ -14523,8 +14523,8 @@
           </a:prstGeom>
         </p:spPr>
       </p:pic>
-      <mc:AlternateContent xmlns:mc="http://schemas.openxmlformats.org/markup-compatibility/2006">
-        <mc:Choice xmlns:a14="http://schemas.microsoft.com/office/drawing/2010/main" Requires="a14">
+      <mc:AlternateContent xmlns:mc="http://schemas.openxmlformats.org/markup-compatibility/2006" xmlns:a14="http://schemas.microsoft.com/office/drawing/2010/main">
+        <mc:Choice Requires="a14">
           <p:sp>
             <p:nvSpPr>
               <p:cNvPr id="23" name="TextBox 22">
@@ -14898,7 +14898,7 @@
             </p:txBody>
           </p:sp>
         </mc:Choice>
-        <mc:Fallback>
+        <mc:Fallback xmlns="">
           <p:sp>
             <p:nvSpPr>
               <p:cNvPr id="23" name="TextBox 22">
@@ -20758,7 +20758,25 @@
                 </a:solidFill>
                 <a:latin typeface="Corbel" panose="020B0503020204020204" pitchFamily="34" charset="0"/>
               </a:rPr>
-              <a:t>Goal 1: Achieve racial balance in all 4 schools</a:t>
+              <a:t>Goal 1: Achieve </a:t>
+            </a:r>
+            <a:r>
+              <a:rPr lang="en-US" sz="2000" dirty="0">
+                <a:solidFill>
+                  <a:srgbClr val="A71B86"/>
+                </a:solidFill>
+                <a:latin typeface="Corbel" panose="020B0503020204020204" pitchFamily="34" charset="0"/>
+              </a:rPr>
+              <a:t>racial balance</a:t>
+            </a:r>
+            <a:r>
+              <a:rPr lang="en-US" sz="2000" dirty="0">
+                <a:solidFill>
+                  <a:srgbClr val="404040"/>
+                </a:solidFill>
+                <a:latin typeface="Corbel" panose="020B0503020204020204" pitchFamily="34" charset="0"/>
+              </a:rPr>
+              <a:t> in all 4 schools</a:t>
             </a:r>
           </a:p>
           <a:p>
@@ -23380,8 +23398,8 @@
           </p:sp>
         </mc:Fallback>
       </mc:AlternateContent>
-      <mc:AlternateContent xmlns:mc="http://schemas.openxmlformats.org/markup-compatibility/2006">
-        <mc:Choice xmlns:a14="http://schemas.microsoft.com/office/drawing/2010/main" Requires="a14">
+      <mc:AlternateContent xmlns:mc="http://schemas.openxmlformats.org/markup-compatibility/2006" xmlns:a14="http://schemas.microsoft.com/office/drawing/2010/main">
+        <mc:Choice Requires="a14">
           <p:sp>
             <p:nvSpPr>
               <p:cNvPr id="23" name="TextBox 22">
@@ -25002,7 +25020,7 @@
             </p:txBody>
           </p:sp>
         </mc:Choice>
-        <mc:Fallback>
+        <mc:Fallback xmlns="">
           <p:sp>
             <p:nvSpPr>
               <p:cNvPr id="23" name="TextBox 22">
@@ -25047,8 +25065,8 @@
           </p:sp>
         </mc:Fallback>
       </mc:AlternateContent>
-      <mc:AlternateContent xmlns:mc="http://schemas.openxmlformats.org/markup-compatibility/2006">
-        <mc:Choice xmlns:a14="http://schemas.microsoft.com/office/drawing/2010/main" Requires="a14">
+      <mc:AlternateContent xmlns:mc="http://schemas.openxmlformats.org/markup-compatibility/2006" xmlns:a14="http://schemas.microsoft.com/office/drawing/2010/main">
+        <mc:Choice Requires="a14">
           <p:sp>
             <p:nvSpPr>
               <p:cNvPr id="29" name="TextBox 28">
@@ -25459,7 +25477,7 @@
             </p:txBody>
           </p:sp>
         </mc:Choice>
-        <mc:Fallback>
+        <mc:Fallback xmlns="">
           <p:sp>
             <p:nvSpPr>
               <p:cNvPr id="29" name="TextBox 28">
@@ -26618,8 +26636,8 @@
           </a:prstGeom>
         </p:spPr>
       </p:pic>
-      <mc:AlternateContent xmlns:mc="http://schemas.openxmlformats.org/markup-compatibility/2006" xmlns:a14="http://schemas.microsoft.com/office/drawing/2010/main">
-        <mc:Choice Requires="a14">
+      <mc:AlternateContent xmlns:mc="http://schemas.openxmlformats.org/markup-compatibility/2006">
+        <mc:Choice xmlns:a14="http://schemas.microsoft.com/office/drawing/2010/main" Requires="a14">
           <p:sp>
             <p:nvSpPr>
               <p:cNvPr id="23" name="TextBox 22">
@@ -27617,7 +27635,13 @@
                         <a:rPr lang="en-US" b="0" i="1" smtClean="0">
                           <a:latin typeface="Cambria Math" panose="02040503050406030204" pitchFamily="18" charset="0"/>
                         </a:rPr>
-                        <m:t>=0</m:t>
+                        <m:t>=</m:t>
+                      </m:r>
+                      <m:r>
+                        <a:rPr lang="en-US" b="0" i="1" smtClean="0">
+                          <a:latin typeface="Cambria Math" panose="02040503050406030204" pitchFamily="18" charset="0"/>
+                        </a:rPr>
+                        <m:t>30,000</m:t>
                       </m:r>
                     </m:oMath>
                   </m:oMathPara>
@@ -27627,7 +27651,7 @@
             </p:txBody>
           </p:sp>
         </mc:Choice>
-        <mc:Fallback xmlns="">
+        <mc:Fallback>
           <p:sp>
             <p:nvSpPr>
               <p:cNvPr id="23" name="TextBox 22">

--- a/Lectures/Lecture 17/Lecture 17.pptx
+++ b/Lectures/Lecture 17/Lecture 17.pptx
@@ -227,7 +227,7 @@
           <a:p>
             <a:fld id="{467FE51A-BC06-4E6F-B1DA-B477364E598F}" type="datetimeFigureOut">
               <a:rPr lang="en-US" smtClean="0"/>
-              <a:t>2/29/2020</a:t>
+              <a:t>3/8/2021</a:t>
             </a:fld>
             <a:endParaRPr lang="en-US"/>
           </a:p>
@@ -641,7 +641,7 @@
           <a:p>
             <a:fld id="{11C4ABE2-2F1A-4C31-A43A-C3E7CE49CE95}" type="datetimeFigureOut">
               <a:rPr lang="en-US" smtClean="0"/>
-              <a:t>2/29/2020</a:t>
+              <a:t>3/8/2021</a:t>
             </a:fld>
             <a:endParaRPr lang="en-US"/>
           </a:p>
@@ -839,7 +839,7 @@
           <a:p>
             <a:fld id="{11C4ABE2-2F1A-4C31-A43A-C3E7CE49CE95}" type="datetimeFigureOut">
               <a:rPr lang="en-US" smtClean="0"/>
-              <a:t>2/29/2020</a:t>
+              <a:t>3/8/2021</a:t>
             </a:fld>
             <a:endParaRPr lang="en-US"/>
           </a:p>
@@ -1047,7 +1047,7 @@
           <a:p>
             <a:fld id="{11C4ABE2-2F1A-4C31-A43A-C3E7CE49CE95}" type="datetimeFigureOut">
               <a:rPr lang="en-US" smtClean="0"/>
-              <a:t>2/29/2020</a:t>
+              <a:t>3/8/2021</a:t>
             </a:fld>
             <a:endParaRPr lang="en-US"/>
           </a:p>
@@ -1245,7 +1245,7 @@
           <a:p>
             <a:fld id="{11C4ABE2-2F1A-4C31-A43A-C3E7CE49CE95}" type="datetimeFigureOut">
               <a:rPr lang="en-US" smtClean="0"/>
-              <a:t>2/29/2020</a:t>
+              <a:t>3/8/2021</a:t>
             </a:fld>
             <a:endParaRPr lang="en-US"/>
           </a:p>
@@ -1520,7 +1520,7 @@
           <a:p>
             <a:fld id="{11C4ABE2-2F1A-4C31-A43A-C3E7CE49CE95}" type="datetimeFigureOut">
               <a:rPr lang="en-US" smtClean="0"/>
-              <a:t>2/29/2020</a:t>
+              <a:t>3/8/2021</a:t>
             </a:fld>
             <a:endParaRPr lang="en-US"/>
           </a:p>
@@ -1785,7 +1785,7 @@
           <a:p>
             <a:fld id="{11C4ABE2-2F1A-4C31-A43A-C3E7CE49CE95}" type="datetimeFigureOut">
               <a:rPr lang="en-US" smtClean="0"/>
-              <a:t>2/29/2020</a:t>
+              <a:t>3/8/2021</a:t>
             </a:fld>
             <a:endParaRPr lang="en-US"/>
           </a:p>
@@ -2197,7 +2197,7 @@
           <a:p>
             <a:fld id="{11C4ABE2-2F1A-4C31-A43A-C3E7CE49CE95}" type="datetimeFigureOut">
               <a:rPr lang="en-US" smtClean="0"/>
-              <a:t>2/29/2020</a:t>
+              <a:t>3/8/2021</a:t>
             </a:fld>
             <a:endParaRPr lang="en-US"/>
           </a:p>
@@ -2338,7 +2338,7 @@
           <a:p>
             <a:fld id="{11C4ABE2-2F1A-4C31-A43A-C3E7CE49CE95}" type="datetimeFigureOut">
               <a:rPr lang="en-US" smtClean="0"/>
-              <a:t>2/29/2020</a:t>
+              <a:t>3/8/2021</a:t>
             </a:fld>
             <a:endParaRPr lang="en-US"/>
           </a:p>
@@ -2451,7 +2451,7 @@
           <a:p>
             <a:fld id="{11C4ABE2-2F1A-4C31-A43A-C3E7CE49CE95}" type="datetimeFigureOut">
               <a:rPr lang="en-US" smtClean="0"/>
-              <a:t>2/29/2020</a:t>
+              <a:t>3/8/2021</a:t>
             </a:fld>
             <a:endParaRPr lang="en-US"/>
           </a:p>
@@ -2762,7 +2762,7 @@
           <a:p>
             <a:fld id="{11C4ABE2-2F1A-4C31-A43A-C3E7CE49CE95}" type="datetimeFigureOut">
               <a:rPr lang="en-US" smtClean="0"/>
-              <a:t>2/29/2020</a:t>
+              <a:t>3/8/2021</a:t>
             </a:fld>
             <a:endParaRPr lang="en-US"/>
           </a:p>
@@ -3050,7 +3050,7 @@
           <a:p>
             <a:fld id="{11C4ABE2-2F1A-4C31-A43A-C3E7CE49CE95}" type="datetimeFigureOut">
               <a:rPr lang="en-US" smtClean="0"/>
-              <a:t>2/29/2020</a:t>
+              <a:t>3/8/2021</a:t>
             </a:fld>
             <a:endParaRPr lang="en-US"/>
           </a:p>
@@ -3291,7 +3291,7 @@
           <a:p>
             <a:fld id="{11C4ABE2-2F1A-4C31-A43A-C3E7CE49CE95}" type="datetimeFigureOut">
               <a:rPr lang="en-US" smtClean="0"/>
-              <a:t>2/29/2020</a:t>
+              <a:t>3/8/2021</a:t>
             </a:fld>
             <a:endParaRPr lang="en-US"/>
           </a:p>
@@ -5920,7 +5920,7 @@
                 </a:solidFill>
                 <a:latin typeface="Bodoni MT" panose="02070603080606020203" pitchFamily="18" charset="0"/>
               </a:rPr>
-              <a:t>Ex: Oakdale School Busing</a:t>
+              <a:t>Ex: The Expanse</a:t>
             </a:r>
           </a:p>
         </p:txBody>
@@ -6579,7 +6579,7 @@
                 </a:solidFill>
                 <a:latin typeface="Corbel" panose="020B0503020204020204" pitchFamily="34" charset="0"/>
               </a:rPr>
-              <a:t>Oakdale-1.xlsx</a:t>
+              <a:t>Expanse.xlsx</a:t>
             </a:r>
             <a:r>
               <a:rPr lang="en-US" sz="2000" dirty="0">
@@ -7295,7 +7295,7 @@
                 </a:solidFill>
                 <a:latin typeface="Bodoni MT" panose="02070603080606020203" pitchFamily="18" charset="0"/>
               </a:rPr>
-              <a:t>Ex: Oakdale School Busing</a:t>
+              <a:t>Ex: The Expanse</a:t>
             </a:r>
           </a:p>
         </p:txBody>
@@ -8337,7 +8337,7 @@
                 </a:solidFill>
                 <a:latin typeface="Bodoni MT" panose="02070603080606020203" pitchFamily="18" charset="0"/>
               </a:rPr>
-              <a:t>Ex: Oakdale School Busing</a:t>
+              <a:t>Ex: The Expanse</a:t>
             </a:r>
           </a:p>
         </p:txBody>
@@ -9976,7 +9976,7 @@
                 </a:solidFill>
                 <a:latin typeface="Bodoni MT" panose="02070603080606020203" pitchFamily="18" charset="0"/>
               </a:rPr>
-              <a:t>Ex: Oakdale School Busing</a:t>
+              <a:t>Ex: The Expanse</a:t>
             </a:r>
           </a:p>
         </p:txBody>
@@ -11064,7 +11064,7 @@
                 </a:solidFill>
                 <a:latin typeface="Bodoni MT" panose="02070603080606020203" pitchFamily="18" charset="0"/>
               </a:rPr>
-              <a:t>Ex: Oakdale School Busing</a:t>
+              <a:t>Ex: The Expanse</a:t>
             </a:r>
           </a:p>
         </p:txBody>
@@ -12535,7 +12535,7 @@
                 </a:solidFill>
                 <a:latin typeface="Bodoni MT" panose="02070603080606020203" pitchFamily="18" charset="0"/>
               </a:rPr>
-              <a:t>Ex: Oakdale School Busing</a:t>
+              <a:t>Ex: The Expanse</a:t>
             </a:r>
           </a:p>
         </p:txBody>
@@ -13584,7 +13584,7 @@
                 </a:solidFill>
                 <a:latin typeface="Bodoni MT" panose="02070603080606020203" pitchFamily="18" charset="0"/>
               </a:rPr>
-              <a:t>Ex: Oakdale School Busing</a:t>
+              <a:t>Ex: The Expanse</a:t>
             </a:r>
           </a:p>
         </p:txBody>
@@ -15276,7 +15276,7 @@
                 </a:solidFill>
                 <a:latin typeface="Bodoni MT" panose="02070603080606020203" pitchFamily="18" charset="0"/>
               </a:rPr>
-              <a:t>Ex: Oakdale School Busing</a:t>
+              <a:t>Ex: The Expanse</a:t>
             </a:r>
           </a:p>
         </p:txBody>
@@ -16496,7 +16496,7 @@
                 </a:solidFill>
                 <a:latin typeface="Bodoni MT" panose="02070603080606020203" pitchFamily="18" charset="0"/>
               </a:rPr>
-              <a:t>Ex: Oakdale School Busing</a:t>
+              <a:t>Ex: The Expanse</a:t>
             </a:r>
           </a:p>
         </p:txBody>
@@ -18400,7 +18400,7 @@
                 </a:solidFill>
                 <a:latin typeface="Bodoni MT" panose="02070603080606020203" pitchFamily="18" charset="0"/>
               </a:rPr>
-              <a:t>Ex: Oakdale School Busing</a:t>
+              <a:t>Ex: The Expanse</a:t>
             </a:r>
           </a:p>
         </p:txBody>
@@ -18960,8 +18960,8 @@
           </a:p>
         </p:txBody>
       </p:sp>
-      <mc:AlternateContent xmlns:mc="http://schemas.openxmlformats.org/markup-compatibility/2006" xmlns:a14="http://schemas.microsoft.com/office/drawing/2010/main">
-        <mc:Choice Requires="a14">
+      <mc:AlternateContent xmlns:mc="http://schemas.openxmlformats.org/markup-compatibility/2006">
+        <mc:Choice xmlns:a14="http://schemas.microsoft.com/office/drawing/2010/main" Requires="a14">
           <p:sp>
             <p:nvSpPr>
               <p:cNvPr id="36" name="TextBox 35">
@@ -19016,7 +19016,7 @@
                     </a:solidFill>
                     <a:latin typeface="Corbel" panose="020B0503020204020204" pitchFamily="34" charset="0"/>
                   </a:rPr>
-                  <a:t>Achieve a 60%/40% ratio of white to black students at each of the schools</a:t>
+                  <a:t>Achieve a 60%/40% ratio of Martians to Earthers at each of the asteroids</a:t>
                 </a:r>
               </a:p>
               <a:p>
@@ -19031,7 +19031,7 @@
                     </a:solidFill>
                     <a:latin typeface="Corbel" panose="020B0503020204020204" pitchFamily="34" charset="0"/>
                   </a:rPr>
-                  <a:t>Minimize the amount of traveling that students will have to do, ideally no more than 30,000 miles per day</a:t>
+                  <a:t>Minimize the amount of traveling that people will have to do, ideally no more than 30,000 million miles</a:t>
                 </a:r>
               </a:p>
               <a:p>
@@ -19046,7 +19046,7 @@
                     </a:solidFill>
                     <a:latin typeface="Corbel" panose="020B0503020204020204" pitchFamily="34" charset="0"/>
                   </a:rPr>
-                  <a:t>Keep all schools close to capacity and minimize overcrowding proportionally allocating the excess among the schools</a:t>
+                  <a:t>Keep all asteroids close to capacity and minimize overcrowding proportionally allocating the excess among the asteroids</a:t>
                 </a:r>
               </a:p>
               <a:p>
@@ -19073,7 +19073,7 @@
                     </a:solidFill>
                     <a:latin typeface="Corbel" panose="020B0503020204020204" pitchFamily="34" charset="0"/>
                   </a:rPr>
-                  <a:t>Q: How can we formulate and solve a goal programming model to help the board with its dilemma?</a:t>
+                  <a:t>Q: How can we formulate and solve a goal programming model to help these representatives with their dilemma?</a:t>
                 </a:r>
               </a:p>
               <a:p>
@@ -19205,28 +19205,7 @@
                         </a:solidFill>
                         <a:latin typeface="Cambria Math" panose="02040503050406030204" pitchFamily="18" charset="0"/>
                       </a:rPr>
-                      <m:t>white</m:t>
-                    </m:r>
-                    <m:r>
-                      <a:rPr lang="en-US" sz="2000" b="0" i="0" dirty="0" smtClean="0">
-                        <a:solidFill>
-                          <a:srgbClr val="404040"/>
-                        </a:solidFill>
-                        <a:latin typeface="Cambria Math" panose="02040503050406030204" pitchFamily="18" charset="0"/>
-                      </a:rPr>
-                      <m:t> </m:t>
-                    </m:r>
-                    <m:r>
-                      <m:rPr>
-                        <m:sty m:val="p"/>
-                      </m:rPr>
-                      <a:rPr lang="en-US" sz="2000" b="0" i="0" dirty="0" smtClean="0">
-                        <a:solidFill>
-                          <a:srgbClr val="404040"/>
-                        </a:solidFill>
-                        <a:latin typeface="Cambria Math" panose="02040503050406030204" pitchFamily="18" charset="0"/>
-                      </a:rPr>
-                      <m:t>students</m:t>
+                      <m:t>martians</m:t>
                     </m:r>
                     <m:r>
                       <a:rPr lang="en-US" sz="2000" b="0" i="0" dirty="0" smtClean="0">
@@ -19268,7 +19247,7 @@
                         </a:solidFill>
                         <a:latin typeface="Cambria Math" panose="02040503050406030204" pitchFamily="18" charset="0"/>
                       </a:rPr>
-                      <m:t>district</m:t>
+                      <m:t>asteroid</m:t>
                     </m:r>
                     <m:r>
                       <a:rPr lang="en-US" sz="2000" b="0" i="0" dirty="0" smtClean="0">
@@ -19349,7 +19328,7 @@
                         </a:solidFill>
                         <a:latin typeface="Cambria Math" panose="02040503050406030204" pitchFamily="18" charset="0"/>
                       </a:rPr>
-                      <m:t>district</m:t>
+                      <m:t>asteroid</m:t>
                     </m:r>
                     <m:r>
                       <a:rPr lang="en-US" sz="2000" b="0" i="0" dirty="0" smtClean="0">
@@ -19480,31 +19459,10 @@
                         </a:solidFill>
                         <a:latin typeface="Cambria Math" panose="02040503050406030204" pitchFamily="18" charset="0"/>
                       </a:rPr>
-                      <m:t>black</m:t>
+                      <m:t>earthers</m:t>
                     </m:r>
                     <m:r>
-                      <a:rPr lang="en-US" sz="2000" dirty="0">
-                        <a:solidFill>
-                          <a:srgbClr val="404040"/>
-                        </a:solidFill>
-                        <a:latin typeface="Cambria Math" panose="02040503050406030204" pitchFamily="18" charset="0"/>
-                      </a:rPr>
-                      <m:t> </m:t>
-                    </m:r>
-                    <m:r>
-                      <m:rPr>
-                        <m:sty m:val="p"/>
-                      </m:rPr>
-                      <a:rPr lang="en-US" sz="2000" dirty="0">
-                        <a:solidFill>
-                          <a:srgbClr val="404040"/>
-                        </a:solidFill>
-                        <a:latin typeface="Cambria Math" panose="02040503050406030204" pitchFamily="18" charset="0"/>
-                      </a:rPr>
-                      <m:t>students</m:t>
-                    </m:r>
-                    <m:r>
-                      <a:rPr lang="en-US" sz="2000" dirty="0">
+                      <a:rPr lang="en-US" sz="2000" b="0" i="0" dirty="0" smtClean="0">
                         <a:solidFill>
                           <a:srgbClr val="404040"/>
                         </a:solidFill>
@@ -19537,13 +19495,13 @@
                       <m:rPr>
                         <m:sty m:val="p"/>
                       </m:rPr>
-                      <a:rPr lang="en-US" sz="2000" dirty="0">
+                      <a:rPr lang="en-US" sz="2000" b="0" i="0" dirty="0" smtClean="0">
                         <a:solidFill>
                           <a:srgbClr val="404040"/>
                         </a:solidFill>
                         <a:latin typeface="Cambria Math" panose="02040503050406030204" pitchFamily="18" charset="0"/>
                       </a:rPr>
-                      <m:t>district</m:t>
+                      <m:t>asteroid</m:t>
                     </m:r>
                     <m:r>
                       <a:rPr lang="en-US" sz="2000" dirty="0">
@@ -19618,13 +19576,13 @@
                       <m:rPr>
                         <m:sty m:val="p"/>
                       </m:rPr>
-                      <a:rPr lang="en-US" sz="2000" dirty="0">
+                      <a:rPr lang="en-US" sz="2000" b="0" i="0" dirty="0" smtClean="0">
                         <a:solidFill>
                           <a:srgbClr val="404040"/>
                         </a:solidFill>
                         <a:latin typeface="Cambria Math" panose="02040503050406030204" pitchFamily="18" charset="0"/>
                       </a:rPr>
-                      <m:t>district</m:t>
+                      <m:t>asteroid</m:t>
                     </m:r>
                     <m:r>
                       <a:rPr lang="en-US" sz="2000" dirty="0">
@@ -19717,7 +19675,7 @@
                             </a:solidFill>
                             <a:latin typeface="Cambria Math" panose="02040503050406030204" pitchFamily="18" charset="0"/>
                           </a:rPr>
-                          <m:t>𝑁</m:t>
+                          <m:t>𝑉</m:t>
                         </m:r>
                         <m:r>
                           <a:rPr lang="en-US" sz="2000" b="0" i="1" dirty="0" smtClean="0">
@@ -19735,7 +19693,7 @@
                             </a:solidFill>
                             <a:latin typeface="Cambria Math" panose="02040503050406030204" pitchFamily="18" charset="0"/>
                           </a:rPr>
-                          <m:t>𝑆</m:t>
+                          <m:t>𝐻</m:t>
                         </m:r>
                         <m:r>
                           <a:rPr lang="en-US" sz="2000" b="0" i="1" dirty="0" smtClean="0">
@@ -19753,7 +19711,7 @@
                             </a:solidFill>
                             <a:latin typeface="Cambria Math" panose="02040503050406030204" pitchFamily="18" charset="0"/>
                           </a:rPr>
-                          <m:t>𝐸</m:t>
+                          <m:t>𝑃</m:t>
                         </m:r>
                         <m:r>
                           <a:rPr lang="en-US" sz="2000" b="0" i="1" dirty="0" smtClean="0">
@@ -19771,7 +19729,7 @@
                             </a:solidFill>
                             <a:latin typeface="Cambria Math" panose="02040503050406030204" pitchFamily="18" charset="0"/>
                           </a:rPr>
-                          <m:t>𝑊</m:t>
+                          <m:t>𝐶</m:t>
                         </m:r>
                       </m:e>
                     </m:d>
@@ -19787,7 +19745,7 @@
             </p:txBody>
           </p:sp>
         </mc:Choice>
-        <mc:Fallback xmlns="">
+        <mc:Fallback>
           <p:sp>
             <p:nvSpPr>
               <p:cNvPr id="36" name="TextBox 35">
@@ -20159,7 +20117,7 @@
                 </a:solidFill>
                 <a:latin typeface="Bodoni MT" panose="02070603080606020203" pitchFamily="18" charset="0"/>
               </a:rPr>
-              <a:t>Ex: Oakdale School Busing</a:t>
+              <a:t>Ex: The Expanse</a:t>
             </a:r>
           </a:p>
         </p:txBody>
@@ -20767,7 +20725,7 @@
                 </a:solidFill>
                 <a:latin typeface="Corbel" panose="020B0503020204020204" pitchFamily="34" charset="0"/>
               </a:rPr>
-              <a:t>racial balance</a:t>
+              <a:t>fair</a:t>
             </a:r>
             <a:r>
               <a:rPr lang="en-US" sz="2000" dirty="0">
@@ -20776,7 +20734,25 @@
                 </a:solidFill>
                 <a:latin typeface="Corbel" panose="020B0503020204020204" pitchFamily="34" charset="0"/>
               </a:rPr>
-              <a:t> in all 4 schools</a:t>
+              <a:t> </a:t>
+            </a:r>
+            <a:r>
+              <a:rPr lang="en-US" sz="2000" dirty="0">
+                <a:solidFill>
+                  <a:srgbClr val="A71B86"/>
+                </a:solidFill>
+                <a:latin typeface="Corbel" panose="020B0503020204020204" pitchFamily="34" charset="0"/>
+              </a:rPr>
+              <a:t>representation </a:t>
+            </a:r>
+            <a:r>
+              <a:rPr lang="en-US" sz="2000" dirty="0">
+                <a:solidFill>
+                  <a:srgbClr val="404040"/>
+                </a:solidFill>
+                <a:latin typeface="Corbel" panose="020B0503020204020204" pitchFamily="34" charset="0"/>
+              </a:rPr>
+              <a:t>in all 4 asteroids</a:t>
             </a:r>
           </a:p>
           <a:p>
@@ -20791,7 +20767,7 @@
                 </a:solidFill>
                 <a:latin typeface="Corbel" panose="020B0503020204020204" pitchFamily="34" charset="0"/>
               </a:rPr>
-              <a:t>Consider perfect balance for North High School</a:t>
+              <a:t>Consider perfect balance for Vesta</a:t>
             </a:r>
           </a:p>
           <a:p>
@@ -20925,8 +20901,8 @@
           </a:prstGeom>
         </p:spPr>
       </p:pic>
-      <mc:AlternateContent xmlns:mc="http://schemas.openxmlformats.org/markup-compatibility/2006" xmlns:a14="http://schemas.microsoft.com/office/drawing/2010/main">
-        <mc:Choice Requires="a14">
+      <mc:AlternateContent xmlns:mc="http://schemas.openxmlformats.org/markup-compatibility/2006">
+        <mc:Choice xmlns:a14="http://schemas.microsoft.com/office/drawing/2010/main" Requires="a14">
           <p:sp>
             <p:nvSpPr>
               <p:cNvPr id="4" name="TextBox 3">
@@ -20987,7 +20963,7 @@
                             <a:rPr lang="en-US" b="0" i="1" smtClean="0">
                               <a:latin typeface="Cambria Math" panose="02040503050406030204" pitchFamily="18" charset="0"/>
                             </a:rPr>
-                            <m:t>𝑊h𝑖𝑡𝑒</m:t>
+                            <m:t>𝑀𝑎𝑟𝑡𝑖𝑎𝑛</m:t>
                           </m:r>
                         </m:num>
                         <m:den>
@@ -21007,7 +20983,7 @@
                             <a:rPr lang="en-US" b="0" i="1" smtClean="0">
                               <a:latin typeface="Cambria Math" panose="02040503050406030204" pitchFamily="18" charset="0"/>
                             </a:rPr>
-                            <m:t>𝐵𝑙𝑎𝑐𝑘</m:t>
+                            <m:t>𝐸𝑎𝑟𝑡h𝑒𝑟</m:t>
                           </m:r>
                         </m:den>
                       </m:f>
@@ -21092,7 +21068,7 @@
                                 <a:rPr lang="en-US" b="0" i="1" smtClean="0">
                                   <a:latin typeface="Cambria Math" panose="02040503050406030204" pitchFamily="18" charset="0"/>
                                 </a:rPr>
-                                <m:t>𝑊h𝑖𝑡𝑒</m:t>
+                                <m:t>𝑀𝑎𝑟𝑡𝑖𝑎𝑛</m:t>
                               </m:r>
                             </m:num>
                             <m:den>
@@ -21112,7 +21088,7 @@
                                 <a:rPr lang="en-US" b="0" i="1" smtClean="0">
                                   <a:latin typeface="Cambria Math" panose="02040503050406030204" pitchFamily="18" charset="0"/>
                                 </a:rPr>
-                                <m:t>𝑆𝑡𝑢𝑑𝑒𝑛𝑡𝑠</m:t>
+                                <m:t>𝐸𝑎𝑟𝑡h𝑒𝑟</m:t>
                               </m:r>
                             </m:den>
                           </m:f>
@@ -21143,7 +21119,7 @@
                                 <a:rPr lang="en-US" b="0" i="1" smtClean="0">
                                   <a:latin typeface="Cambria Math" panose="02040503050406030204" pitchFamily="18" charset="0"/>
                                 </a:rPr>
-                                <m:t>𝐵𝑙𝑎𝑐𝑘</m:t>
+                                <m:t>𝑀𝑎𝑟𝑡𝑖𝑎𝑛</m:t>
                               </m:r>
                             </m:num>
                             <m:den>
@@ -21163,7 +21139,7 @@
                                 <a:rPr lang="en-US" b="0" i="1" smtClean="0">
                                   <a:latin typeface="Cambria Math" panose="02040503050406030204" pitchFamily="18" charset="0"/>
                                 </a:rPr>
-                                <m:t>𝑆𝑡𝑢𝑑𝑒𝑛𝑡𝑠</m:t>
+                                <m:t>𝐸𝑎𝑟𝑡h𝑒𝑟</m:t>
                               </m:r>
                             </m:den>
                           </m:f>
@@ -21238,10 +21214,10 @@
                             <m:t> </m:t>
                           </m:r>
                           <m:r>
-                            <a:rPr lang="en-US" i="1">
-                              <a:latin typeface="Cambria Math" panose="02040503050406030204" pitchFamily="18" charset="0"/>
-                            </a:rPr>
-                            <m:t>𝑊h𝑖𝑡𝑒</m:t>
+                            <a:rPr lang="en-US" b="0" i="1" smtClean="0">
+                              <a:latin typeface="Cambria Math" panose="02040503050406030204" pitchFamily="18" charset="0"/>
+                            </a:rPr>
+                            <m:t>𝑀𝑎𝑟𝑡𝑖𝑎𝑛</m:t>
                           </m:r>
                         </m:num>
                         <m:den>
@@ -21258,10 +21234,10 @@
                             <m:t> </m:t>
                           </m:r>
                           <m:r>
-                            <a:rPr lang="en-US" i="1">
-                              <a:latin typeface="Cambria Math" panose="02040503050406030204" pitchFamily="18" charset="0"/>
-                            </a:rPr>
-                            <m:t>𝐵𝑙𝑎𝑐𝑘</m:t>
+                            <a:rPr lang="en-US" b="0" i="1" smtClean="0">
+                              <a:latin typeface="Cambria Math" panose="02040503050406030204" pitchFamily="18" charset="0"/>
+                            </a:rPr>
+                            <m:t>𝐸𝑎𝑟𝑡h𝑒𝑟</m:t>
                           </m:r>
                         </m:den>
                       </m:f>
@@ -21304,7 +21280,7 @@
             </p:txBody>
           </p:sp>
         </mc:Choice>
-        <mc:Fallback xmlns="">
+        <mc:Fallback>
           <p:sp>
             <p:nvSpPr>
               <p:cNvPr id="4" name="TextBox 3">
@@ -21349,8 +21325,8 @@
           </p:sp>
         </mc:Fallback>
       </mc:AlternateContent>
-      <mc:AlternateContent xmlns:mc="http://schemas.openxmlformats.org/markup-compatibility/2006" xmlns:a14="http://schemas.microsoft.com/office/drawing/2010/main">
-        <mc:Choice Requires="a14">
+      <mc:AlternateContent xmlns:mc="http://schemas.openxmlformats.org/markup-compatibility/2006">
+        <mc:Choice xmlns:a14="http://schemas.microsoft.com/office/drawing/2010/main" Requires="a14">
           <p:sp>
             <p:nvSpPr>
               <p:cNvPr id="30" name="TextBox 29">
@@ -21423,7 +21399,7 @@
                             <a:rPr lang="en-US" b="0" i="1" smtClean="0">
                               <a:latin typeface="Cambria Math" panose="02040503050406030204" pitchFamily="18" charset="0"/>
                             </a:rPr>
-                            <m:t>𝑊h𝑖𝑡𝑒</m:t>
+                            <m:t>𝑀𝑎𝑟𝑡𝑖𝑎𝑛</m:t>
                           </m:r>
                         </m:e>
                       </m:d>
@@ -21458,7 +21434,7 @@
                             <a:rPr lang="en-US" b="0" i="1" smtClean="0">
                               <a:latin typeface="Cambria Math" panose="02040503050406030204" pitchFamily="18" charset="0"/>
                             </a:rPr>
-                            <m:t>𝐵𝑙𝑎𝑐𝑘</m:t>
+                            <m:t>𝐸𝑎𝑟𝑡h𝑒𝑟</m:t>
                           </m:r>
                         </m:e>
                       </m:d>
@@ -21517,7 +21493,7 @@
                                 <a:rPr lang="en-US" b="0" i="1" smtClean="0">
                                   <a:latin typeface="Cambria Math" panose="02040503050406030204" pitchFamily="18" charset="0"/>
                                 </a:rPr>
-                                <m:t>𝑁𝑁</m:t>
+                                <m:t>𝑉𝑉</m:t>
                               </m:r>
                             </m:sub>
                           </m:sSub>
@@ -21548,7 +21524,7 @@
                                 <a:rPr lang="en-US" b="0" i="1" smtClean="0">
                                   <a:latin typeface="Cambria Math" panose="02040503050406030204" pitchFamily="18" charset="0"/>
                                 </a:rPr>
-                                <m:t>𝑆𝑁</m:t>
+                                <m:t>𝐻𝑉</m:t>
                               </m:r>
                             </m:sub>
                           </m:sSub>
@@ -21579,7 +21555,7 @@
                                 <a:rPr lang="en-US" b="0" i="1" smtClean="0">
                                   <a:latin typeface="Cambria Math" panose="02040503050406030204" pitchFamily="18" charset="0"/>
                                 </a:rPr>
-                                <m:t>𝐸𝑁</m:t>
+                                <m:t>𝑃𝑉</m:t>
                               </m:r>
                             </m:sub>
                           </m:sSub>
@@ -21610,7 +21586,7 @@
                                 <a:rPr lang="en-US" b="0" i="1" smtClean="0">
                                   <a:latin typeface="Cambria Math" panose="02040503050406030204" pitchFamily="18" charset="0"/>
                                 </a:rPr>
-                                <m:t>𝑊𝑁</m:t>
+                                <m:t>𝐶𝑉</m:t>
                               </m:r>
                             </m:sub>
                           </m:sSub>
@@ -21649,10 +21625,10 @@
                             </m:e>
                             <m:sub>
                               <m:r>
-                                <a:rPr lang="en-US" i="1">
+                                <a:rPr lang="en-US" b="0" i="1" smtClean="0">
                                   <a:latin typeface="Cambria Math" panose="02040503050406030204" pitchFamily="18" charset="0"/>
                                 </a:rPr>
-                                <m:t>𝑁𝑁</m:t>
+                                <m:t>𝑉𝑉</m:t>
                               </m:r>
                             </m:sub>
                           </m:sSub>
@@ -21680,10 +21656,10 @@
                             </m:e>
                             <m:sub>
                               <m:r>
-                                <a:rPr lang="en-US" i="1">
+                                <a:rPr lang="en-US" b="0" i="1" smtClean="0">
                                   <a:latin typeface="Cambria Math" panose="02040503050406030204" pitchFamily="18" charset="0"/>
                                 </a:rPr>
-                                <m:t>𝑆𝑁</m:t>
+                                <m:t>𝐻𝑉</m:t>
                               </m:r>
                             </m:sub>
                           </m:sSub>
@@ -21711,10 +21687,10 @@
                             </m:e>
                             <m:sub>
                               <m:r>
-                                <a:rPr lang="en-US" i="1">
+                                <a:rPr lang="en-US" b="0" i="1" smtClean="0">
                                   <a:latin typeface="Cambria Math" panose="02040503050406030204" pitchFamily="18" charset="0"/>
                                 </a:rPr>
-                                <m:t>𝐸𝑁</m:t>
+                                <m:t>𝑃𝑉</m:t>
                               </m:r>
                             </m:sub>
                           </m:sSub>
@@ -21742,10 +21718,10 @@
                             </m:e>
                             <m:sub>
                               <m:r>
-                                <a:rPr lang="en-US" i="1">
+                                <a:rPr lang="en-US" b="0" i="1" smtClean="0">
                                   <a:latin typeface="Cambria Math" panose="02040503050406030204" pitchFamily="18" charset="0"/>
                                 </a:rPr>
-                                <m:t>𝑊𝑁</m:t>
+                                <m:t>𝐶𝑉</m:t>
                               </m:r>
                             </m:sub>
                           </m:sSub>
@@ -21768,7 +21744,7 @@
             </p:txBody>
           </p:sp>
         </mc:Choice>
-        <mc:Fallback xmlns="">
+        <mc:Fallback>
           <p:sp>
             <p:nvSpPr>
               <p:cNvPr id="30" name="TextBox 29">
@@ -22023,7 +21999,7 @@
                 </a:solidFill>
                 <a:latin typeface="Bodoni MT" panose="02070603080606020203" pitchFamily="18" charset="0"/>
               </a:rPr>
-              <a:t>Ex: Oakdale School Busing</a:t>
+              <a:t>Ex: The Expanse</a:t>
             </a:r>
           </a:p>
         </p:txBody>
@@ -22598,7 +22574,7 @@
         <p:spPr>
           <a:xfrm>
             <a:off x="773935" y="1947592"/>
-            <a:ext cx="8859163" cy="4401205"/>
+            <a:ext cx="8859163" cy="4093428"/>
           </a:xfrm>
           <a:prstGeom prst="rect">
             <a:avLst/>
@@ -22631,7 +22607,7 @@
                 </a:solidFill>
                 <a:latin typeface="Corbel" panose="020B0503020204020204" pitchFamily="34" charset="0"/>
               </a:rPr>
-              <a:t>racial</a:t>
+              <a:t>fair representation </a:t>
             </a:r>
             <a:r>
               <a:rPr lang="en-US" sz="2000" dirty="0">
@@ -22640,25 +22616,7 @@
                 </a:solidFill>
                 <a:latin typeface="Corbel" panose="020B0503020204020204" pitchFamily="34" charset="0"/>
               </a:rPr>
-              <a:t> </a:t>
-            </a:r>
-            <a:r>
-              <a:rPr lang="en-US" sz="2000" dirty="0">
-                <a:solidFill>
-                  <a:srgbClr val="A71B86"/>
-                </a:solidFill>
-                <a:latin typeface="Corbel" panose="020B0503020204020204" pitchFamily="34" charset="0"/>
-              </a:rPr>
-              <a:t>balance</a:t>
-            </a:r>
-            <a:r>
-              <a:rPr lang="en-US" sz="2000" dirty="0">
-                <a:solidFill>
-                  <a:srgbClr val="404040"/>
-                </a:solidFill>
-                <a:latin typeface="Corbel" panose="020B0503020204020204" pitchFamily="34" charset="0"/>
-              </a:rPr>
-              <a:t> in all 4 schools</a:t>
+              <a:t>in all 4 asteroids</a:t>
             </a:r>
           </a:p>
           <a:p>
@@ -22673,7 +22631,7 @@
                 </a:solidFill>
                 <a:latin typeface="Corbel" panose="020B0503020204020204" pitchFamily="34" charset="0"/>
               </a:rPr>
-              <a:t>Adding deviational variables for North High School</a:t>
+              <a:t>Adding deviational variables for Vesta</a:t>
             </a:r>
           </a:p>
           <a:p>
@@ -22712,20 +22670,8 @@
                 </a:solidFill>
                 <a:latin typeface="Corbel" panose="020B0503020204020204" pitchFamily="34" charset="0"/>
               </a:rPr>
-              <a:t>Consider constraints for all schools in the county</a:t>
+              <a:t>Consider constraints for each of the asteroids</a:t>
             </a:r>
-          </a:p>
-          <a:p>
-            <a:pPr marL="742950" lvl="1" indent="-285750">
-              <a:buFont typeface="Arial" panose="020B0604020202020204" pitchFamily="34" charset="0"/>
-              <a:buChar char="•"/>
-            </a:pPr>
-            <a:endParaRPr lang="en-US" sz="2000" dirty="0">
-              <a:solidFill>
-                <a:srgbClr val="404040"/>
-              </a:solidFill>
-              <a:latin typeface="Corbel" panose="020B0503020204020204" pitchFamily="34" charset="0"/>
-            </a:endParaRPr>
           </a:p>
           <a:p>
             <a:pPr marL="742950" lvl="1" indent="-285750">
@@ -22784,7 +22730,7 @@
                 </a:solidFill>
                 <a:latin typeface="Corbel" panose="020B0503020204020204" pitchFamily="34" charset="0"/>
               </a:rPr>
-              <a:t>To accomplish our goal we want  </a:t>
+              <a:t>To accomplish our goal, we want  </a:t>
             </a:r>
             <a:r>
               <a:rPr lang="en-US" sz="2000" dirty="0">
@@ -22951,8 +22897,8 @@
           </a:prstGeom>
         </p:spPr>
       </p:pic>
-      <mc:AlternateContent xmlns:mc="http://schemas.openxmlformats.org/markup-compatibility/2006" xmlns:a14="http://schemas.microsoft.com/office/drawing/2010/main">
-        <mc:Choice Requires="a14">
+      <mc:AlternateContent xmlns:mc="http://schemas.openxmlformats.org/markup-compatibility/2006">
+        <mc:Choice xmlns:a14="http://schemas.microsoft.com/office/drawing/2010/main" Requires="a14">
           <p:sp>
             <p:nvSpPr>
               <p:cNvPr id="30" name="TextBox 29">
@@ -22989,7 +22935,7 @@
                     </m:oMathParaPr>
                     <m:oMath xmlns:m="http://schemas.openxmlformats.org/officeDocument/2006/math">
                       <m:r>
-                        <a:rPr lang="en-US" i="1" smtClean="0">
+                        <a:rPr lang="en-US" i="1">
                           <a:latin typeface="Cambria Math" panose="02040503050406030204" pitchFamily="18" charset="0"/>
                         </a:rPr>
                         <m:t>0.4</m:t>
@@ -22997,7 +22943,7 @@
                       <m:d>
                         <m:dPr>
                           <m:ctrlPr>
-                            <a:rPr lang="en-US" b="0" i="1" smtClean="0">
+                            <a:rPr lang="en-US" i="1">
                               <a:latin typeface="Cambria Math" panose="02040503050406030204" pitchFamily="18" charset="0"/>
                             </a:rPr>
                           </m:ctrlPr>
@@ -23006,14 +22952,14 @@
                           <m:sSub>
                             <m:sSubPr>
                               <m:ctrlPr>
-                                <a:rPr lang="en-US" b="0" i="1" smtClean="0">
+                                <a:rPr lang="en-US" i="1">
                                   <a:latin typeface="Cambria Math" panose="02040503050406030204" pitchFamily="18" charset="0"/>
                                 </a:rPr>
                               </m:ctrlPr>
                             </m:sSubPr>
                             <m:e>
                               <m:r>
-                                <a:rPr lang="en-US" b="0" i="1" smtClean="0">
+                                <a:rPr lang="en-US" i="1">
                                   <a:latin typeface="Cambria Math" panose="02040503050406030204" pitchFamily="18" charset="0"/>
                                 </a:rPr>
                                 <m:t>𝑥</m:t>
@@ -23021,15 +22967,15 @@
                             </m:e>
                             <m:sub>
                               <m:r>
-                                <a:rPr lang="en-US" b="0" i="1" smtClean="0">
+                                <a:rPr lang="en-US" i="1">
                                   <a:latin typeface="Cambria Math" panose="02040503050406030204" pitchFamily="18" charset="0"/>
                                 </a:rPr>
-                                <m:t>𝑁𝑁</m:t>
+                                <m:t>𝑉𝑉</m:t>
                               </m:r>
                             </m:sub>
                           </m:sSub>
                           <m:r>
-                            <a:rPr lang="en-US" b="0" i="1" smtClean="0">
+                            <a:rPr lang="en-US" i="1">
                               <a:latin typeface="Cambria Math" panose="02040503050406030204" pitchFamily="18" charset="0"/>
                             </a:rPr>
                             <m:t>+</m:t>
@@ -23037,14 +22983,14 @@
                           <m:sSub>
                             <m:sSubPr>
                               <m:ctrlPr>
-                                <a:rPr lang="en-US" b="0" i="1" smtClean="0">
+                                <a:rPr lang="en-US" i="1">
                                   <a:latin typeface="Cambria Math" panose="02040503050406030204" pitchFamily="18" charset="0"/>
                                 </a:rPr>
                               </m:ctrlPr>
                             </m:sSubPr>
                             <m:e>
                               <m:r>
-                                <a:rPr lang="en-US" b="0" i="1" smtClean="0">
+                                <a:rPr lang="en-US" i="1">
                                   <a:latin typeface="Cambria Math" panose="02040503050406030204" pitchFamily="18" charset="0"/>
                                 </a:rPr>
                                 <m:t>𝑥</m:t>
@@ -23052,15 +22998,15 @@
                             </m:e>
                             <m:sub>
                               <m:r>
-                                <a:rPr lang="en-US" b="0" i="1" smtClean="0">
+                                <a:rPr lang="en-US" i="1">
                                   <a:latin typeface="Cambria Math" panose="02040503050406030204" pitchFamily="18" charset="0"/>
                                 </a:rPr>
-                                <m:t>𝑆𝑁</m:t>
+                                <m:t>𝐻𝑉</m:t>
                               </m:r>
                             </m:sub>
                           </m:sSub>
                           <m:r>
-                            <a:rPr lang="en-US" b="0" i="1" smtClean="0">
+                            <a:rPr lang="en-US" i="1">
                               <a:latin typeface="Cambria Math" panose="02040503050406030204" pitchFamily="18" charset="0"/>
                             </a:rPr>
                             <m:t>+</m:t>
@@ -23068,14 +23014,14 @@
                           <m:sSub>
                             <m:sSubPr>
                               <m:ctrlPr>
-                                <a:rPr lang="en-US" b="0" i="1" smtClean="0">
+                                <a:rPr lang="en-US" i="1">
                                   <a:latin typeface="Cambria Math" panose="02040503050406030204" pitchFamily="18" charset="0"/>
                                 </a:rPr>
                               </m:ctrlPr>
                             </m:sSubPr>
                             <m:e>
                               <m:r>
-                                <a:rPr lang="en-US" b="0" i="1" smtClean="0">
+                                <a:rPr lang="en-US" i="1">
                                   <a:latin typeface="Cambria Math" panose="02040503050406030204" pitchFamily="18" charset="0"/>
                                 </a:rPr>
                                 <m:t>𝑥</m:t>
@@ -23083,15 +23029,15 @@
                             </m:e>
                             <m:sub>
                               <m:r>
-                                <a:rPr lang="en-US" b="0" i="1" smtClean="0">
+                                <a:rPr lang="en-US" i="1">
                                   <a:latin typeface="Cambria Math" panose="02040503050406030204" pitchFamily="18" charset="0"/>
                                 </a:rPr>
-                                <m:t>𝐸𝑁</m:t>
+                                <m:t>𝑃𝑉</m:t>
                               </m:r>
                             </m:sub>
                           </m:sSub>
                           <m:r>
-                            <a:rPr lang="en-US" b="0" i="1" smtClean="0">
+                            <a:rPr lang="en-US" i="1">
                               <a:latin typeface="Cambria Math" panose="02040503050406030204" pitchFamily="18" charset="0"/>
                             </a:rPr>
                             <m:t>+</m:t>
@@ -23099,14 +23045,14 @@
                           <m:sSub>
                             <m:sSubPr>
                               <m:ctrlPr>
-                                <a:rPr lang="en-US" b="0" i="1" smtClean="0">
+                                <a:rPr lang="en-US" i="1">
                                   <a:latin typeface="Cambria Math" panose="02040503050406030204" pitchFamily="18" charset="0"/>
                                 </a:rPr>
                               </m:ctrlPr>
                             </m:sSubPr>
                             <m:e>
                               <m:r>
-                                <a:rPr lang="en-US" b="0" i="1" smtClean="0">
+                                <a:rPr lang="en-US" i="1">
                                   <a:latin typeface="Cambria Math" panose="02040503050406030204" pitchFamily="18" charset="0"/>
                                 </a:rPr>
                                 <m:t>𝑥</m:t>
@@ -23114,10 +23060,10 @@
                             </m:e>
                             <m:sub>
                               <m:r>
-                                <a:rPr lang="en-US" b="0" i="1" smtClean="0">
+                                <a:rPr lang="en-US" i="1">
                                   <a:latin typeface="Cambria Math" panose="02040503050406030204" pitchFamily="18" charset="0"/>
                                 </a:rPr>
-                                <m:t>𝑊𝑁</m:t>
+                                <m:t>𝐶𝑉</m:t>
                               </m:r>
                             </m:sub>
                           </m:sSub>
@@ -23148,7 +23094,7 @@
                             </m:sSubPr>
                             <m:e>
                               <m:r>
-                                <a:rPr lang="en-US" b="0" i="1" smtClean="0">
+                                <a:rPr lang="en-US" i="1">
                                   <a:latin typeface="Cambria Math" panose="02040503050406030204" pitchFamily="18" charset="0"/>
                                 </a:rPr>
                                 <m:t>𝑦</m:t>
@@ -23159,7 +23105,7 @@
                                 <a:rPr lang="en-US" i="1">
                                   <a:latin typeface="Cambria Math" panose="02040503050406030204" pitchFamily="18" charset="0"/>
                                 </a:rPr>
-                                <m:t>𝑁𝑁</m:t>
+                                <m:t>𝑉𝑉</m:t>
                               </m:r>
                             </m:sub>
                           </m:sSub>
@@ -23179,7 +23125,7 @@
                             </m:sSubPr>
                             <m:e>
                               <m:r>
-                                <a:rPr lang="en-US" b="0" i="1" smtClean="0">
+                                <a:rPr lang="en-US" i="1">
                                   <a:latin typeface="Cambria Math" panose="02040503050406030204" pitchFamily="18" charset="0"/>
                                 </a:rPr>
                                 <m:t>𝑦</m:t>
@@ -23190,7 +23136,7 @@
                                 <a:rPr lang="en-US" i="1">
                                   <a:latin typeface="Cambria Math" panose="02040503050406030204" pitchFamily="18" charset="0"/>
                                 </a:rPr>
-                                <m:t>𝑆𝑁</m:t>
+                                <m:t>𝐻𝑉</m:t>
                               </m:r>
                             </m:sub>
                           </m:sSub>
@@ -23210,7 +23156,7 @@
                             </m:sSubPr>
                             <m:e>
                               <m:r>
-                                <a:rPr lang="en-US" b="0" i="1" smtClean="0">
+                                <a:rPr lang="en-US" i="1">
                                   <a:latin typeface="Cambria Math" panose="02040503050406030204" pitchFamily="18" charset="0"/>
                                 </a:rPr>
                                 <m:t>𝑦</m:t>
@@ -23221,7 +23167,7 @@
                                 <a:rPr lang="en-US" i="1">
                                   <a:latin typeface="Cambria Math" panose="02040503050406030204" pitchFamily="18" charset="0"/>
                                 </a:rPr>
-                                <m:t>𝐸𝑁</m:t>
+                                <m:t>𝑃𝑉</m:t>
                               </m:r>
                             </m:sub>
                           </m:sSub>
@@ -23241,7 +23187,7 @@
                             </m:sSubPr>
                             <m:e>
                               <m:r>
-                                <a:rPr lang="en-US" b="0" i="1" smtClean="0">
+                                <a:rPr lang="en-US" i="1">
                                   <a:latin typeface="Cambria Math" panose="02040503050406030204" pitchFamily="18" charset="0"/>
                                 </a:rPr>
                                 <m:t>𝑦</m:t>
@@ -23252,7 +23198,7 @@
                                 <a:rPr lang="en-US" i="1">
                                   <a:latin typeface="Cambria Math" panose="02040503050406030204" pitchFamily="18" charset="0"/>
                                 </a:rPr>
-                                <m:t>𝑊𝑁</m:t>
+                                <m:t>𝐶𝑉</m:t>
                               </m:r>
                             </m:sub>
                           </m:sSub>
@@ -23353,7 +23299,7 @@
             </p:txBody>
           </p:sp>
         </mc:Choice>
-        <mc:Fallback xmlns="">
+        <mc:Fallback>
           <p:sp>
             <p:nvSpPr>
               <p:cNvPr id="30" name="TextBox 29">
@@ -23398,8 +23344,8 @@
           </p:sp>
         </mc:Fallback>
       </mc:AlternateContent>
-      <mc:AlternateContent xmlns:mc="http://schemas.openxmlformats.org/markup-compatibility/2006" xmlns:a14="http://schemas.microsoft.com/office/drawing/2010/main">
-        <mc:Choice Requires="a14">
+      <mc:AlternateContent xmlns:mc="http://schemas.openxmlformats.org/markup-compatibility/2006">
+        <mc:Choice xmlns:a14="http://schemas.microsoft.com/office/drawing/2010/main" Requires="a14">
           <p:sp>
             <p:nvSpPr>
               <p:cNvPr id="23" name="TextBox 22">
@@ -23414,7 +23360,7 @@
             </p:nvSpPr>
             <p:spPr>
               <a:xfrm>
-                <a:off x="869069" y="3673861"/>
+                <a:off x="817194" y="3566756"/>
                 <a:ext cx="9018071" cy="1221104"/>
               </a:xfrm>
               <a:prstGeom prst="rect">
@@ -23471,7 +23417,7 @@
                                 <a:rPr lang="en-US" i="1">
                                   <a:latin typeface="Cambria Math" panose="02040503050406030204" pitchFamily="18" charset="0"/>
                                 </a:rPr>
-                                <m:t>𝑁𝑁</m:t>
+                                <m:t>𝑉𝑉</m:t>
                               </m:r>
                             </m:sub>
                           </m:sSub>
@@ -23502,7 +23448,7 @@
                                 <a:rPr lang="en-US" i="1">
                                   <a:latin typeface="Cambria Math" panose="02040503050406030204" pitchFamily="18" charset="0"/>
                                 </a:rPr>
-                                <m:t>𝑆𝑁</m:t>
+                                <m:t>𝐻𝑉</m:t>
                               </m:r>
                             </m:sub>
                           </m:sSub>
@@ -23533,7 +23479,7 @@
                                 <a:rPr lang="en-US" i="1">
                                   <a:latin typeface="Cambria Math" panose="02040503050406030204" pitchFamily="18" charset="0"/>
                                 </a:rPr>
-                                <m:t>𝐸𝑁</m:t>
+                                <m:t>𝑃𝑉</m:t>
                               </m:r>
                             </m:sub>
                           </m:sSub>
@@ -23564,7 +23510,7 @@
                                 <a:rPr lang="en-US" i="1">
                                   <a:latin typeface="Cambria Math" panose="02040503050406030204" pitchFamily="18" charset="0"/>
                                 </a:rPr>
-                                <m:t>𝑊𝑁</m:t>
+                                <m:t>𝐶𝑉</m:t>
                               </m:r>
                             </m:sub>
                           </m:sSub>
@@ -23606,7 +23552,7 @@
                                 <a:rPr lang="en-US" i="1">
                                   <a:latin typeface="Cambria Math" panose="02040503050406030204" pitchFamily="18" charset="0"/>
                                 </a:rPr>
-                                <m:t>𝑁𝑁</m:t>
+                                <m:t>𝑉𝑉</m:t>
                               </m:r>
                             </m:sub>
                           </m:sSub>
@@ -23637,7 +23583,7 @@
                                 <a:rPr lang="en-US" i="1">
                                   <a:latin typeface="Cambria Math" panose="02040503050406030204" pitchFamily="18" charset="0"/>
                                 </a:rPr>
-                                <m:t>𝑆𝑁</m:t>
+                                <m:t>𝐻𝑉</m:t>
                               </m:r>
                             </m:sub>
                           </m:sSub>
@@ -23668,7 +23614,7 @@
                                 <a:rPr lang="en-US" i="1">
                                   <a:latin typeface="Cambria Math" panose="02040503050406030204" pitchFamily="18" charset="0"/>
                                 </a:rPr>
-                                <m:t>𝐸𝑁</m:t>
+                                <m:t>𝑃𝑉</m:t>
                               </m:r>
                             </m:sub>
                           </m:sSub>
@@ -23699,7 +23645,7 @@
                                 <a:rPr lang="en-US" i="1">
                                   <a:latin typeface="Cambria Math" panose="02040503050406030204" pitchFamily="18" charset="0"/>
                                 </a:rPr>
-                                <m:t>𝑊𝑁</m:t>
+                                <m:t>𝐶𝑉</m:t>
                               </m:r>
                             </m:sub>
                           </m:sSub>
@@ -23792,9 +23738,7 @@
                     </m:oMath>
                   </m:oMathPara>
                 </a14:m>
-                <a:endParaRPr lang="en-US" i="1" dirty="0">
-                  <a:latin typeface="Cambria Math" panose="02040503050406030204" pitchFamily="18" charset="0"/>
-                </a:endParaRPr>
+                <a:endParaRPr lang="en-US" dirty="0"/>
               </a:p>
               <a:p>
                 <a:pPr/>
@@ -23840,7 +23784,7 @@
                                 <a:rPr lang="en-US" b="0" i="1" smtClean="0">
                                   <a:latin typeface="Cambria Math" panose="02040503050406030204" pitchFamily="18" charset="0"/>
                                 </a:rPr>
-                                <m:t>𝑁𝑆</m:t>
+                                <m:t>𝑉𝐻</m:t>
                               </m:r>
                             </m:sub>
                           </m:sSub>
@@ -23871,7 +23815,7 @@
                                 <a:rPr lang="en-US" b="0" i="1" smtClean="0">
                                   <a:latin typeface="Cambria Math" panose="02040503050406030204" pitchFamily="18" charset="0"/>
                                 </a:rPr>
-                                <m:t>𝑆𝑆</m:t>
+                                <m:t>𝐻𝐻</m:t>
                               </m:r>
                             </m:sub>
                           </m:sSub>
@@ -23902,7 +23846,7 @@
                                 <a:rPr lang="en-US" b="0" i="1" smtClean="0">
                                   <a:latin typeface="Cambria Math" panose="02040503050406030204" pitchFamily="18" charset="0"/>
                                 </a:rPr>
-                                <m:t>𝐸𝑆</m:t>
+                                <m:t>𝑃𝐻</m:t>
                               </m:r>
                             </m:sub>
                           </m:sSub>
@@ -23933,7 +23877,7 @@
                                 <a:rPr lang="en-US" b="0" i="1" smtClean="0">
                                   <a:latin typeface="Cambria Math" panose="02040503050406030204" pitchFamily="18" charset="0"/>
                                 </a:rPr>
-                                <m:t>𝑊𝑆</m:t>
+                                <m:t>𝐶𝐻</m:t>
                               </m:r>
                             </m:sub>
                           </m:sSub>
@@ -23975,13 +23919,7 @@
                                 <a:rPr lang="en-US" i="1">
                                   <a:latin typeface="Cambria Math" panose="02040503050406030204" pitchFamily="18" charset="0"/>
                                 </a:rPr>
-                                <m:t>𝑁</m:t>
-                              </m:r>
-                              <m:r>
-                                <a:rPr lang="en-US" b="0" i="1" smtClean="0">
-                                  <a:latin typeface="Cambria Math" panose="02040503050406030204" pitchFamily="18" charset="0"/>
-                                </a:rPr>
-                                <m:t>𝑆</m:t>
+                                <m:t>𝑉𝐻</m:t>
                               </m:r>
                             </m:sub>
                           </m:sSub>
@@ -24012,13 +23950,7 @@
                                 <a:rPr lang="en-US" i="1">
                                   <a:latin typeface="Cambria Math" panose="02040503050406030204" pitchFamily="18" charset="0"/>
                                 </a:rPr>
-                                <m:t>𝑆</m:t>
-                              </m:r>
-                              <m:r>
-                                <a:rPr lang="en-US" b="0" i="1" smtClean="0">
-                                  <a:latin typeface="Cambria Math" panose="02040503050406030204" pitchFamily="18" charset="0"/>
-                                </a:rPr>
-                                <m:t>𝑆</m:t>
+                                <m:t>𝐻𝐻</m:t>
                               </m:r>
                             </m:sub>
                           </m:sSub>
@@ -24049,13 +23981,7 @@
                                 <a:rPr lang="en-US" i="1">
                                   <a:latin typeface="Cambria Math" panose="02040503050406030204" pitchFamily="18" charset="0"/>
                                 </a:rPr>
-                                <m:t>𝐸</m:t>
-                              </m:r>
-                              <m:r>
-                                <a:rPr lang="en-US" b="0" i="1" smtClean="0">
-                                  <a:latin typeface="Cambria Math" panose="02040503050406030204" pitchFamily="18" charset="0"/>
-                                </a:rPr>
-                                <m:t>𝑆</m:t>
+                                <m:t>𝑃𝐻</m:t>
                               </m:r>
                             </m:sub>
                           </m:sSub>
@@ -24086,13 +24012,7 @@
                                 <a:rPr lang="en-US" i="1">
                                   <a:latin typeface="Cambria Math" panose="02040503050406030204" pitchFamily="18" charset="0"/>
                                 </a:rPr>
-                                <m:t>𝑊</m:t>
-                              </m:r>
-                              <m:r>
-                                <a:rPr lang="en-US" b="0" i="1" smtClean="0">
-                                  <a:latin typeface="Cambria Math" panose="02040503050406030204" pitchFamily="18" charset="0"/>
-                                </a:rPr>
-                                <m:t>𝑆</m:t>
+                                <m:t>𝐶𝐻</m:t>
                               </m:r>
                             </m:sub>
                           </m:sSub>
@@ -24228,16 +24148,10 @@
                             </m:e>
                             <m:sub>
                               <m:r>
-                                <a:rPr lang="en-US" i="1">
-                                  <a:latin typeface="Cambria Math" panose="02040503050406030204" pitchFamily="18" charset="0"/>
-                                </a:rPr>
-                                <m:t>𝑁</m:t>
-                              </m:r>
-                              <m:r>
                                 <a:rPr lang="en-US" b="0" i="1" smtClean="0">
                                   <a:latin typeface="Cambria Math" panose="02040503050406030204" pitchFamily="18" charset="0"/>
                                 </a:rPr>
-                                <m:t>𝐸</m:t>
+                                <m:t>𝑉𝑃</m:t>
                               </m:r>
                             </m:sub>
                           </m:sSub>
@@ -24265,16 +24179,10 @@
                             </m:e>
                             <m:sub>
                               <m:r>
-                                <a:rPr lang="en-US" i="1">
-                                  <a:latin typeface="Cambria Math" panose="02040503050406030204" pitchFamily="18" charset="0"/>
-                                </a:rPr>
-                                <m:t>𝑆</m:t>
-                              </m:r>
-                              <m:r>
                                 <a:rPr lang="en-US" b="0" i="1" smtClean="0">
                                   <a:latin typeface="Cambria Math" panose="02040503050406030204" pitchFamily="18" charset="0"/>
                                 </a:rPr>
-                                <m:t>𝐸</m:t>
+                                <m:t>𝐻𝑃</m:t>
                               </m:r>
                             </m:sub>
                           </m:sSub>
@@ -24302,16 +24210,10 @@
                             </m:e>
                             <m:sub>
                               <m:r>
-                                <a:rPr lang="en-US" i="1">
-                                  <a:latin typeface="Cambria Math" panose="02040503050406030204" pitchFamily="18" charset="0"/>
-                                </a:rPr>
-                                <m:t>𝐸</m:t>
-                              </m:r>
-                              <m:r>
                                 <a:rPr lang="en-US" b="0" i="1" smtClean="0">
                                   <a:latin typeface="Cambria Math" panose="02040503050406030204" pitchFamily="18" charset="0"/>
                                 </a:rPr>
-                                <m:t>𝐸</m:t>
+                                <m:t>𝑃𝑃</m:t>
                               </m:r>
                             </m:sub>
                           </m:sSub>
@@ -24339,16 +24241,10 @@
                             </m:e>
                             <m:sub>
                               <m:r>
-                                <a:rPr lang="en-US" i="1">
-                                  <a:latin typeface="Cambria Math" panose="02040503050406030204" pitchFamily="18" charset="0"/>
-                                </a:rPr>
-                                <m:t>𝑊</m:t>
-                              </m:r>
-                              <m:r>
                                 <a:rPr lang="en-US" b="0" i="1" smtClean="0">
                                   <a:latin typeface="Cambria Math" panose="02040503050406030204" pitchFamily="18" charset="0"/>
                                 </a:rPr>
-                                <m:t>𝐸</m:t>
+                                <m:t>𝐶𝑃</m:t>
                               </m:r>
                             </m:sub>
                           </m:sSub>
@@ -24379,7 +24275,7 @@
                             </m:sSubPr>
                             <m:e>
                               <m:r>
-                                <a:rPr lang="en-US" i="1">
+                                <a:rPr lang="en-US" b="0" i="1" smtClean="0">
                                   <a:latin typeface="Cambria Math" panose="02040503050406030204" pitchFamily="18" charset="0"/>
                                 </a:rPr>
                                 <m:t>𝑦</m:t>
@@ -24390,13 +24286,7 @@
                                 <a:rPr lang="en-US" i="1">
                                   <a:latin typeface="Cambria Math" panose="02040503050406030204" pitchFamily="18" charset="0"/>
                                 </a:rPr>
-                                <m:t>𝑁</m:t>
-                              </m:r>
-                              <m:r>
-                                <a:rPr lang="en-US" b="0" i="1" smtClean="0">
-                                  <a:latin typeface="Cambria Math" panose="02040503050406030204" pitchFamily="18" charset="0"/>
-                                </a:rPr>
-                                <m:t>𝐸</m:t>
+                                <m:t>𝑉𝑃</m:t>
                               </m:r>
                             </m:sub>
                           </m:sSub>
@@ -24416,7 +24306,7 @@
                             </m:sSubPr>
                             <m:e>
                               <m:r>
-                                <a:rPr lang="en-US" i="1">
+                                <a:rPr lang="en-US" b="0" i="1" smtClean="0">
                                   <a:latin typeface="Cambria Math" panose="02040503050406030204" pitchFamily="18" charset="0"/>
                                 </a:rPr>
                                 <m:t>𝑦</m:t>
@@ -24427,13 +24317,7 @@
                                 <a:rPr lang="en-US" i="1">
                                   <a:latin typeface="Cambria Math" panose="02040503050406030204" pitchFamily="18" charset="0"/>
                                 </a:rPr>
-                                <m:t>𝑆</m:t>
-                              </m:r>
-                              <m:r>
-                                <a:rPr lang="en-US" b="0" i="1" smtClean="0">
-                                  <a:latin typeface="Cambria Math" panose="02040503050406030204" pitchFamily="18" charset="0"/>
-                                </a:rPr>
-                                <m:t>𝐸</m:t>
+                                <m:t>𝐻𝑃</m:t>
                               </m:r>
                             </m:sub>
                           </m:sSub>
@@ -24453,7 +24337,7 @@
                             </m:sSubPr>
                             <m:e>
                               <m:r>
-                                <a:rPr lang="en-US" i="1">
+                                <a:rPr lang="en-US" b="0" i="1" smtClean="0">
                                   <a:latin typeface="Cambria Math" panose="02040503050406030204" pitchFamily="18" charset="0"/>
                                 </a:rPr>
                                 <m:t>𝑦</m:t>
@@ -24464,13 +24348,7 @@
                                 <a:rPr lang="en-US" i="1">
                                   <a:latin typeface="Cambria Math" panose="02040503050406030204" pitchFamily="18" charset="0"/>
                                 </a:rPr>
-                                <m:t>𝐸</m:t>
-                              </m:r>
-                              <m:r>
-                                <a:rPr lang="en-US" b="0" i="1" smtClean="0">
-                                  <a:latin typeface="Cambria Math" panose="02040503050406030204" pitchFamily="18" charset="0"/>
-                                </a:rPr>
-                                <m:t>𝐸</m:t>
+                                <m:t>𝑃𝑃</m:t>
                               </m:r>
                             </m:sub>
                           </m:sSub>
@@ -24490,7 +24368,7 @@
                             </m:sSubPr>
                             <m:e>
                               <m:r>
-                                <a:rPr lang="en-US" i="1">
+                                <a:rPr lang="en-US" b="0" i="1" smtClean="0">
                                   <a:latin typeface="Cambria Math" panose="02040503050406030204" pitchFamily="18" charset="0"/>
                                 </a:rPr>
                                 <m:t>𝑦</m:t>
@@ -24501,13 +24379,7 @@
                                 <a:rPr lang="en-US" i="1">
                                   <a:latin typeface="Cambria Math" panose="02040503050406030204" pitchFamily="18" charset="0"/>
                                 </a:rPr>
-                                <m:t>𝑊</m:t>
-                              </m:r>
-                              <m:r>
-                                <a:rPr lang="en-US" b="0" i="1" smtClean="0">
-                                  <a:latin typeface="Cambria Math" panose="02040503050406030204" pitchFamily="18" charset="0"/>
-                                </a:rPr>
-                                <m:t>𝐸</m:t>
+                                <m:t>𝐶𝑃</m:t>
                               </m:r>
                             </m:sub>
                           </m:sSub>
@@ -24643,16 +24515,10 @@
                             </m:e>
                             <m:sub>
                               <m:r>
-                                <a:rPr lang="en-US" i="1">
-                                  <a:latin typeface="Cambria Math" panose="02040503050406030204" pitchFamily="18" charset="0"/>
-                                </a:rPr>
-                                <m:t>𝑁</m:t>
-                              </m:r>
-                              <m:r>
                                 <a:rPr lang="en-US" b="0" i="1" smtClean="0">
                                   <a:latin typeface="Cambria Math" panose="02040503050406030204" pitchFamily="18" charset="0"/>
                                 </a:rPr>
-                                <m:t>𝑊</m:t>
+                                <m:t>𝑉𝐶</m:t>
                               </m:r>
                             </m:sub>
                           </m:sSub>
@@ -24680,16 +24546,10 @@
                             </m:e>
                             <m:sub>
                               <m:r>
-                                <a:rPr lang="en-US" i="1">
-                                  <a:latin typeface="Cambria Math" panose="02040503050406030204" pitchFamily="18" charset="0"/>
-                                </a:rPr>
-                                <m:t>𝑆</m:t>
-                              </m:r>
-                              <m:r>
                                 <a:rPr lang="en-US" b="0" i="1" smtClean="0">
                                   <a:latin typeface="Cambria Math" panose="02040503050406030204" pitchFamily="18" charset="0"/>
                                 </a:rPr>
-                                <m:t>𝑊</m:t>
+                                <m:t>𝐻𝐶</m:t>
                               </m:r>
                             </m:sub>
                           </m:sSub>
@@ -24717,16 +24577,10 @@
                             </m:e>
                             <m:sub>
                               <m:r>
-                                <a:rPr lang="en-US" i="1">
-                                  <a:latin typeface="Cambria Math" panose="02040503050406030204" pitchFamily="18" charset="0"/>
-                                </a:rPr>
-                                <m:t>𝐸</m:t>
-                              </m:r>
-                              <m:r>
                                 <a:rPr lang="en-US" b="0" i="1" smtClean="0">
                                   <a:latin typeface="Cambria Math" panose="02040503050406030204" pitchFamily="18" charset="0"/>
                                 </a:rPr>
-                                <m:t>𝑊</m:t>
+                                <m:t>𝑃𝐶</m:t>
                               </m:r>
                             </m:sub>
                           </m:sSub>
@@ -24754,16 +24608,10 @@
                             </m:e>
                             <m:sub>
                               <m:r>
-                                <a:rPr lang="en-US" i="1">
-                                  <a:latin typeface="Cambria Math" panose="02040503050406030204" pitchFamily="18" charset="0"/>
-                                </a:rPr>
-                                <m:t>𝑊</m:t>
-                              </m:r>
-                              <m:r>
                                 <a:rPr lang="en-US" b="0" i="1" smtClean="0">
                                   <a:latin typeface="Cambria Math" panose="02040503050406030204" pitchFamily="18" charset="0"/>
                                 </a:rPr>
-                                <m:t>𝑊</m:t>
+                                <m:t>𝐶𝐶</m:t>
                               </m:r>
                             </m:sub>
                           </m:sSub>
@@ -24794,7 +24642,7 @@
                             </m:sSubPr>
                             <m:e>
                               <m:r>
-                                <a:rPr lang="en-US" i="1">
+                                <a:rPr lang="en-US" b="0" i="1" smtClean="0">
                                   <a:latin typeface="Cambria Math" panose="02040503050406030204" pitchFamily="18" charset="0"/>
                                 </a:rPr>
                                 <m:t>𝑦</m:t>
@@ -24805,13 +24653,7 @@
                                 <a:rPr lang="en-US" i="1">
                                   <a:latin typeface="Cambria Math" panose="02040503050406030204" pitchFamily="18" charset="0"/>
                                 </a:rPr>
-                                <m:t>𝑁</m:t>
-                              </m:r>
-                              <m:r>
-                                <a:rPr lang="en-US" b="0" i="1" smtClean="0">
-                                  <a:latin typeface="Cambria Math" panose="02040503050406030204" pitchFamily="18" charset="0"/>
-                                </a:rPr>
-                                <m:t>𝑊</m:t>
+                                <m:t>𝑉𝐶</m:t>
                               </m:r>
                             </m:sub>
                           </m:sSub>
@@ -24831,7 +24673,7 @@
                             </m:sSubPr>
                             <m:e>
                               <m:r>
-                                <a:rPr lang="en-US" i="1">
+                                <a:rPr lang="en-US" b="0" i="1" smtClean="0">
                                   <a:latin typeface="Cambria Math" panose="02040503050406030204" pitchFamily="18" charset="0"/>
                                 </a:rPr>
                                 <m:t>𝑦</m:t>
@@ -24842,13 +24684,7 @@
                                 <a:rPr lang="en-US" i="1">
                                   <a:latin typeface="Cambria Math" panose="02040503050406030204" pitchFamily="18" charset="0"/>
                                 </a:rPr>
-                                <m:t>𝑆</m:t>
-                              </m:r>
-                              <m:r>
-                                <a:rPr lang="en-US" b="0" i="1" smtClean="0">
-                                  <a:latin typeface="Cambria Math" panose="02040503050406030204" pitchFamily="18" charset="0"/>
-                                </a:rPr>
-                                <m:t>𝑊</m:t>
+                                <m:t>𝐻𝐶</m:t>
                               </m:r>
                             </m:sub>
                           </m:sSub>
@@ -24868,7 +24704,7 @@
                             </m:sSubPr>
                             <m:e>
                               <m:r>
-                                <a:rPr lang="en-US" i="1">
+                                <a:rPr lang="en-US" b="0" i="1" smtClean="0">
                                   <a:latin typeface="Cambria Math" panose="02040503050406030204" pitchFamily="18" charset="0"/>
                                 </a:rPr>
                                 <m:t>𝑦</m:t>
@@ -24879,13 +24715,7 @@
                                 <a:rPr lang="en-US" i="1">
                                   <a:latin typeface="Cambria Math" panose="02040503050406030204" pitchFamily="18" charset="0"/>
                                 </a:rPr>
-                                <m:t>𝐸</m:t>
-                              </m:r>
-                              <m:r>
-                                <a:rPr lang="en-US" b="0" i="1" smtClean="0">
-                                  <a:latin typeface="Cambria Math" panose="02040503050406030204" pitchFamily="18" charset="0"/>
-                                </a:rPr>
-                                <m:t>𝑊</m:t>
+                                <m:t>𝑃𝐶</m:t>
                               </m:r>
                             </m:sub>
                           </m:sSub>
@@ -24905,7 +24735,7 @@
                             </m:sSubPr>
                             <m:e>
                               <m:r>
-                                <a:rPr lang="en-US" i="1">
+                                <a:rPr lang="en-US" b="0" i="1" smtClean="0">
                                   <a:latin typeface="Cambria Math" panose="02040503050406030204" pitchFamily="18" charset="0"/>
                                 </a:rPr>
                                 <m:t>𝑦</m:t>
@@ -24916,13 +24746,7 @@
                                 <a:rPr lang="en-US" i="1">
                                   <a:latin typeface="Cambria Math" panose="02040503050406030204" pitchFamily="18" charset="0"/>
                                 </a:rPr>
-                                <m:t>𝑊</m:t>
-                              </m:r>
-                              <m:r>
-                                <a:rPr lang="en-US" b="0" i="1" smtClean="0">
-                                  <a:latin typeface="Cambria Math" panose="02040503050406030204" pitchFamily="18" charset="0"/>
-                                </a:rPr>
-                                <m:t>𝑊</m:t>
+                                <m:t>𝐶𝐶</m:t>
                               </m:r>
                             </m:sub>
                           </m:sSub>
@@ -25020,7 +24844,7 @@
             </p:txBody>
           </p:sp>
         </mc:Choice>
-        <mc:Fallback xmlns="">
+        <mc:Fallback>
           <p:sp>
             <p:nvSpPr>
               <p:cNvPr id="23" name="TextBox 22">
@@ -25037,7 +24861,7 @@
             </p:nvSpPr>
             <p:spPr>
               <a:xfrm>
-                <a:off x="869069" y="3673861"/>
+                <a:off x="817194" y="3566756"/>
                 <a:ext cx="9018071" cy="1221104"/>
               </a:xfrm>
               <a:prstGeom prst="rect">
@@ -25065,8 +24889,8 @@
           </p:sp>
         </mc:Fallback>
       </mc:AlternateContent>
-      <mc:AlternateContent xmlns:mc="http://schemas.openxmlformats.org/markup-compatibility/2006" xmlns:a14="http://schemas.microsoft.com/office/drawing/2010/main">
-        <mc:Choice Requires="a14">
+      <mc:AlternateContent xmlns:mc="http://schemas.openxmlformats.org/markup-compatibility/2006">
+        <mc:Choice xmlns:a14="http://schemas.microsoft.com/office/drawing/2010/main" Requires="a14">
           <p:sp>
             <p:nvSpPr>
               <p:cNvPr id="29" name="TextBox 28">
@@ -25081,7 +24905,7 @@
             </p:nvSpPr>
             <p:spPr>
               <a:xfrm>
-                <a:off x="571768" y="6015244"/>
+                <a:off x="694480" y="5816244"/>
                 <a:ext cx="9018071" cy="369332"/>
               </a:xfrm>
               <a:prstGeom prst="rect">
@@ -25477,7 +25301,7 @@
             </p:txBody>
           </p:sp>
         </mc:Choice>
-        <mc:Fallback xmlns="">
+        <mc:Fallback>
           <p:sp>
             <p:nvSpPr>
               <p:cNvPr id="29" name="TextBox 28">
@@ -25494,7 +25318,7 @@
             </p:nvSpPr>
             <p:spPr>
               <a:xfrm>
-                <a:off x="571768" y="6015244"/>
+                <a:off x="694480" y="5816244"/>
                 <a:ext cx="9018071" cy="369332"/>
               </a:xfrm>
               <a:prstGeom prst="rect">
@@ -25503,7 +25327,7 @@
               <a:blipFill>
                 <a:blip r:embed="rId8"/>
                 <a:stretch>
-                  <a:fillRect b="-13333"/>
+                  <a:fillRect b="-13115"/>
                 </a:stretch>
               </a:blipFill>
             </p:spPr>
@@ -25732,7 +25556,7 @@
                 </a:solidFill>
                 <a:latin typeface="Bodoni MT" panose="02070603080606020203" pitchFamily="18" charset="0"/>
               </a:rPr>
-              <a:t>Ex: Oakdale School Busing</a:t>
+              <a:t>Ex: The Expanse</a:t>
             </a:r>
           </a:p>
         </p:txBody>
@@ -26349,7 +26173,7 @@
                 </a:solidFill>
                 <a:latin typeface="Corbel" panose="020B0503020204020204" pitchFamily="34" charset="0"/>
               </a:rPr>
-              <a:t>to not much more than 30,000 miles</a:t>
+              <a:t>to not much more than 30,000 million miles</a:t>
             </a:r>
           </a:p>
           <a:p>
@@ -26364,7 +26188,7 @@
                 </a:solidFill>
                 <a:latin typeface="Corbel" panose="020B0503020204020204" pitchFamily="34" charset="0"/>
               </a:rPr>
-              <a:t>Recall the following table</a:t>
+              <a:t>Recall the following table in millions of miles</a:t>
             </a:r>
           </a:p>
           <a:p>
@@ -26715,7 +26539,7 @@
                                 <a:rPr lang="en-US" b="0" i="1" smtClean="0">
                                   <a:latin typeface="Cambria Math" panose="02040503050406030204" pitchFamily="18" charset="0"/>
                                 </a:rPr>
-                                <m:t>𝑁𝑆</m:t>
+                                <m:t>𝑉𝐻</m:t>
                               </m:r>
                             </m:sub>
                           </m:sSub>
@@ -26746,7 +26570,7 @@
                                 <a:rPr lang="en-US" b="0" i="1" smtClean="0">
                                   <a:latin typeface="Cambria Math" panose="02040503050406030204" pitchFamily="18" charset="0"/>
                                 </a:rPr>
-                                <m:t>𝑁𝑆</m:t>
+                                <m:t>𝑉𝐻</m:t>
                               </m:r>
                             </m:sub>
                           </m:sSub>
@@ -26777,7 +26601,7 @@
                                 <a:rPr lang="en-US" b="0" i="1" smtClean="0">
                                   <a:latin typeface="Cambria Math" panose="02040503050406030204" pitchFamily="18" charset="0"/>
                                 </a:rPr>
-                                <m:t>𝑆𝑁</m:t>
+                                <m:t>𝐻𝑉</m:t>
                               </m:r>
                             </m:sub>
                           </m:sSub>
@@ -26800,7 +26624,7 @@
                                 <a:rPr lang="en-US" b="0" i="1" smtClean="0">
                                   <a:latin typeface="Cambria Math" panose="02040503050406030204" pitchFamily="18" charset="0"/>
                                 </a:rPr>
-                                <m:t>𝑥</m:t>
+                                <m:t>𝑦</m:t>
                               </m:r>
                             </m:e>
                             <m:sub>
@@ -26808,7 +26632,7 @@
                                 <a:rPr lang="en-US" b="0" i="1" smtClean="0">
                                   <a:latin typeface="Cambria Math" panose="02040503050406030204" pitchFamily="18" charset="0"/>
                                 </a:rPr>
-                                <m:t>𝑆𝑁</m:t>
+                                <m:t>𝐻𝑉</m:t>
                               </m:r>
                             </m:sub>
                           </m:sSub>
@@ -26850,7 +26674,7 @@
                                 <a:rPr lang="en-US" b="0" i="1" smtClean="0">
                                   <a:latin typeface="Cambria Math" panose="02040503050406030204" pitchFamily="18" charset="0"/>
                                 </a:rPr>
-                                <m:t>𝑁𝐸</m:t>
+                                <m:t>𝑉𝑃</m:t>
                               </m:r>
                             </m:sub>
                           </m:sSub>
@@ -26881,7 +26705,7 @@
                                 <a:rPr lang="en-US" b="0" i="1" smtClean="0">
                                   <a:latin typeface="Cambria Math" panose="02040503050406030204" pitchFamily="18" charset="0"/>
                                 </a:rPr>
-                                <m:t>𝑁𝐸</m:t>
+                                <m:t>𝑉𝑃</m:t>
                               </m:r>
                             </m:sub>
                           </m:sSub>
@@ -26912,7 +26736,7 @@
                                 <a:rPr lang="en-US" b="0" i="1" smtClean="0">
                                   <a:latin typeface="Cambria Math" panose="02040503050406030204" pitchFamily="18" charset="0"/>
                                 </a:rPr>
-                                <m:t>𝐸𝑁</m:t>
+                                <m:t>𝑃𝑉</m:t>
                               </m:r>
                             </m:sub>
                           </m:sSub>
@@ -26943,7 +26767,7 @@
                                 <a:rPr lang="en-US" b="0" i="1" smtClean="0">
                                   <a:latin typeface="Cambria Math" panose="02040503050406030204" pitchFamily="18" charset="0"/>
                                 </a:rPr>
-                                <m:t>𝐸𝑁</m:t>
+                                <m:t>𝑃𝑉</m:t>
                               </m:r>
                             </m:sub>
                           </m:sSub>
@@ -27000,7 +26824,7 @@
                                 <a:rPr lang="en-US" b="0" i="1" smtClean="0">
                                   <a:latin typeface="Cambria Math" panose="02040503050406030204" pitchFamily="18" charset="0"/>
                                 </a:rPr>
-                                <m:t>𝑁𝑊</m:t>
+                                <m:t>𝑉𝐶</m:t>
                               </m:r>
                             </m:sub>
                           </m:sSub>
@@ -27031,7 +26855,7 @@
                                 <a:rPr lang="en-US" b="0" i="1" smtClean="0">
                                   <a:latin typeface="Cambria Math" panose="02040503050406030204" pitchFamily="18" charset="0"/>
                                 </a:rPr>
-                                <m:t>𝑁𝑊</m:t>
+                                <m:t>𝑉𝐶</m:t>
                               </m:r>
                             </m:sub>
                           </m:sSub>
@@ -27062,7 +26886,7 @@
                                 <a:rPr lang="en-US" b="0" i="1" smtClean="0">
                                   <a:latin typeface="Cambria Math" panose="02040503050406030204" pitchFamily="18" charset="0"/>
                                 </a:rPr>
-                                <m:t>𝑊𝑁</m:t>
+                                <m:t>𝐶𝑉</m:t>
                               </m:r>
                             </m:sub>
                           </m:sSub>
@@ -27093,7 +26917,7 @@
                                 <a:rPr lang="en-US" b="0" i="1" smtClean="0">
                                   <a:latin typeface="Cambria Math" panose="02040503050406030204" pitchFamily="18" charset="0"/>
                                 </a:rPr>
-                                <m:t>𝑊𝑁</m:t>
+                                <m:t>𝐶𝑉</m:t>
                               </m:r>
                             </m:sub>
                           </m:sSub>
@@ -27135,7 +26959,7 @@
                                 <a:rPr lang="en-US" b="0" i="1" smtClean="0">
                                   <a:latin typeface="Cambria Math" panose="02040503050406030204" pitchFamily="18" charset="0"/>
                                 </a:rPr>
-                                <m:t>𝑆𝐸</m:t>
+                                <m:t>𝐻𝑉</m:t>
                               </m:r>
                             </m:sub>
                           </m:sSub>
@@ -27166,7 +26990,7 @@
                                 <a:rPr lang="en-US" b="0" i="1" smtClean="0">
                                   <a:latin typeface="Cambria Math" panose="02040503050406030204" pitchFamily="18" charset="0"/>
                                 </a:rPr>
-                                <m:t>𝑆𝐸</m:t>
+                                <m:t>𝐻𝑉</m:t>
                               </m:r>
                             </m:sub>
                           </m:sSub>
@@ -27197,7 +27021,7 @@
                                 <a:rPr lang="en-US" b="0" i="1" smtClean="0">
                                   <a:latin typeface="Cambria Math" panose="02040503050406030204" pitchFamily="18" charset="0"/>
                                 </a:rPr>
-                                <m:t>𝐸𝑆</m:t>
+                                <m:t>𝑉𝐻</m:t>
                               </m:r>
                             </m:sub>
                           </m:sSub>
@@ -27228,7 +27052,7 @@
                                 <a:rPr lang="en-US" b="0" i="1" smtClean="0">
                                   <a:latin typeface="Cambria Math" panose="02040503050406030204" pitchFamily="18" charset="0"/>
                                 </a:rPr>
-                                <m:t>𝐸𝑆</m:t>
+                                <m:t>𝑉𝐻</m:t>
                               </m:r>
                             </m:sub>
                           </m:sSub>
@@ -27289,7 +27113,7 @@
                                 <a:rPr lang="en-US" b="0" i="1" smtClean="0">
                                   <a:latin typeface="Cambria Math" panose="02040503050406030204" pitchFamily="18" charset="0"/>
                                 </a:rPr>
-                                <m:t>𝑆𝑊</m:t>
+                                <m:t>𝐻𝐶</m:t>
                               </m:r>
                             </m:sub>
                           </m:sSub>
@@ -27320,7 +27144,7 @@
                                 <a:rPr lang="en-US" b="0" i="1" smtClean="0">
                                   <a:latin typeface="Cambria Math" panose="02040503050406030204" pitchFamily="18" charset="0"/>
                                 </a:rPr>
-                                <m:t>𝑆𝑊</m:t>
+                                <m:t>𝐻𝐶</m:t>
                               </m:r>
                             </m:sub>
                           </m:sSub>
@@ -27351,7 +27175,7 @@
                                 <a:rPr lang="en-US" b="0" i="1" smtClean="0">
                                   <a:latin typeface="Cambria Math" panose="02040503050406030204" pitchFamily="18" charset="0"/>
                                 </a:rPr>
-                                <m:t>𝑊𝑆</m:t>
+                                <m:t>𝐶𝐻</m:t>
                               </m:r>
                             </m:sub>
                           </m:sSub>
@@ -27379,16 +27203,10 @@
                             </m:e>
                             <m:sub>
                               <m:r>
-                                <a:rPr lang="en-US" i="1">
-                                  <a:latin typeface="Cambria Math" panose="02040503050406030204" pitchFamily="18" charset="0"/>
-                                </a:rPr>
-                                <m:t>𝑊</m:t>
-                              </m:r>
-                              <m:r>
                                 <a:rPr lang="en-US" b="0" i="1" smtClean="0">
                                   <a:latin typeface="Cambria Math" panose="02040503050406030204" pitchFamily="18" charset="0"/>
                                 </a:rPr>
-                                <m:t>𝑆</m:t>
+                                <m:t>𝐶𝐻</m:t>
                               </m:r>
                             </m:sub>
                           </m:sSub>
@@ -27436,7 +27254,7 @@
                                 <a:rPr lang="en-US" b="0" i="1" smtClean="0">
                                   <a:latin typeface="Cambria Math" panose="02040503050406030204" pitchFamily="18" charset="0"/>
                                 </a:rPr>
-                                <m:t>𝐸𝑊</m:t>
+                                <m:t>𝑃𝐶</m:t>
                               </m:r>
                             </m:sub>
                           </m:sSub>
@@ -27464,16 +27282,10 @@
                             </m:e>
                             <m:sub>
                               <m:r>
-                                <a:rPr lang="en-US" i="1">
-                                  <a:latin typeface="Cambria Math" panose="02040503050406030204" pitchFamily="18" charset="0"/>
-                                </a:rPr>
-                                <m:t>𝐸</m:t>
-                              </m:r>
-                              <m:r>
                                 <a:rPr lang="en-US" b="0" i="1" smtClean="0">
                                   <a:latin typeface="Cambria Math" panose="02040503050406030204" pitchFamily="18" charset="0"/>
                                 </a:rPr>
-                                <m:t>𝑊</m:t>
+                                <m:t>𝑃𝐶</m:t>
                               </m:r>
                             </m:sub>
                           </m:sSub>
@@ -27504,13 +27316,7 @@
                                 <a:rPr lang="en-US" b="0" i="1" smtClean="0">
                                   <a:latin typeface="Cambria Math" panose="02040503050406030204" pitchFamily="18" charset="0"/>
                                 </a:rPr>
-                                <m:t>𝑊</m:t>
-                              </m:r>
-                              <m:r>
-                                <a:rPr lang="en-US" i="1">
-                                  <a:latin typeface="Cambria Math" panose="02040503050406030204" pitchFamily="18" charset="0"/>
-                                </a:rPr>
-                                <m:t>𝐸</m:t>
+                                <m:t>𝐶𝑃</m:t>
                               </m:r>
                             </m:sub>
                           </m:sSub>
@@ -27541,13 +27347,7 @@
                                 <a:rPr lang="en-US" b="0" i="1" smtClean="0">
                                   <a:latin typeface="Cambria Math" panose="02040503050406030204" pitchFamily="18" charset="0"/>
                                 </a:rPr>
-                                <m:t>𝑊</m:t>
-                              </m:r>
-                              <m:r>
-                                <a:rPr lang="en-US" i="1">
-                                  <a:latin typeface="Cambria Math" panose="02040503050406030204" pitchFamily="18" charset="0"/>
-                                </a:rPr>
-                                <m:t>𝐸</m:t>
+                                <m:t>𝐶𝑃</m:t>
                               </m:r>
                             </m:sub>
                           </m:sSub>
@@ -27635,13 +27435,7 @@
                         <a:rPr lang="en-US" b="0" i="1" smtClean="0">
                           <a:latin typeface="Cambria Math" panose="02040503050406030204" pitchFamily="18" charset="0"/>
                         </a:rPr>
-                        <m:t>=</m:t>
-                      </m:r>
-                      <m:r>
-                        <a:rPr lang="en-US" b="0" i="1" smtClean="0">
-                          <a:latin typeface="Cambria Math" panose="02040503050406030204" pitchFamily="18" charset="0"/>
-                        </a:rPr>
-                        <m:t>30,000</m:t>
+                        <m:t>=30,000</m:t>
                       </m:r>
                     </m:oMath>
                   </m:oMathPara>
@@ -27696,48 +27490,6 @@
           </p:sp>
         </mc:Fallback>
       </mc:AlternateContent>
-      <p:pic>
-        <p:nvPicPr>
-          <p:cNvPr id="31" name="Picture 30">
-            <a:extLst>
-              <a:ext uri="{FF2B5EF4-FFF2-40B4-BE49-F238E27FC236}">
-                <a16:creationId xmlns:a16="http://schemas.microsoft.com/office/drawing/2014/main" id="{21BAD581-C668-4E1D-89FD-CC79158B24E9}"/>
-              </a:ext>
-            </a:extLst>
-          </p:cNvPr>
-          <p:cNvPicPr>
-            <a:picLocks noChangeAspect="1"/>
-          </p:cNvPicPr>
-          <p:nvPr/>
-        </p:nvPicPr>
-        <p:blipFill>
-          <a:blip r:embed="rId7"/>
-          <a:stretch>
-            <a:fillRect/>
-          </a:stretch>
-        </p:blipFill>
-        <p:spPr>
-          <a:xfrm>
-            <a:off x="1643448" y="2779166"/>
-            <a:ext cx="5198832" cy="1650423"/>
-          </a:xfrm>
-          <a:prstGeom prst="rect">
-            <a:avLst/>
-          </a:prstGeom>
-          <a:ln w="38100">
-            <a:solidFill>
-              <a:srgbClr val="11B29F"/>
-            </a:solidFill>
-          </a:ln>
-          <a:effectLst>
-            <a:outerShdw blurRad="292100" dist="139700" dir="2700000" algn="tl" rotWithShape="0">
-              <a:srgbClr val="333333">
-                <a:alpha val="65000"/>
-              </a:srgbClr>
-            </a:outerShdw>
-          </a:effectLst>
-        </p:spPr>
-      </p:pic>
       <mc:AlternateContent xmlns:mc="http://schemas.openxmlformats.org/markup-compatibility/2006" xmlns:a14="http://schemas.microsoft.com/office/drawing/2010/main">
         <mc:Choice Requires="a14">
           <p:sp>
@@ -28273,6 +28025,462 @@
           </p:sp>
         </mc:Fallback>
       </mc:AlternateContent>
+      <p:graphicFrame>
+        <p:nvGraphicFramePr>
+          <p:cNvPr id="29" name="Table 3">
+            <a:extLst>
+              <a:ext uri="{FF2B5EF4-FFF2-40B4-BE49-F238E27FC236}">
+                <a16:creationId xmlns:a16="http://schemas.microsoft.com/office/drawing/2014/main" id="{209F1067-2930-41C0-BDF7-8D5C5423A6C8}"/>
+              </a:ext>
+            </a:extLst>
+          </p:cNvPr>
+          <p:cNvGraphicFramePr>
+            <a:graphicFrameLocks noGrp="1"/>
+          </p:cNvGraphicFramePr>
+          <p:nvPr>
+            <p:extLst>
+              <p:ext uri="{D42A27DB-BD31-4B8C-83A1-F6EECF244321}">
+                <p14:modId xmlns:p14="http://schemas.microsoft.com/office/powerpoint/2010/main" val="1174555708"/>
+              </p:ext>
+            </p:extLst>
+          </p:nvPr>
+        </p:nvGraphicFramePr>
+        <p:xfrm>
+          <a:off x="1640266" y="2762379"/>
+          <a:ext cx="5705855" cy="1667210"/>
+        </p:xfrm>
+        <a:graphic>
+          <a:graphicData uri="http://schemas.openxmlformats.org/drawingml/2006/table">
+            <a:tbl>
+              <a:tblPr firstRow="1" bandRow="1">
+                <a:tableStyleId>{0505E3EF-67EA-436B-97B2-0124C06EBD24}</a:tableStyleId>
+              </a:tblPr>
+              <a:tblGrid>
+                <a:gridCol w="1141171">
+                  <a:extLst>
+                    <a:ext uri="{9D8B030D-6E8A-4147-A177-3AD203B41FA5}">
+                      <a16:colId xmlns:a16="http://schemas.microsoft.com/office/drawing/2014/main" val="884158799"/>
+                    </a:ext>
+                  </a:extLst>
+                </a:gridCol>
+                <a:gridCol w="1141171">
+                  <a:extLst>
+                    <a:ext uri="{9D8B030D-6E8A-4147-A177-3AD203B41FA5}">
+                      <a16:colId xmlns:a16="http://schemas.microsoft.com/office/drawing/2014/main" val="3587704130"/>
+                    </a:ext>
+                  </a:extLst>
+                </a:gridCol>
+                <a:gridCol w="1141171">
+                  <a:extLst>
+                    <a:ext uri="{9D8B030D-6E8A-4147-A177-3AD203B41FA5}">
+                      <a16:colId xmlns:a16="http://schemas.microsoft.com/office/drawing/2014/main" val="1459892759"/>
+                    </a:ext>
+                  </a:extLst>
+                </a:gridCol>
+                <a:gridCol w="1141171">
+                  <a:extLst>
+                    <a:ext uri="{9D8B030D-6E8A-4147-A177-3AD203B41FA5}">
+                      <a16:colId xmlns:a16="http://schemas.microsoft.com/office/drawing/2014/main" val="1200751326"/>
+                    </a:ext>
+                  </a:extLst>
+                </a:gridCol>
+                <a:gridCol w="1141171">
+                  <a:extLst>
+                    <a:ext uri="{9D8B030D-6E8A-4147-A177-3AD203B41FA5}">
+                      <a16:colId xmlns:a16="http://schemas.microsoft.com/office/drawing/2014/main" val="3799208621"/>
+                    </a:ext>
+                  </a:extLst>
+                </a:gridCol>
+              </a:tblGrid>
+              <a:tr h="283009">
+                <a:tc>
+                  <a:txBody>
+                    <a:bodyPr/>
+                    <a:lstStyle/>
+                    <a:p>
+                      <a:pPr algn="ctr"/>
+                      <a:r>
+                        <a:rPr lang="en-US" sz="1600" b="1" dirty="0"/>
+                        <a:t>Asteroid</a:t>
+                      </a:r>
+                    </a:p>
+                  </a:txBody>
+                  <a:tcPr marL="89601" marR="89601" marT="44801" marB="44801"/>
+                </a:tc>
+                <a:tc>
+                  <a:txBody>
+                    <a:bodyPr/>
+                    <a:lstStyle/>
+                    <a:p>
+                      <a:pPr algn="ctr"/>
+                      <a:r>
+                        <a:rPr lang="en-US" sz="1600" dirty="0"/>
+                        <a:t>Vesta</a:t>
+                      </a:r>
+                    </a:p>
+                  </a:txBody>
+                  <a:tcPr marL="89601" marR="89601" marT="44801" marB="44801"/>
+                </a:tc>
+                <a:tc>
+                  <a:txBody>
+                    <a:bodyPr/>
+                    <a:lstStyle/>
+                    <a:p>
+                      <a:pPr algn="ctr"/>
+                      <a:r>
+                        <a:rPr lang="en-US" sz="1600" dirty="0"/>
+                        <a:t>Hygiea</a:t>
+                      </a:r>
+                    </a:p>
+                  </a:txBody>
+                  <a:tcPr marL="89601" marR="89601" marT="44801" marB="44801"/>
+                </a:tc>
+                <a:tc>
+                  <a:txBody>
+                    <a:bodyPr/>
+                    <a:lstStyle/>
+                    <a:p>
+                      <a:pPr algn="ctr"/>
+                      <a:r>
+                        <a:rPr lang="en-US" sz="1600" dirty="0"/>
+                        <a:t>Pallas</a:t>
+                      </a:r>
+                    </a:p>
+                  </a:txBody>
+                  <a:tcPr marL="89601" marR="89601" marT="44801" marB="44801"/>
+                </a:tc>
+                <a:tc>
+                  <a:txBody>
+                    <a:bodyPr/>
+                    <a:lstStyle/>
+                    <a:p>
+                      <a:pPr algn="ctr"/>
+                      <a:r>
+                        <a:rPr lang="en-US" sz="1600" dirty="0"/>
+                        <a:t>Ceres</a:t>
+                      </a:r>
+                    </a:p>
+                  </a:txBody>
+                  <a:tcPr marL="89601" marR="89601" marT="44801" marB="44801"/>
+                </a:tc>
+                <a:extLst>
+                  <a:ext uri="{0D108BD9-81ED-4DB2-BD59-A6C34878D82A}">
+                    <a16:rowId xmlns:a16="http://schemas.microsoft.com/office/drawing/2014/main" val="3609992459"/>
+                  </a:ext>
+                </a:extLst>
+              </a:tr>
+              <a:tr h="308421">
+                <a:tc>
+                  <a:txBody>
+                    <a:bodyPr/>
+                    <a:lstStyle/>
+                    <a:p>
+                      <a:pPr algn="ctr"/>
+                      <a:r>
+                        <a:rPr lang="en-US" sz="1600" b="1" dirty="0"/>
+                        <a:t>Vesta</a:t>
+                      </a:r>
+                    </a:p>
+                  </a:txBody>
+                  <a:tcPr marL="89601" marR="89601" marT="44801" marB="44801"/>
+                </a:tc>
+                <a:tc>
+                  <a:txBody>
+                    <a:bodyPr/>
+                    <a:lstStyle/>
+                    <a:p>
+                      <a:pPr algn="ctr"/>
+                      <a:r>
+                        <a:rPr lang="en-US" sz="1600" dirty="0"/>
+                        <a:t>-</a:t>
+                      </a:r>
+                    </a:p>
+                  </a:txBody>
+                  <a:tcPr marL="89601" marR="89601" marT="44801" marB="44801"/>
+                </a:tc>
+                <a:tc>
+                  <a:txBody>
+                    <a:bodyPr/>
+                    <a:lstStyle/>
+                    <a:p>
+                      <a:pPr algn="ctr"/>
+                      <a:r>
+                        <a:rPr lang="en-US" sz="1600" dirty="0"/>
+                        <a:t>30</a:t>
+                      </a:r>
+                    </a:p>
+                  </a:txBody>
+                  <a:tcPr marL="89601" marR="89601" marT="44801" marB="44801"/>
+                </a:tc>
+                <a:tc>
+                  <a:txBody>
+                    <a:bodyPr/>
+                    <a:lstStyle/>
+                    <a:p>
+                      <a:pPr algn="ctr"/>
+                      <a:r>
+                        <a:rPr lang="en-US" sz="1600" dirty="0"/>
+                        <a:t>12</a:t>
+                      </a:r>
+                    </a:p>
+                  </a:txBody>
+                  <a:tcPr marL="89601" marR="89601" marT="44801" marB="44801"/>
+                </a:tc>
+                <a:tc>
+                  <a:txBody>
+                    <a:bodyPr/>
+                    <a:lstStyle/>
+                    <a:p>
+                      <a:pPr algn="ctr"/>
+                      <a:r>
+                        <a:rPr lang="en-US" sz="1600" dirty="0"/>
+                        <a:t>20</a:t>
+                      </a:r>
+                    </a:p>
+                  </a:txBody>
+                  <a:tcPr marL="89601" marR="89601" marT="44801" marB="44801"/>
+                </a:tc>
+                <a:extLst>
+                  <a:ext uri="{0D108BD9-81ED-4DB2-BD59-A6C34878D82A}">
+                    <a16:rowId xmlns:a16="http://schemas.microsoft.com/office/drawing/2014/main" val="2738762858"/>
+                  </a:ext>
+                </a:extLst>
+              </a:tr>
+              <a:tr h="308421">
+                <a:tc>
+                  <a:txBody>
+                    <a:bodyPr/>
+                    <a:lstStyle/>
+                    <a:p>
+                      <a:pPr algn="ctr"/>
+                      <a:r>
+                        <a:rPr lang="en-US" sz="1600" b="1" dirty="0"/>
+                        <a:t>Hygiea</a:t>
+                      </a:r>
+                    </a:p>
+                  </a:txBody>
+                  <a:tcPr marL="89601" marR="89601" marT="44801" marB="44801"/>
+                </a:tc>
+                <a:tc>
+                  <a:txBody>
+                    <a:bodyPr/>
+                    <a:lstStyle/>
+                    <a:p>
+                      <a:pPr algn="ctr"/>
+                      <a:r>
+                        <a:rPr lang="en-US" sz="1600" dirty="0"/>
+                        <a:t>30</a:t>
+                      </a:r>
+                    </a:p>
+                  </a:txBody>
+                  <a:tcPr marL="89601" marR="89601" marT="44801" marB="44801"/>
+                </a:tc>
+                <a:tc>
+                  <a:txBody>
+                    <a:bodyPr/>
+                    <a:lstStyle/>
+                    <a:p>
+                      <a:pPr algn="ctr"/>
+                      <a:r>
+                        <a:rPr lang="en-US" sz="1600" dirty="0"/>
+                        <a:t>-</a:t>
+                      </a:r>
+                    </a:p>
+                  </a:txBody>
+                  <a:tcPr marL="89601" marR="89601" marT="44801" marB="44801"/>
+                </a:tc>
+                <a:tc>
+                  <a:txBody>
+                    <a:bodyPr/>
+                    <a:lstStyle/>
+                    <a:p>
+                      <a:pPr algn="ctr"/>
+                      <a:r>
+                        <a:rPr lang="en-US" sz="1600" dirty="0"/>
+                        <a:t>18</a:t>
+                      </a:r>
+                    </a:p>
+                  </a:txBody>
+                  <a:tcPr marL="89601" marR="89601" marT="44801" marB="44801"/>
+                </a:tc>
+                <a:tc>
+                  <a:txBody>
+                    <a:bodyPr/>
+                    <a:lstStyle/>
+                    <a:p>
+                      <a:pPr algn="ctr"/>
+                      <a:r>
+                        <a:rPr lang="en-US" sz="1600" dirty="0"/>
+                        <a:t>26</a:t>
+                      </a:r>
+                    </a:p>
+                  </a:txBody>
+                  <a:tcPr marL="89601" marR="89601" marT="44801" marB="44801"/>
+                </a:tc>
+                <a:extLst>
+                  <a:ext uri="{0D108BD9-81ED-4DB2-BD59-A6C34878D82A}">
+                    <a16:rowId xmlns:a16="http://schemas.microsoft.com/office/drawing/2014/main" val="3770625073"/>
+                  </a:ext>
+                </a:extLst>
+              </a:tr>
+              <a:tr h="308421">
+                <a:tc>
+                  <a:txBody>
+                    <a:bodyPr/>
+                    <a:lstStyle/>
+                    <a:p>
+                      <a:pPr algn="ctr"/>
+                      <a:r>
+                        <a:rPr lang="en-US" sz="1600" b="1" dirty="0"/>
+                        <a:t>Pallas</a:t>
+                      </a:r>
+                    </a:p>
+                  </a:txBody>
+                  <a:tcPr marL="89601" marR="89601" marT="44801" marB="44801"/>
+                </a:tc>
+                <a:tc>
+                  <a:txBody>
+                    <a:bodyPr/>
+                    <a:lstStyle/>
+                    <a:p>
+                      <a:pPr algn="ctr"/>
+                      <a:r>
+                        <a:rPr lang="en-US" sz="1600" dirty="0"/>
+                        <a:t>12</a:t>
+                      </a:r>
+                    </a:p>
+                  </a:txBody>
+                  <a:tcPr marL="89601" marR="89601" marT="44801" marB="44801"/>
+                </a:tc>
+                <a:tc>
+                  <a:txBody>
+                    <a:bodyPr/>
+                    <a:lstStyle/>
+                    <a:p>
+                      <a:pPr algn="ctr"/>
+                      <a:r>
+                        <a:rPr lang="en-US" sz="1600" dirty="0"/>
+                        <a:t>18</a:t>
+                      </a:r>
+                    </a:p>
+                  </a:txBody>
+                  <a:tcPr marL="89601" marR="89601" marT="44801" marB="44801"/>
+                </a:tc>
+                <a:tc>
+                  <a:txBody>
+                    <a:bodyPr/>
+                    <a:lstStyle/>
+                    <a:p>
+                      <a:pPr algn="ctr"/>
+                      <a:r>
+                        <a:rPr lang="en-US" sz="1600" dirty="0"/>
+                        <a:t>-</a:t>
+                      </a:r>
+                    </a:p>
+                  </a:txBody>
+                  <a:tcPr marL="89601" marR="89601" marT="44801" marB="44801"/>
+                </a:tc>
+                <a:tc>
+                  <a:txBody>
+                    <a:bodyPr/>
+                    <a:lstStyle/>
+                    <a:p>
+                      <a:pPr algn="ctr"/>
+                      <a:r>
+                        <a:rPr lang="en-US" sz="1600" dirty="0"/>
+                        <a:t>24</a:t>
+                      </a:r>
+                    </a:p>
+                  </a:txBody>
+                  <a:tcPr marL="89601" marR="89601" marT="44801" marB="44801"/>
+                </a:tc>
+                <a:extLst>
+                  <a:ext uri="{0D108BD9-81ED-4DB2-BD59-A6C34878D82A}">
+                    <a16:rowId xmlns:a16="http://schemas.microsoft.com/office/drawing/2014/main" val="3249050652"/>
+                  </a:ext>
+                </a:extLst>
+              </a:tr>
+              <a:tr h="308421">
+                <a:tc>
+                  <a:txBody>
+                    <a:bodyPr/>
+                    <a:lstStyle/>
+                    <a:p>
+                      <a:pPr algn="ctr"/>
+                      <a:r>
+                        <a:rPr lang="en-US" sz="1600" b="1" dirty="0"/>
+                        <a:t>Ceres</a:t>
+                      </a:r>
+                    </a:p>
+                  </a:txBody>
+                  <a:tcPr marL="89601" marR="89601" marT="44801" marB="44801"/>
+                </a:tc>
+                <a:tc>
+                  <a:txBody>
+                    <a:bodyPr/>
+                    <a:lstStyle/>
+                    <a:p>
+                      <a:pPr algn="ctr"/>
+                      <a:r>
+                        <a:rPr lang="en-US" sz="1600" dirty="0"/>
+                        <a:t>20</a:t>
+                      </a:r>
+                    </a:p>
+                  </a:txBody>
+                  <a:tcPr marL="89601" marR="89601" marT="44801" marB="44801"/>
+                </a:tc>
+                <a:tc>
+                  <a:txBody>
+                    <a:bodyPr/>
+                    <a:lstStyle/>
+                    <a:p>
+                      <a:pPr algn="ctr"/>
+                      <a:r>
+                        <a:rPr lang="en-US" sz="1600" dirty="0"/>
+                        <a:t>26</a:t>
+                      </a:r>
+                    </a:p>
+                  </a:txBody>
+                  <a:tcPr marL="89601" marR="89601" marT="44801" marB="44801"/>
+                </a:tc>
+                <a:tc>
+                  <a:txBody>
+                    <a:bodyPr/>
+                    <a:lstStyle/>
+                    <a:p>
+                      <a:pPr algn="ctr"/>
+                      <a:r>
+                        <a:rPr lang="en-US" sz="1600" dirty="0"/>
+                        <a:t>24</a:t>
+                      </a:r>
+                    </a:p>
+                  </a:txBody>
+                  <a:tcPr marL="89601" marR="89601" marT="44801" marB="44801"/>
+                </a:tc>
+                <a:tc>
+                  <a:txBody>
+                    <a:bodyPr/>
+                    <a:lstStyle/>
+                    <a:p>
+                      <a:pPr algn="ctr"/>
+                      <a:r>
+                        <a:rPr lang="en-US" sz="1600" dirty="0"/>
+                        <a:t>-</a:t>
+                      </a:r>
+                    </a:p>
+                  </a:txBody>
+                  <a:tcPr marL="89601" marR="89601" marT="44801" marB="44801"/>
+                </a:tc>
+                <a:extLst>
+                  <a:ext uri="{0D108BD9-81ED-4DB2-BD59-A6C34878D82A}">
+                    <a16:rowId xmlns:a16="http://schemas.microsoft.com/office/drawing/2014/main" val="3899100833"/>
+                  </a:ext>
+                </a:extLst>
+              </a:tr>
+            </a:tbl>
+          </a:graphicData>
+        </a:graphic>
+      </p:graphicFrame>
     </p:spTree>
     <p:extLst>
       <p:ext uri="{BB962C8B-B14F-4D97-AF65-F5344CB8AC3E}">
@@ -28483,7 +28691,7 @@
                 </a:solidFill>
                 <a:latin typeface="Bodoni MT" panose="02070603080606020203" pitchFamily="18" charset="0"/>
               </a:rPr>
-              <a:t>Ex: Oakdale School Busing</a:t>
+              <a:t>Ex: The Expanse</a:t>
             </a:r>
           </a:p>
         </p:txBody>
@@ -29100,7 +29308,7 @@
                 </a:solidFill>
                 <a:latin typeface="Corbel" panose="020B0503020204020204" pitchFamily="34" charset="0"/>
               </a:rPr>
-              <a:t>  at each of the 4 schools, </a:t>
+              <a:t>  at each asteroid, </a:t>
             </a:r>
             <a:r>
               <a:rPr lang="en-US" sz="2000" dirty="0">
@@ -29118,7 +29326,7 @@
                 </a:solidFill>
                 <a:latin typeface="Corbel" panose="020B0503020204020204" pitchFamily="34" charset="0"/>
               </a:rPr>
-              <a:t> allocating the excess among the schools</a:t>
+              <a:t> allocating the excess among the asteroids</a:t>
             </a:r>
           </a:p>
           <a:p>
@@ -29229,7 +29437,7 @@
                 </a:solidFill>
                 <a:latin typeface="Corbel" panose="020B0503020204020204" pitchFamily="34" charset="0"/>
               </a:rPr>
-              <a:t>Recall that there are 5,000 total students for capacity of 4,400</a:t>
+              <a:t>Recall that there are 5,000 total people for capacity of 4,400</a:t>
             </a:r>
           </a:p>
           <a:p>
@@ -29244,7 +29452,7 @@
                 </a:solidFill>
                 <a:latin typeface="Corbel" panose="020B0503020204020204" pitchFamily="34" charset="0"/>
               </a:rPr>
-              <a:t>The excess of 600 students needs to be split between the schools</a:t>
+              <a:t>The excess of 600 people needs to be split between the asteroids</a:t>
             </a:r>
           </a:p>
           <a:p>
@@ -29399,48 +29607,385 @@
           </a:prstGeom>
         </p:spPr>
       </p:pic>
-      <p:pic>
-        <p:nvPicPr>
-          <p:cNvPr id="29" name="Picture 28">
-            <a:extLst>
-              <a:ext uri="{FF2B5EF4-FFF2-40B4-BE49-F238E27FC236}">
-                <a16:creationId xmlns:a16="http://schemas.microsoft.com/office/drawing/2014/main" id="{990C75CF-E143-477F-9FF0-659FFF9DF59F}"/>
-              </a:ext>
-            </a:extLst>
-          </p:cNvPr>
-          <p:cNvPicPr>
-            <a:picLocks noChangeAspect="1"/>
-          </p:cNvPicPr>
-          <p:nvPr/>
-        </p:nvPicPr>
-        <p:blipFill>
-          <a:blip r:embed="rId6"/>
-          <a:stretch>
-            <a:fillRect/>
-          </a:stretch>
-        </p:blipFill>
-        <p:spPr>
-          <a:xfrm>
-            <a:off x="1664084" y="3117152"/>
-            <a:ext cx="7925755" cy="1671572"/>
-          </a:xfrm>
-          <a:prstGeom prst="rect">
-            <a:avLst/>
-          </a:prstGeom>
-          <a:ln w="38100">
-            <a:solidFill>
-              <a:srgbClr val="11B29F"/>
-            </a:solidFill>
-          </a:ln>
-          <a:effectLst>
-            <a:outerShdw blurRad="292100" dist="139700" dir="2700000" algn="tl" rotWithShape="0">
-              <a:srgbClr val="333333">
-                <a:alpha val="65000"/>
-              </a:srgbClr>
-            </a:outerShdw>
-          </a:effectLst>
-        </p:spPr>
-      </p:pic>
+      <p:graphicFrame>
+        <p:nvGraphicFramePr>
+          <p:cNvPr id="23" name="Table 3">
+            <a:extLst>
+              <a:ext uri="{FF2B5EF4-FFF2-40B4-BE49-F238E27FC236}">
+                <a16:creationId xmlns:a16="http://schemas.microsoft.com/office/drawing/2014/main" id="{373FA382-DAA4-4F69-8257-B39969F44EC4}"/>
+              </a:ext>
+            </a:extLst>
+          </p:cNvPr>
+          <p:cNvGraphicFramePr>
+            <a:graphicFrameLocks noGrp="1"/>
+          </p:cNvGraphicFramePr>
+          <p:nvPr>
+            <p:extLst>
+              <p:ext uri="{D42A27DB-BD31-4B8C-83A1-F6EECF244321}">
+                <p14:modId xmlns:p14="http://schemas.microsoft.com/office/powerpoint/2010/main" val="163464865"/>
+              </p:ext>
+            </p:extLst>
+          </p:nvPr>
+        </p:nvGraphicFramePr>
+        <p:xfrm>
+          <a:off x="1629380" y="3050943"/>
+          <a:ext cx="5705856" cy="1667210"/>
+        </p:xfrm>
+        <a:graphic>
+          <a:graphicData uri="http://schemas.openxmlformats.org/drawingml/2006/table">
+            <a:tbl>
+              <a:tblPr firstRow="1" bandRow="1">
+                <a:tableStyleId>{0505E3EF-67EA-436B-97B2-0124C06EBD24}</a:tableStyleId>
+              </a:tblPr>
+              <a:tblGrid>
+                <a:gridCol w="1426464">
+                  <a:extLst>
+                    <a:ext uri="{9D8B030D-6E8A-4147-A177-3AD203B41FA5}">
+                      <a16:colId xmlns:a16="http://schemas.microsoft.com/office/drawing/2014/main" val="884158799"/>
+                    </a:ext>
+                  </a:extLst>
+                </a:gridCol>
+                <a:gridCol w="1426464">
+                  <a:extLst>
+                    <a:ext uri="{9D8B030D-6E8A-4147-A177-3AD203B41FA5}">
+                      <a16:colId xmlns:a16="http://schemas.microsoft.com/office/drawing/2014/main" val="3587704130"/>
+                    </a:ext>
+                  </a:extLst>
+                </a:gridCol>
+                <a:gridCol w="1426464">
+                  <a:extLst>
+                    <a:ext uri="{9D8B030D-6E8A-4147-A177-3AD203B41FA5}">
+                      <a16:colId xmlns:a16="http://schemas.microsoft.com/office/drawing/2014/main" val="1459892759"/>
+                    </a:ext>
+                  </a:extLst>
+                </a:gridCol>
+                <a:gridCol w="1426464">
+                  <a:extLst>
+                    <a:ext uri="{9D8B030D-6E8A-4147-A177-3AD203B41FA5}">
+                      <a16:colId xmlns:a16="http://schemas.microsoft.com/office/drawing/2014/main" val="3799208621"/>
+                    </a:ext>
+                  </a:extLst>
+                </a:gridCol>
+              </a:tblGrid>
+              <a:tr h="124604">
+                <a:tc>
+                  <a:txBody>
+                    <a:bodyPr/>
+                    <a:lstStyle/>
+                    <a:p>
+                      <a:pPr algn="ctr"/>
+                      <a:r>
+                        <a:rPr lang="en-US" sz="1600" b="1" dirty="0"/>
+                        <a:t>Asteroid</a:t>
+                      </a:r>
+                    </a:p>
+                  </a:txBody>
+                  <a:tcPr marL="89601" marR="89601" marT="44801" marB="44801"/>
+                </a:tc>
+                <a:tc>
+                  <a:txBody>
+                    <a:bodyPr/>
+                    <a:lstStyle/>
+                    <a:p>
+                      <a:pPr algn="ctr"/>
+                      <a:r>
+                        <a:rPr lang="en-US" sz="1600" dirty="0"/>
+                        <a:t># of Martians</a:t>
+                      </a:r>
+                    </a:p>
+                  </a:txBody>
+                  <a:tcPr marL="89601" marR="89601" marT="44801" marB="44801"/>
+                </a:tc>
+                <a:tc>
+                  <a:txBody>
+                    <a:bodyPr/>
+                    <a:lstStyle/>
+                    <a:p>
+                      <a:pPr algn="ctr"/>
+                      <a:r>
+                        <a:rPr lang="en-US" sz="1600" dirty="0"/>
+                        <a:t># of Earthers</a:t>
+                      </a:r>
+                    </a:p>
+                  </a:txBody>
+                  <a:tcPr marL="89601" marR="89601" marT="44801" marB="44801"/>
+                </a:tc>
+                <a:tc>
+                  <a:txBody>
+                    <a:bodyPr/>
+                    <a:lstStyle/>
+                    <a:p>
+                      <a:pPr algn="ctr"/>
+                      <a:r>
+                        <a:rPr lang="en-US" sz="1600" i="1" dirty="0"/>
+                        <a:t>Capacity</a:t>
+                      </a:r>
+                    </a:p>
+                  </a:txBody>
+                  <a:tcPr marL="89601" marR="89601" marT="44801" marB="44801"/>
+                </a:tc>
+                <a:extLst>
+                  <a:ext uri="{0D108BD9-81ED-4DB2-BD59-A6C34878D82A}">
+                    <a16:rowId xmlns:a16="http://schemas.microsoft.com/office/drawing/2014/main" val="3609992459"/>
+                  </a:ext>
+                </a:extLst>
+              </a:tr>
+              <a:tr h="308421">
+                <a:tc>
+                  <a:txBody>
+                    <a:bodyPr/>
+                    <a:lstStyle/>
+                    <a:p>
+                      <a:pPr algn="ctr"/>
+                      <a:r>
+                        <a:rPr lang="en-US" sz="1600" b="1" dirty="0"/>
+                        <a:t>Vesta</a:t>
+                      </a:r>
+                    </a:p>
+                  </a:txBody>
+                  <a:tcPr marL="89601" marR="89601" marT="44801" marB="44801"/>
+                </a:tc>
+                <a:tc>
+                  <a:txBody>
+                    <a:bodyPr/>
+                    <a:lstStyle/>
+                    <a:p>
+                      <a:pPr algn="ctr"/>
+                      <a:r>
+                        <a:rPr lang="en-US" sz="1600" dirty="0"/>
+                        <a:t>1000</a:t>
+                      </a:r>
+                    </a:p>
+                  </a:txBody>
+                  <a:tcPr marL="89601" marR="89601" marT="44801" marB="44801"/>
+                </a:tc>
+                <a:tc>
+                  <a:txBody>
+                    <a:bodyPr/>
+                    <a:lstStyle/>
+                    <a:p>
+                      <a:pPr algn="ctr"/>
+                      <a:r>
+                        <a:rPr lang="en-US" sz="1600" dirty="0"/>
+                        <a:t>300</a:t>
+                      </a:r>
+                    </a:p>
+                  </a:txBody>
+                  <a:tcPr marL="89601" marR="89601" marT="44801" marB="44801"/>
+                </a:tc>
+                <a:tc>
+                  <a:txBody>
+                    <a:bodyPr/>
+                    <a:lstStyle/>
+                    <a:p>
+                      <a:pPr algn="ctr"/>
+                      <a:r>
+                        <a:rPr lang="en-US" sz="1600" dirty="0"/>
+                        <a:t>1200</a:t>
+                      </a:r>
+                    </a:p>
+                  </a:txBody>
+                  <a:tcPr marL="89601" marR="89601" marT="44801" marB="44801"/>
+                </a:tc>
+                <a:extLst>
+                  <a:ext uri="{0D108BD9-81ED-4DB2-BD59-A6C34878D82A}">
+                    <a16:rowId xmlns:a16="http://schemas.microsoft.com/office/drawing/2014/main" val="2738762858"/>
+                  </a:ext>
+                </a:extLst>
+              </a:tr>
+              <a:tr h="308421">
+                <a:tc>
+                  <a:txBody>
+                    <a:bodyPr/>
+                    <a:lstStyle/>
+                    <a:p>
+                      <a:pPr algn="ctr"/>
+                      <a:r>
+                        <a:rPr lang="en-US" sz="1600" b="1" dirty="0"/>
+                        <a:t>Hygiea</a:t>
+                      </a:r>
+                    </a:p>
+                  </a:txBody>
+                  <a:tcPr marL="89601" marR="89601" marT="44801" marB="44801"/>
+                </a:tc>
+                <a:tc>
+                  <a:txBody>
+                    <a:bodyPr/>
+                    <a:lstStyle/>
+                    <a:p>
+                      <a:pPr algn="ctr"/>
+                      <a:r>
+                        <a:rPr lang="en-US" sz="1600" dirty="0"/>
+                        <a:t>450</a:t>
+                      </a:r>
+                    </a:p>
+                  </a:txBody>
+                  <a:tcPr marL="89601" marR="89601" marT="44801" marB="44801"/>
+                </a:tc>
+                <a:tc>
+                  <a:txBody>
+                    <a:bodyPr/>
+                    <a:lstStyle/>
+                    <a:p>
+                      <a:pPr algn="ctr"/>
+                      <a:r>
+                        <a:rPr lang="en-US" sz="1600" dirty="0"/>
+                        <a:t>800</a:t>
+                      </a:r>
+                    </a:p>
+                  </a:txBody>
+                  <a:tcPr marL="89601" marR="89601" marT="44801" marB="44801"/>
+                </a:tc>
+                <a:tc>
+                  <a:txBody>
+                    <a:bodyPr/>
+                    <a:lstStyle/>
+                    <a:p>
+                      <a:pPr algn="ctr"/>
+                      <a:r>
+                        <a:rPr lang="en-US" sz="1600" dirty="0"/>
+                        <a:t>1000</a:t>
+                      </a:r>
+                    </a:p>
+                  </a:txBody>
+                  <a:tcPr marL="89601" marR="89601" marT="44801" marB="44801"/>
+                </a:tc>
+                <a:extLst>
+                  <a:ext uri="{0D108BD9-81ED-4DB2-BD59-A6C34878D82A}">
+                    <a16:rowId xmlns:a16="http://schemas.microsoft.com/office/drawing/2014/main" val="3770625073"/>
+                  </a:ext>
+                </a:extLst>
+              </a:tr>
+              <a:tr h="308421">
+                <a:tc>
+                  <a:txBody>
+                    <a:bodyPr/>
+                    <a:lstStyle/>
+                    <a:p>
+                      <a:pPr algn="ctr"/>
+                      <a:r>
+                        <a:rPr lang="en-US" sz="1600" b="1" dirty="0"/>
+                        <a:t>Pallas</a:t>
+                      </a:r>
+                    </a:p>
+                  </a:txBody>
+                  <a:tcPr marL="89601" marR="89601" marT="44801" marB="44801"/>
+                </a:tc>
+                <a:tc>
+                  <a:txBody>
+                    <a:bodyPr/>
+                    <a:lstStyle/>
+                    <a:p>
+                      <a:pPr algn="ctr"/>
+                      <a:r>
+                        <a:rPr lang="en-US" sz="1600" dirty="0"/>
+                        <a:t>1050</a:t>
+                      </a:r>
+                    </a:p>
+                  </a:txBody>
+                  <a:tcPr marL="89601" marR="89601" marT="44801" marB="44801"/>
+                </a:tc>
+                <a:tc>
+                  <a:txBody>
+                    <a:bodyPr/>
+                    <a:lstStyle/>
+                    <a:p>
+                      <a:pPr algn="ctr"/>
+                      <a:r>
+                        <a:rPr lang="en-US" sz="1600" dirty="0"/>
+                        <a:t>400</a:t>
+                      </a:r>
+                    </a:p>
+                  </a:txBody>
+                  <a:tcPr marL="89601" marR="89601" marT="44801" marB="44801"/>
+                </a:tc>
+                <a:tc>
+                  <a:txBody>
+                    <a:bodyPr/>
+                    <a:lstStyle/>
+                    <a:p>
+                      <a:pPr algn="ctr"/>
+                      <a:r>
+                        <a:rPr lang="en-US" sz="1600" dirty="0"/>
+                        <a:t>1000</a:t>
+                      </a:r>
+                    </a:p>
+                  </a:txBody>
+                  <a:tcPr marL="89601" marR="89601" marT="44801" marB="44801"/>
+                </a:tc>
+                <a:extLst>
+                  <a:ext uri="{0D108BD9-81ED-4DB2-BD59-A6C34878D82A}">
+                    <a16:rowId xmlns:a16="http://schemas.microsoft.com/office/drawing/2014/main" val="3249050652"/>
+                  </a:ext>
+                </a:extLst>
+              </a:tr>
+              <a:tr h="308421">
+                <a:tc>
+                  <a:txBody>
+                    <a:bodyPr/>
+                    <a:lstStyle/>
+                    <a:p>
+                      <a:pPr algn="ctr"/>
+                      <a:r>
+                        <a:rPr lang="en-US" sz="1600" b="1" dirty="0"/>
+                        <a:t>Ceres</a:t>
+                      </a:r>
+                    </a:p>
+                  </a:txBody>
+                  <a:tcPr marL="89601" marR="89601" marT="44801" marB="44801"/>
+                </a:tc>
+                <a:tc>
+                  <a:txBody>
+                    <a:bodyPr/>
+                    <a:lstStyle/>
+                    <a:p>
+                      <a:pPr algn="ctr"/>
+                      <a:r>
+                        <a:rPr lang="en-US" sz="1600" dirty="0"/>
+                        <a:t>500</a:t>
+                      </a:r>
+                    </a:p>
+                  </a:txBody>
+                  <a:tcPr marL="89601" marR="89601" marT="44801" marB="44801"/>
+                </a:tc>
+                <a:tc>
+                  <a:txBody>
+                    <a:bodyPr/>
+                    <a:lstStyle/>
+                    <a:p>
+                      <a:pPr algn="ctr"/>
+                      <a:r>
+                        <a:rPr lang="en-US" sz="1600" dirty="0"/>
+                        <a:t>500</a:t>
+                      </a:r>
+                    </a:p>
+                  </a:txBody>
+                  <a:tcPr marL="89601" marR="89601" marT="44801" marB="44801"/>
+                </a:tc>
+                <a:tc>
+                  <a:txBody>
+                    <a:bodyPr/>
+                    <a:lstStyle/>
+                    <a:p>
+                      <a:pPr algn="ctr"/>
+                      <a:r>
+                        <a:rPr lang="en-US" sz="1600" dirty="0"/>
+                        <a:t>1200</a:t>
+                      </a:r>
+                    </a:p>
+                  </a:txBody>
+                  <a:tcPr marL="89601" marR="89601" marT="44801" marB="44801"/>
+                </a:tc>
+                <a:extLst>
+                  <a:ext uri="{0D108BD9-81ED-4DB2-BD59-A6C34878D82A}">
+                    <a16:rowId xmlns:a16="http://schemas.microsoft.com/office/drawing/2014/main" val="3899100833"/>
+                  </a:ext>
+                </a:extLst>
+              </a:tr>
+            </a:tbl>
+          </a:graphicData>
+        </a:graphic>
+      </p:graphicFrame>
     </p:spTree>
     <p:extLst>
       <p:ext uri="{BB962C8B-B14F-4D97-AF65-F5344CB8AC3E}">
@@ -29471,6 +30016,231 @@
           <a:chExt cx="0" cy="0"/>
         </a:xfrm>
       </p:grpSpPr>
+      <p:graphicFrame>
+        <p:nvGraphicFramePr>
+          <p:cNvPr id="29" name="Table 3">
+            <a:extLst>
+              <a:ext uri="{FF2B5EF4-FFF2-40B4-BE49-F238E27FC236}">
+                <a16:creationId xmlns:a16="http://schemas.microsoft.com/office/drawing/2014/main" id="{AF4A485A-7C0B-4F29-862E-AE1B80B00B48}"/>
+              </a:ext>
+            </a:extLst>
+          </p:cNvPr>
+          <p:cNvGraphicFramePr>
+            <a:graphicFrameLocks noGrp="1"/>
+          </p:cNvGraphicFramePr>
+          <p:nvPr>
+            <p:extLst>
+              <p:ext uri="{D42A27DB-BD31-4B8C-83A1-F6EECF244321}">
+                <p14:modId xmlns:p14="http://schemas.microsoft.com/office/powerpoint/2010/main" val="3549439828"/>
+              </p:ext>
+            </p:extLst>
+          </p:nvPr>
+        </p:nvGraphicFramePr>
+        <p:xfrm>
+          <a:off x="1646174" y="4374621"/>
+          <a:ext cx="7052154" cy="666884"/>
+        </p:xfrm>
+        <a:graphic>
+          <a:graphicData uri="http://schemas.openxmlformats.org/drawingml/2006/table">
+            <a:tbl>
+              <a:tblPr firstRow="1" bandRow="1">
+                <a:tableStyleId>{0505E3EF-67EA-436B-97B2-0124C06EBD24}</a:tableStyleId>
+              </a:tblPr>
+              <a:tblGrid>
+                <a:gridCol w="2189188">
+                  <a:extLst>
+                    <a:ext uri="{9D8B030D-6E8A-4147-A177-3AD203B41FA5}">
+                      <a16:colId xmlns:a16="http://schemas.microsoft.com/office/drawing/2014/main" val="884158799"/>
+                    </a:ext>
+                  </a:extLst>
+                </a:gridCol>
+                <a:gridCol w="1033283">
+                  <a:extLst>
+                    <a:ext uri="{9D8B030D-6E8A-4147-A177-3AD203B41FA5}">
+                      <a16:colId xmlns:a16="http://schemas.microsoft.com/office/drawing/2014/main" val="3587704130"/>
+                    </a:ext>
+                  </a:extLst>
+                </a:gridCol>
+                <a:gridCol w="1008821">
+                  <a:extLst>
+                    <a:ext uri="{9D8B030D-6E8A-4147-A177-3AD203B41FA5}">
+                      <a16:colId xmlns:a16="http://schemas.microsoft.com/office/drawing/2014/main" val="1459892759"/>
+                    </a:ext>
+                  </a:extLst>
+                </a:gridCol>
+                <a:gridCol w="1410431">
+                  <a:extLst>
+                    <a:ext uri="{9D8B030D-6E8A-4147-A177-3AD203B41FA5}">
+                      <a16:colId xmlns:a16="http://schemas.microsoft.com/office/drawing/2014/main" val="1200751326"/>
+                    </a:ext>
+                  </a:extLst>
+                </a:gridCol>
+                <a:gridCol w="1410431">
+                  <a:extLst>
+                    <a:ext uri="{9D8B030D-6E8A-4147-A177-3AD203B41FA5}">
+                      <a16:colId xmlns:a16="http://schemas.microsoft.com/office/drawing/2014/main" val="3799208621"/>
+                    </a:ext>
+                  </a:extLst>
+                </a:gridCol>
+              </a:tblGrid>
+              <a:tr h="283009">
+                <a:tc>
+                  <a:txBody>
+                    <a:bodyPr/>
+                    <a:lstStyle/>
+                    <a:p>
+                      <a:pPr algn="ctr"/>
+                      <a:r>
+                        <a:rPr lang="en-US" sz="1600" b="1" dirty="0"/>
+                        <a:t>Asteroid</a:t>
+                      </a:r>
+                    </a:p>
+                  </a:txBody>
+                  <a:tcPr marL="89601" marR="89601" marT="44801" marB="44801"/>
+                </a:tc>
+                <a:tc>
+                  <a:txBody>
+                    <a:bodyPr/>
+                    <a:lstStyle/>
+                    <a:p>
+                      <a:pPr algn="ctr"/>
+                      <a:r>
+                        <a:rPr lang="en-US" sz="1600" dirty="0"/>
+                        <a:t>Vesta</a:t>
+                      </a:r>
+                    </a:p>
+                  </a:txBody>
+                  <a:tcPr marL="89601" marR="89601" marT="44801" marB="44801"/>
+                </a:tc>
+                <a:tc>
+                  <a:txBody>
+                    <a:bodyPr/>
+                    <a:lstStyle/>
+                    <a:p>
+                      <a:pPr algn="ctr"/>
+                      <a:r>
+                        <a:rPr lang="en-US" sz="1600" dirty="0"/>
+                        <a:t>Hygiea</a:t>
+                      </a:r>
+                    </a:p>
+                  </a:txBody>
+                  <a:tcPr marL="89601" marR="89601" marT="44801" marB="44801"/>
+                </a:tc>
+                <a:tc>
+                  <a:txBody>
+                    <a:bodyPr/>
+                    <a:lstStyle/>
+                    <a:p>
+                      <a:pPr algn="ctr"/>
+                      <a:r>
+                        <a:rPr lang="en-US" sz="1600" dirty="0"/>
+                        <a:t>Pallas</a:t>
+                      </a:r>
+                    </a:p>
+                  </a:txBody>
+                  <a:tcPr marL="89601" marR="89601" marT="44801" marB="44801"/>
+                </a:tc>
+                <a:tc>
+                  <a:txBody>
+                    <a:bodyPr/>
+                    <a:lstStyle/>
+                    <a:p>
+                      <a:pPr algn="ctr"/>
+                      <a:r>
+                        <a:rPr lang="en-US" sz="1600" dirty="0"/>
+                        <a:t>Ceres</a:t>
+                      </a:r>
+                    </a:p>
+                  </a:txBody>
+                  <a:tcPr marL="89601" marR="89601" marT="44801" marB="44801"/>
+                </a:tc>
+                <a:extLst>
+                  <a:ext uri="{0D108BD9-81ED-4DB2-BD59-A6C34878D82A}">
+                    <a16:rowId xmlns:a16="http://schemas.microsoft.com/office/drawing/2014/main" val="3609992459"/>
+                  </a:ext>
+                </a:extLst>
+              </a:tr>
+              <a:tr h="308421">
+                <a:tc>
+                  <a:txBody>
+                    <a:bodyPr/>
+                    <a:lstStyle/>
+                    <a:p>
+                      <a:pPr algn="ctr"/>
+                      <a:r>
+                        <a:rPr lang="en-US" sz="1600" b="1" dirty="0"/>
+                        <a:t>Ideal # of People</a:t>
+                      </a:r>
+                    </a:p>
+                  </a:txBody>
+                  <a:tcPr marL="89601" marR="89601" marT="44801" marB="44801"/>
+                </a:tc>
+                <a:tc>
+                  <a:txBody>
+                    <a:bodyPr/>
+                    <a:lstStyle/>
+                    <a:p>
+                      <a:pPr algn="ctr"/>
+                      <a:r>
+                        <a:rPr lang="en-US" sz="1600" dirty="0"/>
+                        <a:t>1364</a:t>
+                      </a:r>
+                    </a:p>
+                  </a:txBody>
+                  <a:tcPr marL="89601" marR="89601" marT="44801" marB="44801"/>
+                </a:tc>
+                <a:tc>
+                  <a:txBody>
+                    <a:bodyPr/>
+                    <a:lstStyle/>
+                    <a:p>
+                      <a:pPr algn="ctr"/>
+                      <a:r>
+                        <a:rPr lang="en-US" sz="1600" dirty="0"/>
+                        <a:t>1136</a:t>
+                      </a:r>
+                    </a:p>
+                  </a:txBody>
+                  <a:tcPr marL="89601" marR="89601" marT="44801" marB="44801"/>
+                </a:tc>
+                <a:tc>
+                  <a:txBody>
+                    <a:bodyPr/>
+                    <a:lstStyle/>
+                    <a:p>
+                      <a:pPr algn="ctr"/>
+                      <a:r>
+                        <a:rPr lang="en-US" sz="1600" dirty="0"/>
+                        <a:t>1136</a:t>
+                      </a:r>
+                    </a:p>
+                  </a:txBody>
+                  <a:tcPr marL="89601" marR="89601" marT="44801" marB="44801"/>
+                </a:tc>
+                <a:tc>
+                  <a:txBody>
+                    <a:bodyPr/>
+                    <a:lstStyle/>
+                    <a:p>
+                      <a:pPr algn="ctr"/>
+                      <a:r>
+                        <a:rPr lang="en-US" sz="1600" dirty="0"/>
+                        <a:t>1364</a:t>
+                      </a:r>
+                    </a:p>
+                  </a:txBody>
+                  <a:tcPr marL="89601" marR="89601" marT="44801" marB="44801"/>
+                </a:tc>
+                <a:extLst>
+                  <a:ext uri="{0D108BD9-81ED-4DB2-BD59-A6C34878D82A}">
+                    <a16:rowId xmlns:a16="http://schemas.microsoft.com/office/drawing/2014/main" val="2738762858"/>
+                  </a:ext>
+                </a:extLst>
+              </a:tr>
+            </a:tbl>
+          </a:graphicData>
+        </a:graphic>
+      </p:graphicFrame>
       <p:sp>
         <p:nvSpPr>
           <p:cNvPr id="28" name="Rectangle 27">
@@ -29651,7 +30421,7 @@
                 </a:solidFill>
                 <a:latin typeface="Bodoni MT" panose="02070603080606020203" pitchFamily="18" charset="0"/>
               </a:rPr>
-              <a:t>Ex: Oakdale School Busing</a:t>
+              <a:t>Ex: The Expanse</a:t>
             </a:r>
           </a:p>
         </p:txBody>
@@ -30211,8 +30981,8 @@
           </a:p>
         </p:txBody>
       </p:sp>
-      <mc:AlternateContent xmlns:mc="http://schemas.openxmlformats.org/markup-compatibility/2006" xmlns:a14="http://schemas.microsoft.com/office/drawing/2010/main">
-        <mc:Choice Requires="a14">
+      <mc:AlternateContent xmlns:mc="http://schemas.openxmlformats.org/markup-compatibility/2006">
+        <mc:Choice xmlns:a14="http://schemas.microsoft.com/office/drawing/2010/main" Requires="a14">
           <p:sp>
             <p:nvSpPr>
               <p:cNvPr id="36" name="TextBox 35">
@@ -30270,7 +31040,7 @@
                     </a:solidFill>
                     <a:latin typeface="Corbel" panose="020B0503020204020204" pitchFamily="34" charset="0"/>
                   </a:rPr>
-                  <a:t>  at each of the 4 schools, </a:t>
+                  <a:t>  at each asteroid, </a:t>
                 </a:r>
                 <a:r>
                   <a:rPr lang="en-US" sz="2000" dirty="0">
@@ -30288,7 +31058,7 @@
                     </a:solidFill>
                     <a:latin typeface="Corbel" panose="020B0503020204020204" pitchFamily="34" charset="0"/>
                   </a:rPr>
-                  <a:t> allocating the excess among the schools</a:t>
+                  <a:t> allocating the excess among the asteroids</a:t>
                 </a:r>
               </a:p>
               <a:p>
@@ -30303,7 +31073,7 @@
                     </a:solidFill>
                     <a:latin typeface="Corbel" panose="020B0503020204020204" pitchFamily="34" charset="0"/>
                   </a:rPr>
-                  <a:t>We want to manage the excess according to the capacities of the schools</a:t>
+                  <a:t>We want to manage the excess according to the capacities </a:t>
                 </a:r>
               </a:p>
               <a:p>
@@ -30318,7 +31088,7 @@
                     </a:solidFill>
                     <a:latin typeface="Corbel" panose="020B0503020204020204" pitchFamily="34" charset="0"/>
                   </a:rPr>
-                  <a:t>Schools that are bigger should take larger portions of the overflow</a:t>
+                  <a:t>Asteroids that are bigger should take larger portions of the overflow</a:t>
                 </a:r>
               </a:p>
               <a:p>
@@ -30333,7 +31103,7 @@
                     </a:solidFill>
                     <a:latin typeface="Corbel" panose="020B0503020204020204" pitchFamily="34" charset="0"/>
                   </a:rPr>
-                  <a:t>We prefer if North and West take </a:t>
+                  <a:t>We prefer if Vesta and Ceres take </a:t>
                 </a:r>
                 <a14:m>
                   <m:oMath xmlns:m="http://schemas.openxmlformats.org/officeDocument/2006/math">
@@ -30440,7 +31210,7 @@
                     </a:solidFill>
                     <a:latin typeface="Corbel" panose="020B0503020204020204" pitchFamily="34" charset="0"/>
                   </a:rPr>
-                  <a:t>We prefer if South and East take </a:t>
+                  <a:t>We prefer if Hygiea and Pallas take </a:t>
                 </a:r>
                 <a14:m>
                   <m:oMath xmlns:m="http://schemas.openxmlformats.org/officeDocument/2006/math">
@@ -30571,7 +31341,7 @@
             </p:txBody>
           </p:sp>
         </mc:Choice>
-        <mc:Fallback xmlns="">
+        <mc:Fallback>
           <p:sp>
             <p:nvSpPr>
               <p:cNvPr id="36" name="TextBox 35">
@@ -30733,48 +31503,6 @@
           </a:prstGeom>
         </p:spPr>
       </p:pic>
-      <p:pic>
-        <p:nvPicPr>
-          <p:cNvPr id="3" name="Picture 2">
-            <a:extLst>
-              <a:ext uri="{FF2B5EF4-FFF2-40B4-BE49-F238E27FC236}">
-                <a16:creationId xmlns:a16="http://schemas.microsoft.com/office/drawing/2014/main" id="{8D13AA9C-01AD-4593-B708-F7A328C258F8}"/>
-              </a:ext>
-            </a:extLst>
-          </p:cNvPr>
-          <p:cNvPicPr>
-            <a:picLocks noChangeAspect="1"/>
-          </p:cNvPicPr>
-          <p:nvPr/>
-        </p:nvPicPr>
-        <p:blipFill>
-          <a:blip r:embed="rId7"/>
-          <a:stretch>
-            <a:fillRect/>
-          </a:stretch>
-        </p:blipFill>
-        <p:spPr>
-          <a:xfrm>
-            <a:off x="1701164" y="4374194"/>
-            <a:ext cx="7004704" cy="825395"/>
-          </a:xfrm>
-          <a:prstGeom prst="rect">
-            <a:avLst/>
-          </a:prstGeom>
-          <a:ln w="38100">
-            <a:solidFill>
-              <a:srgbClr val="11B29F"/>
-            </a:solidFill>
-          </a:ln>
-          <a:effectLst>
-            <a:outerShdw blurRad="292100" dist="139700" dir="2700000" algn="tl" rotWithShape="0">
-              <a:srgbClr val="333333">
-                <a:alpha val="65000"/>
-              </a:srgbClr>
-            </a:outerShdw>
-          </a:effectLst>
-        </p:spPr>
-      </p:pic>
       <p:sp>
         <p:nvSpPr>
           <p:cNvPr id="4" name="Oval 3">
@@ -30789,7 +31517,7 @@
         </p:nvSpPr>
         <p:spPr>
           <a:xfrm>
-            <a:off x="4460470" y="4740273"/>
+            <a:off x="3836204" y="4679766"/>
             <a:ext cx="1087715" cy="422245"/>
           </a:xfrm>
           <a:prstGeom prst="ellipse">
@@ -30843,7 +31571,7 @@
         </p:nvCxnSpPr>
         <p:spPr>
           <a:xfrm>
-            <a:off x="4961078" y="5162518"/>
+            <a:off x="4380061" y="5102011"/>
             <a:ext cx="0" cy="558343"/>
           </a:xfrm>
           <a:prstGeom prst="straightConnector1">
@@ -30871,8 +31599,8 @@
           </a:fontRef>
         </p:style>
       </p:cxnSp>
-      <mc:AlternateContent xmlns:mc="http://schemas.openxmlformats.org/markup-compatibility/2006" xmlns:a14="http://schemas.microsoft.com/office/drawing/2010/main">
-        <mc:Choice Requires="a14">
+      <mc:AlternateContent xmlns:mc="http://schemas.openxmlformats.org/markup-compatibility/2006">
+        <mc:Choice xmlns:a14="http://schemas.microsoft.com/office/drawing/2010/main" Requires="a14">
           <p:sp>
             <p:nvSpPr>
               <p:cNvPr id="41" name="TextBox 40">
@@ -30887,7 +31615,7 @@
             </p:nvSpPr>
             <p:spPr>
               <a:xfrm>
-                <a:off x="1725879" y="5821936"/>
+                <a:off x="1450868" y="5768474"/>
                 <a:ext cx="9018071" cy="610936"/>
               </a:xfrm>
               <a:prstGeom prst="rect">
@@ -30976,7 +31704,7 @@
             </p:txBody>
           </p:sp>
         </mc:Choice>
-        <mc:Fallback xmlns="">
+        <mc:Fallback>
           <p:sp>
             <p:nvSpPr>
               <p:cNvPr id="41" name="TextBox 40">
@@ -30993,14 +31721,14 @@
             </p:nvSpPr>
             <p:spPr>
               <a:xfrm>
-                <a:off x="1725879" y="5821936"/>
+                <a:off x="1450868" y="5768474"/>
                 <a:ext cx="9018071" cy="610936"/>
               </a:xfrm>
               <a:prstGeom prst="rect">
                 <a:avLst/>
               </a:prstGeom>
               <a:blipFill>
-                <a:blip r:embed="rId8"/>
+                <a:blip r:embed="rId7"/>
                 <a:stretch>
                   <a:fillRect/>
                 </a:stretch>
@@ -31231,7 +31959,7 @@
                 </a:solidFill>
                 <a:latin typeface="Bodoni MT" panose="02070603080606020203" pitchFamily="18" charset="0"/>
               </a:rPr>
-              <a:t>Ex: Oakdale School Busing</a:t>
+              <a:t>Ex: The Expanse</a:t>
             </a:r>
           </a:p>
         </p:txBody>
@@ -31848,7 +32576,7 @@
                 </a:solidFill>
                 <a:latin typeface="Corbel" panose="020B0503020204020204" pitchFamily="34" charset="0"/>
               </a:rPr>
-              <a:t>  at each of the 4 schools, </a:t>
+              <a:t>  at each asteroid, </a:t>
             </a:r>
             <a:r>
               <a:rPr lang="en-US" sz="2000" dirty="0">
@@ -31866,7 +32594,7 @@
                 </a:solidFill>
                 <a:latin typeface="Corbel" panose="020B0503020204020204" pitchFamily="34" charset="0"/>
               </a:rPr>
-              <a:t> allocating the excess among the schools</a:t>
+              <a:t> allocating the excess among the asteroids</a:t>
             </a:r>
           </a:p>
           <a:p>
@@ -32066,8 +32794,8 @@
           </a:prstGeom>
         </p:spPr>
       </p:pic>
-      <mc:AlternateContent xmlns:mc="http://schemas.openxmlformats.org/markup-compatibility/2006" xmlns:a14="http://schemas.microsoft.com/office/drawing/2010/main">
-        <mc:Choice Requires="a14">
+      <mc:AlternateContent xmlns:mc="http://schemas.openxmlformats.org/markup-compatibility/2006">
+        <mc:Choice xmlns:a14="http://schemas.microsoft.com/office/drawing/2010/main" Requires="a14">
           <p:sp>
             <p:nvSpPr>
               <p:cNvPr id="29" name="TextBox 28">
@@ -32124,7 +32852,7 @@
                             <a:rPr lang="en-US" b="0" i="1" smtClean="0">
                               <a:latin typeface="Cambria Math" panose="02040503050406030204" pitchFamily="18" charset="0"/>
                             </a:rPr>
-                            <m:t>𝑁𝑁</m:t>
+                            <m:t>𝑉𝑉</m:t>
                           </m:r>
                         </m:sub>
                       </m:sSub>
@@ -32155,7 +32883,7 @@
                             <a:rPr lang="en-US" b="0" i="1" smtClean="0">
                               <a:latin typeface="Cambria Math" panose="02040503050406030204" pitchFamily="18" charset="0"/>
                             </a:rPr>
-                            <m:t>𝑁𝑁</m:t>
+                            <m:t>𝑉𝑉</m:t>
                           </m:r>
                         </m:sub>
                       </m:sSub>
@@ -32186,7 +32914,7 @@
                             <a:rPr lang="en-US" b="0" i="1" smtClean="0">
                               <a:latin typeface="Cambria Math" panose="02040503050406030204" pitchFamily="18" charset="0"/>
                             </a:rPr>
-                            <m:t>𝑆𝑁</m:t>
+                            <m:t>𝐻𝑉</m:t>
                           </m:r>
                         </m:sub>
                       </m:sSub>
@@ -32217,7 +32945,7 @@
                             <a:rPr lang="en-US" b="0" i="1" smtClean="0">
                               <a:latin typeface="Cambria Math" panose="02040503050406030204" pitchFamily="18" charset="0"/>
                             </a:rPr>
-                            <m:t>𝑆𝑁</m:t>
+                            <m:t>𝐻𝑉</m:t>
                           </m:r>
                         </m:sub>
                       </m:sSub>
@@ -32248,7 +32976,7 @@
                             <a:rPr lang="en-US" b="0" i="1" smtClean="0">
                               <a:latin typeface="Cambria Math" panose="02040503050406030204" pitchFamily="18" charset="0"/>
                             </a:rPr>
-                            <m:t>𝐸𝑁</m:t>
+                            <m:t>𝑃𝑉</m:t>
                           </m:r>
                         </m:sub>
                       </m:sSub>
@@ -32279,7 +33007,7 @@
                             <a:rPr lang="en-US" b="0" i="1" smtClean="0">
                               <a:latin typeface="Cambria Math" panose="02040503050406030204" pitchFamily="18" charset="0"/>
                             </a:rPr>
-                            <m:t>𝐸𝑁</m:t>
+                            <m:t>𝑃𝑉</m:t>
                           </m:r>
                         </m:sub>
                       </m:sSub>
@@ -32310,7 +33038,7 @@
                             <a:rPr lang="en-US" b="0" i="1" smtClean="0">
                               <a:latin typeface="Cambria Math" panose="02040503050406030204" pitchFamily="18" charset="0"/>
                             </a:rPr>
-                            <m:t>𝑊𝑁</m:t>
+                            <m:t>𝐶𝑉</m:t>
                           </m:r>
                         </m:sub>
                       </m:sSub>
@@ -32341,7 +33069,7 @@
                             <a:rPr lang="en-US" b="0" i="1" smtClean="0">
                               <a:latin typeface="Cambria Math" panose="02040503050406030204" pitchFamily="18" charset="0"/>
                             </a:rPr>
-                            <m:t>𝑊𝑁</m:t>
+                            <m:t>𝐶𝑉</m:t>
                           </m:r>
                         </m:sub>
                       </m:sSub>
@@ -32468,16 +33196,10 @@
                         </m:e>
                         <m:sub>
                           <m:r>
-                            <a:rPr lang="en-US" i="1">
-                              <a:latin typeface="Cambria Math" panose="02040503050406030204" pitchFamily="18" charset="0"/>
-                            </a:rPr>
-                            <m:t>𝑁</m:t>
-                          </m:r>
-                          <m:r>
                             <a:rPr lang="en-US" b="0" i="1" smtClean="0">
                               <a:latin typeface="Cambria Math" panose="02040503050406030204" pitchFamily="18" charset="0"/>
                             </a:rPr>
-                            <m:t>𝑆</m:t>
+                            <m:t>𝑉𝐻</m:t>
                           </m:r>
                         </m:sub>
                       </m:sSub>
@@ -32505,16 +33227,10 @@
                         </m:e>
                         <m:sub>
                           <m:r>
-                            <a:rPr lang="en-US" i="1">
-                              <a:latin typeface="Cambria Math" panose="02040503050406030204" pitchFamily="18" charset="0"/>
-                            </a:rPr>
-                            <m:t>𝑁</m:t>
-                          </m:r>
-                          <m:r>
                             <a:rPr lang="en-US" b="0" i="1" smtClean="0">
                               <a:latin typeface="Cambria Math" panose="02040503050406030204" pitchFamily="18" charset="0"/>
                             </a:rPr>
-                            <m:t>𝑆</m:t>
+                            <m:t>𝑉𝐻</m:t>
                           </m:r>
                         </m:sub>
                       </m:sSub>
@@ -32542,16 +33258,10 @@
                         </m:e>
                         <m:sub>
                           <m:r>
-                            <a:rPr lang="en-US" i="1">
-                              <a:latin typeface="Cambria Math" panose="02040503050406030204" pitchFamily="18" charset="0"/>
-                            </a:rPr>
-                            <m:t>𝑆</m:t>
-                          </m:r>
-                          <m:r>
                             <a:rPr lang="en-US" b="0" i="1" smtClean="0">
                               <a:latin typeface="Cambria Math" panose="02040503050406030204" pitchFamily="18" charset="0"/>
                             </a:rPr>
-                            <m:t>𝑆</m:t>
+                            <m:t>𝐻𝐻</m:t>
                           </m:r>
                         </m:sub>
                       </m:sSub>
@@ -32579,16 +33289,10 @@
                         </m:e>
                         <m:sub>
                           <m:r>
-                            <a:rPr lang="en-US" i="1">
-                              <a:latin typeface="Cambria Math" panose="02040503050406030204" pitchFamily="18" charset="0"/>
-                            </a:rPr>
-                            <m:t>𝑆</m:t>
-                          </m:r>
-                          <m:r>
                             <a:rPr lang="en-US" b="0" i="1" smtClean="0">
                               <a:latin typeface="Cambria Math" panose="02040503050406030204" pitchFamily="18" charset="0"/>
                             </a:rPr>
-                            <m:t>𝑆</m:t>
+                            <m:t>𝐻𝐻</m:t>
                           </m:r>
                         </m:sub>
                       </m:sSub>
@@ -32616,16 +33320,10 @@
                         </m:e>
                         <m:sub>
                           <m:r>
-                            <a:rPr lang="en-US" i="1">
-                              <a:latin typeface="Cambria Math" panose="02040503050406030204" pitchFamily="18" charset="0"/>
-                            </a:rPr>
-                            <m:t>𝐸</m:t>
-                          </m:r>
-                          <m:r>
                             <a:rPr lang="en-US" b="0" i="1" smtClean="0">
                               <a:latin typeface="Cambria Math" panose="02040503050406030204" pitchFamily="18" charset="0"/>
                             </a:rPr>
-                            <m:t>𝑆</m:t>
+                            <m:t>𝑃𝐻</m:t>
                           </m:r>
                         </m:sub>
                       </m:sSub>
@@ -32653,16 +33351,10 @@
                         </m:e>
                         <m:sub>
                           <m:r>
-                            <a:rPr lang="en-US" i="1">
-                              <a:latin typeface="Cambria Math" panose="02040503050406030204" pitchFamily="18" charset="0"/>
-                            </a:rPr>
-                            <m:t>𝐸</m:t>
-                          </m:r>
-                          <m:r>
                             <a:rPr lang="en-US" b="0" i="1" smtClean="0">
                               <a:latin typeface="Cambria Math" panose="02040503050406030204" pitchFamily="18" charset="0"/>
                             </a:rPr>
-                            <m:t>𝑆</m:t>
+                            <m:t>𝑃𝐻</m:t>
                           </m:r>
                         </m:sub>
                       </m:sSub>
@@ -32690,16 +33382,10 @@
                         </m:e>
                         <m:sub>
                           <m:r>
-                            <a:rPr lang="en-US" i="1">
-                              <a:latin typeface="Cambria Math" panose="02040503050406030204" pitchFamily="18" charset="0"/>
-                            </a:rPr>
-                            <m:t>𝑊</m:t>
-                          </m:r>
-                          <m:r>
                             <a:rPr lang="en-US" b="0" i="1" smtClean="0">
                               <a:latin typeface="Cambria Math" panose="02040503050406030204" pitchFamily="18" charset="0"/>
                             </a:rPr>
-                            <m:t>𝑆</m:t>
+                            <m:t>𝐶𝐻</m:t>
                           </m:r>
                         </m:sub>
                       </m:sSub>
@@ -32727,16 +33413,10 @@
                         </m:e>
                         <m:sub>
                           <m:r>
-                            <a:rPr lang="en-US" i="1">
-                              <a:latin typeface="Cambria Math" panose="02040503050406030204" pitchFamily="18" charset="0"/>
-                            </a:rPr>
-                            <m:t>𝑊</m:t>
-                          </m:r>
-                          <m:r>
                             <a:rPr lang="en-US" b="0" i="1" smtClean="0">
                               <a:latin typeface="Cambria Math" panose="02040503050406030204" pitchFamily="18" charset="0"/>
                             </a:rPr>
-                            <m:t>𝑆</m:t>
+                            <m:t>𝐶𝐻</m:t>
                           </m:r>
                         </m:sub>
                       </m:sSub>
@@ -32861,16 +33541,10 @@
                         </m:e>
                         <m:sub>
                           <m:r>
-                            <a:rPr lang="en-US" i="1">
-                              <a:latin typeface="Cambria Math" panose="02040503050406030204" pitchFamily="18" charset="0"/>
-                            </a:rPr>
-                            <m:t>𝑁</m:t>
-                          </m:r>
-                          <m:r>
                             <a:rPr lang="en-US" b="0" i="1" smtClean="0">
                               <a:latin typeface="Cambria Math" panose="02040503050406030204" pitchFamily="18" charset="0"/>
                             </a:rPr>
-                            <m:t>𝐸</m:t>
+                            <m:t>𝑉𝑃</m:t>
                           </m:r>
                         </m:sub>
                       </m:sSub>
@@ -32898,16 +33572,10 @@
                         </m:e>
                         <m:sub>
                           <m:r>
-                            <a:rPr lang="en-US" i="1">
-                              <a:latin typeface="Cambria Math" panose="02040503050406030204" pitchFamily="18" charset="0"/>
-                            </a:rPr>
-                            <m:t>𝑁</m:t>
-                          </m:r>
-                          <m:r>
                             <a:rPr lang="en-US" b="0" i="1" smtClean="0">
                               <a:latin typeface="Cambria Math" panose="02040503050406030204" pitchFamily="18" charset="0"/>
                             </a:rPr>
-                            <m:t>𝐸</m:t>
+                            <m:t>𝑉𝑃</m:t>
                           </m:r>
                         </m:sub>
                       </m:sSub>
@@ -32935,16 +33603,10 @@
                         </m:e>
                         <m:sub>
                           <m:r>
-                            <a:rPr lang="en-US" i="1">
-                              <a:latin typeface="Cambria Math" panose="02040503050406030204" pitchFamily="18" charset="0"/>
-                            </a:rPr>
-                            <m:t>𝑆</m:t>
-                          </m:r>
-                          <m:r>
                             <a:rPr lang="en-US" b="0" i="1" smtClean="0">
                               <a:latin typeface="Cambria Math" panose="02040503050406030204" pitchFamily="18" charset="0"/>
                             </a:rPr>
-                            <m:t>𝐸</m:t>
+                            <m:t>𝐻𝑃</m:t>
                           </m:r>
                         </m:sub>
                       </m:sSub>
@@ -32972,16 +33634,10 @@
                         </m:e>
                         <m:sub>
                           <m:r>
-                            <a:rPr lang="en-US" i="1">
-                              <a:latin typeface="Cambria Math" panose="02040503050406030204" pitchFamily="18" charset="0"/>
-                            </a:rPr>
-                            <m:t>𝑆</m:t>
-                          </m:r>
-                          <m:r>
                             <a:rPr lang="en-US" b="0" i="1" smtClean="0">
                               <a:latin typeface="Cambria Math" panose="02040503050406030204" pitchFamily="18" charset="0"/>
                             </a:rPr>
-                            <m:t>𝐸</m:t>
+                            <m:t>𝐻𝑃</m:t>
                           </m:r>
                         </m:sub>
                       </m:sSub>
@@ -33009,16 +33665,10 @@
                         </m:e>
                         <m:sub>
                           <m:r>
-                            <a:rPr lang="en-US" i="1">
-                              <a:latin typeface="Cambria Math" panose="02040503050406030204" pitchFamily="18" charset="0"/>
-                            </a:rPr>
-                            <m:t>𝐸</m:t>
-                          </m:r>
-                          <m:r>
                             <a:rPr lang="en-US" b="0" i="1" smtClean="0">
                               <a:latin typeface="Cambria Math" panose="02040503050406030204" pitchFamily="18" charset="0"/>
                             </a:rPr>
-                            <m:t>𝐸</m:t>
+                            <m:t>𝑃𝑃</m:t>
                           </m:r>
                         </m:sub>
                       </m:sSub>
@@ -33046,16 +33696,10 @@
                         </m:e>
                         <m:sub>
                           <m:r>
-                            <a:rPr lang="en-US" i="1">
-                              <a:latin typeface="Cambria Math" panose="02040503050406030204" pitchFamily="18" charset="0"/>
-                            </a:rPr>
-                            <m:t>𝐸</m:t>
-                          </m:r>
-                          <m:r>
                             <a:rPr lang="en-US" b="0" i="1" smtClean="0">
                               <a:latin typeface="Cambria Math" panose="02040503050406030204" pitchFamily="18" charset="0"/>
                             </a:rPr>
-                            <m:t>𝐸</m:t>
+                            <m:t>𝑃𝑃</m:t>
                           </m:r>
                         </m:sub>
                       </m:sSub>
@@ -33083,16 +33727,10 @@
                         </m:e>
                         <m:sub>
                           <m:r>
-                            <a:rPr lang="en-US" i="1">
-                              <a:latin typeface="Cambria Math" panose="02040503050406030204" pitchFamily="18" charset="0"/>
-                            </a:rPr>
-                            <m:t>𝑊</m:t>
-                          </m:r>
-                          <m:r>
                             <a:rPr lang="en-US" b="0" i="1" smtClean="0">
                               <a:latin typeface="Cambria Math" panose="02040503050406030204" pitchFamily="18" charset="0"/>
                             </a:rPr>
-                            <m:t>𝐸</m:t>
+                            <m:t>𝐶𝑃</m:t>
                           </m:r>
                         </m:sub>
                       </m:sSub>
@@ -33120,16 +33758,10 @@
                         </m:e>
                         <m:sub>
                           <m:r>
-                            <a:rPr lang="en-US" i="1">
-                              <a:latin typeface="Cambria Math" panose="02040503050406030204" pitchFamily="18" charset="0"/>
-                            </a:rPr>
-                            <m:t>𝑊</m:t>
-                          </m:r>
-                          <m:r>
                             <a:rPr lang="en-US" b="0" i="1" smtClean="0">
                               <a:latin typeface="Cambria Math" panose="02040503050406030204" pitchFamily="18" charset="0"/>
                             </a:rPr>
-                            <m:t>𝐸</m:t>
+                            <m:t>𝐶𝑃</m:t>
                           </m:r>
                         </m:sub>
                       </m:sSub>
@@ -33254,16 +33886,10 @@
                         </m:e>
                         <m:sub>
                           <m:r>
-                            <a:rPr lang="en-US" i="1">
-                              <a:latin typeface="Cambria Math" panose="02040503050406030204" pitchFamily="18" charset="0"/>
-                            </a:rPr>
-                            <m:t>𝑁</m:t>
-                          </m:r>
-                          <m:r>
                             <a:rPr lang="en-US" b="0" i="1" smtClean="0">
                               <a:latin typeface="Cambria Math" panose="02040503050406030204" pitchFamily="18" charset="0"/>
                             </a:rPr>
-                            <m:t>𝑊</m:t>
+                            <m:t>𝑉𝐶</m:t>
                           </m:r>
                         </m:sub>
                       </m:sSub>
@@ -33291,16 +33917,10 @@
                         </m:e>
                         <m:sub>
                           <m:r>
-                            <a:rPr lang="en-US" i="1">
-                              <a:latin typeface="Cambria Math" panose="02040503050406030204" pitchFamily="18" charset="0"/>
-                            </a:rPr>
-                            <m:t>𝑁</m:t>
-                          </m:r>
-                          <m:r>
                             <a:rPr lang="en-US" b="0" i="1" smtClean="0">
                               <a:latin typeface="Cambria Math" panose="02040503050406030204" pitchFamily="18" charset="0"/>
                             </a:rPr>
-                            <m:t>𝑊</m:t>
+                            <m:t>𝑉𝐶</m:t>
                           </m:r>
                         </m:sub>
                       </m:sSub>
@@ -33328,16 +33948,10 @@
                         </m:e>
                         <m:sub>
                           <m:r>
-                            <a:rPr lang="en-US" i="1">
-                              <a:latin typeface="Cambria Math" panose="02040503050406030204" pitchFamily="18" charset="0"/>
-                            </a:rPr>
-                            <m:t>𝑆</m:t>
-                          </m:r>
-                          <m:r>
                             <a:rPr lang="en-US" b="0" i="1" smtClean="0">
                               <a:latin typeface="Cambria Math" panose="02040503050406030204" pitchFamily="18" charset="0"/>
                             </a:rPr>
-                            <m:t>𝑊</m:t>
+                            <m:t>𝐻𝐶</m:t>
                           </m:r>
                         </m:sub>
                       </m:sSub>
@@ -33365,16 +33979,10 @@
                         </m:e>
                         <m:sub>
                           <m:r>
-                            <a:rPr lang="en-US" i="1">
-                              <a:latin typeface="Cambria Math" panose="02040503050406030204" pitchFamily="18" charset="0"/>
-                            </a:rPr>
-                            <m:t>𝑆</m:t>
-                          </m:r>
-                          <m:r>
                             <a:rPr lang="en-US" b="0" i="1" smtClean="0">
                               <a:latin typeface="Cambria Math" panose="02040503050406030204" pitchFamily="18" charset="0"/>
                             </a:rPr>
-                            <m:t>𝑊</m:t>
+                            <m:t>𝐻𝐶</m:t>
                           </m:r>
                         </m:sub>
                       </m:sSub>
@@ -33402,16 +34010,10 @@
                         </m:e>
                         <m:sub>
                           <m:r>
-                            <a:rPr lang="en-US" i="1">
-                              <a:latin typeface="Cambria Math" panose="02040503050406030204" pitchFamily="18" charset="0"/>
-                            </a:rPr>
-                            <m:t>𝐸</m:t>
-                          </m:r>
-                          <m:r>
                             <a:rPr lang="en-US" b="0" i="1" smtClean="0">
                               <a:latin typeface="Cambria Math" panose="02040503050406030204" pitchFamily="18" charset="0"/>
                             </a:rPr>
-                            <m:t>𝑊</m:t>
+                            <m:t>𝑃𝐶</m:t>
                           </m:r>
                         </m:sub>
                       </m:sSub>
@@ -33439,16 +34041,10 @@
                         </m:e>
                         <m:sub>
                           <m:r>
-                            <a:rPr lang="en-US" i="1">
-                              <a:latin typeface="Cambria Math" panose="02040503050406030204" pitchFamily="18" charset="0"/>
-                            </a:rPr>
-                            <m:t>𝐸</m:t>
-                          </m:r>
-                          <m:r>
                             <a:rPr lang="en-US" b="0" i="1" smtClean="0">
                               <a:latin typeface="Cambria Math" panose="02040503050406030204" pitchFamily="18" charset="0"/>
                             </a:rPr>
-                            <m:t>𝑊</m:t>
+                            <m:t>𝑃𝐶</m:t>
                           </m:r>
                         </m:sub>
                       </m:sSub>
@@ -33476,16 +34072,10 @@
                         </m:e>
                         <m:sub>
                           <m:r>
-                            <a:rPr lang="en-US" i="1">
-                              <a:latin typeface="Cambria Math" panose="02040503050406030204" pitchFamily="18" charset="0"/>
-                            </a:rPr>
-                            <m:t>𝑊</m:t>
-                          </m:r>
-                          <m:r>
                             <a:rPr lang="en-US" b="0" i="1" smtClean="0">
                               <a:latin typeface="Cambria Math" panose="02040503050406030204" pitchFamily="18" charset="0"/>
                             </a:rPr>
-                            <m:t>𝑊</m:t>
+                            <m:t>𝐶𝐶</m:t>
                           </m:r>
                         </m:sub>
                       </m:sSub>
@@ -33513,16 +34103,10 @@
                         </m:e>
                         <m:sub>
                           <m:r>
-                            <a:rPr lang="en-US" i="1">
-                              <a:latin typeface="Cambria Math" panose="02040503050406030204" pitchFamily="18" charset="0"/>
-                            </a:rPr>
-                            <m:t>𝑊</m:t>
-                          </m:r>
-                          <m:r>
                             <a:rPr lang="en-US" b="0" i="1" smtClean="0">
                               <a:latin typeface="Cambria Math" panose="02040503050406030204" pitchFamily="18" charset="0"/>
                             </a:rPr>
-                            <m:t>𝑊</m:t>
+                            <m:t>𝐶𝐶</m:t>
                           </m:r>
                         </m:sub>
                       </m:sSub>
@@ -33624,7 +34208,7 @@
             </p:txBody>
           </p:sp>
         </mc:Choice>
-        <mc:Fallback xmlns="">
+        <mc:Fallback>
           <p:sp>
             <p:nvSpPr>
               <p:cNvPr id="29" name="TextBox 28">
@@ -34614,6 +35198,389 @@
           <a:chExt cx="0" cy="0"/>
         </a:xfrm>
       </p:grpSpPr>
+      <p:graphicFrame>
+        <p:nvGraphicFramePr>
+          <p:cNvPr id="29" name="Table 3">
+            <a:extLst>
+              <a:ext uri="{FF2B5EF4-FFF2-40B4-BE49-F238E27FC236}">
+                <a16:creationId xmlns:a16="http://schemas.microsoft.com/office/drawing/2014/main" id="{1A762D3B-6CBC-47E7-B5CD-D1407AB15301}"/>
+              </a:ext>
+            </a:extLst>
+          </p:cNvPr>
+          <p:cNvGraphicFramePr>
+            <a:graphicFrameLocks noGrp="1"/>
+          </p:cNvGraphicFramePr>
+          <p:nvPr>
+            <p:extLst>
+              <p:ext uri="{D42A27DB-BD31-4B8C-83A1-F6EECF244321}">
+                <p14:modId xmlns:p14="http://schemas.microsoft.com/office/powerpoint/2010/main" val="691826678"/>
+              </p:ext>
+            </p:extLst>
+          </p:nvPr>
+        </p:nvGraphicFramePr>
+        <p:xfrm>
+          <a:off x="3681819" y="2672021"/>
+          <a:ext cx="5705856" cy="1667210"/>
+        </p:xfrm>
+        <a:graphic>
+          <a:graphicData uri="http://schemas.openxmlformats.org/drawingml/2006/table">
+            <a:tbl>
+              <a:tblPr firstRow="1" bandRow="1">
+                <a:tableStyleId>{0505E3EF-67EA-436B-97B2-0124C06EBD24}</a:tableStyleId>
+              </a:tblPr>
+              <a:tblGrid>
+                <a:gridCol w="1426464">
+                  <a:extLst>
+                    <a:ext uri="{9D8B030D-6E8A-4147-A177-3AD203B41FA5}">
+                      <a16:colId xmlns:a16="http://schemas.microsoft.com/office/drawing/2014/main" val="884158799"/>
+                    </a:ext>
+                  </a:extLst>
+                </a:gridCol>
+                <a:gridCol w="1426464">
+                  <a:extLst>
+                    <a:ext uri="{9D8B030D-6E8A-4147-A177-3AD203B41FA5}">
+                      <a16:colId xmlns:a16="http://schemas.microsoft.com/office/drawing/2014/main" val="3587704130"/>
+                    </a:ext>
+                  </a:extLst>
+                </a:gridCol>
+                <a:gridCol w="1426464">
+                  <a:extLst>
+                    <a:ext uri="{9D8B030D-6E8A-4147-A177-3AD203B41FA5}">
+                      <a16:colId xmlns:a16="http://schemas.microsoft.com/office/drawing/2014/main" val="1459892759"/>
+                    </a:ext>
+                  </a:extLst>
+                </a:gridCol>
+                <a:gridCol w="1426464">
+                  <a:extLst>
+                    <a:ext uri="{9D8B030D-6E8A-4147-A177-3AD203B41FA5}">
+                      <a16:colId xmlns:a16="http://schemas.microsoft.com/office/drawing/2014/main" val="3799208621"/>
+                    </a:ext>
+                  </a:extLst>
+                </a:gridCol>
+              </a:tblGrid>
+              <a:tr h="124604">
+                <a:tc>
+                  <a:txBody>
+                    <a:bodyPr/>
+                    <a:lstStyle/>
+                    <a:p>
+                      <a:pPr algn="ctr"/>
+                      <a:r>
+                        <a:rPr lang="en-US" sz="1600" b="1" dirty="0"/>
+                        <a:t>Asteroid</a:t>
+                      </a:r>
+                    </a:p>
+                  </a:txBody>
+                  <a:tcPr marL="89601" marR="89601" marT="44801" marB="44801"/>
+                </a:tc>
+                <a:tc>
+                  <a:txBody>
+                    <a:bodyPr/>
+                    <a:lstStyle/>
+                    <a:p>
+                      <a:pPr algn="ctr"/>
+                      <a:r>
+                        <a:rPr lang="en-US" sz="1600" dirty="0"/>
+                        <a:t># of Martians</a:t>
+                      </a:r>
+                    </a:p>
+                  </a:txBody>
+                  <a:tcPr marL="89601" marR="89601" marT="44801" marB="44801"/>
+                </a:tc>
+                <a:tc>
+                  <a:txBody>
+                    <a:bodyPr/>
+                    <a:lstStyle/>
+                    <a:p>
+                      <a:pPr algn="ctr"/>
+                      <a:r>
+                        <a:rPr lang="en-US" sz="1600"/>
+                        <a:t># </a:t>
+                      </a:r>
+                      <a:r>
+                        <a:rPr lang="en-US" sz="1600" dirty="0"/>
+                        <a:t>of Earthers</a:t>
+                      </a:r>
+                    </a:p>
+                  </a:txBody>
+                  <a:tcPr marL="89601" marR="89601" marT="44801" marB="44801"/>
+                </a:tc>
+                <a:tc>
+                  <a:txBody>
+                    <a:bodyPr/>
+                    <a:lstStyle/>
+                    <a:p>
+                      <a:pPr algn="ctr"/>
+                      <a:r>
+                        <a:rPr lang="en-US" sz="1600" i="1" dirty="0"/>
+                        <a:t>Capacity</a:t>
+                      </a:r>
+                    </a:p>
+                  </a:txBody>
+                  <a:tcPr marL="89601" marR="89601" marT="44801" marB="44801"/>
+                </a:tc>
+                <a:extLst>
+                  <a:ext uri="{0D108BD9-81ED-4DB2-BD59-A6C34878D82A}">
+                    <a16:rowId xmlns:a16="http://schemas.microsoft.com/office/drawing/2014/main" val="3609992459"/>
+                  </a:ext>
+                </a:extLst>
+              </a:tr>
+              <a:tr h="308421">
+                <a:tc>
+                  <a:txBody>
+                    <a:bodyPr/>
+                    <a:lstStyle/>
+                    <a:p>
+                      <a:pPr algn="ctr"/>
+                      <a:r>
+                        <a:rPr lang="en-US" sz="1600" b="1" dirty="0"/>
+                        <a:t>Vesta</a:t>
+                      </a:r>
+                    </a:p>
+                  </a:txBody>
+                  <a:tcPr marL="89601" marR="89601" marT="44801" marB="44801"/>
+                </a:tc>
+                <a:tc>
+                  <a:txBody>
+                    <a:bodyPr/>
+                    <a:lstStyle/>
+                    <a:p>
+                      <a:pPr algn="ctr"/>
+                      <a:r>
+                        <a:rPr lang="en-US" sz="1600" dirty="0"/>
+                        <a:t>1000</a:t>
+                      </a:r>
+                    </a:p>
+                  </a:txBody>
+                  <a:tcPr marL="89601" marR="89601" marT="44801" marB="44801"/>
+                </a:tc>
+                <a:tc>
+                  <a:txBody>
+                    <a:bodyPr/>
+                    <a:lstStyle/>
+                    <a:p>
+                      <a:pPr algn="ctr"/>
+                      <a:r>
+                        <a:rPr lang="en-US" sz="1600" dirty="0"/>
+                        <a:t>300</a:t>
+                      </a:r>
+                    </a:p>
+                  </a:txBody>
+                  <a:tcPr marL="89601" marR="89601" marT="44801" marB="44801"/>
+                </a:tc>
+                <a:tc>
+                  <a:txBody>
+                    <a:bodyPr/>
+                    <a:lstStyle/>
+                    <a:p>
+                      <a:pPr algn="ctr"/>
+                      <a:r>
+                        <a:rPr lang="en-US" sz="1600" dirty="0"/>
+                        <a:t>1200</a:t>
+                      </a:r>
+                    </a:p>
+                  </a:txBody>
+                  <a:tcPr marL="89601" marR="89601" marT="44801" marB="44801"/>
+                </a:tc>
+                <a:extLst>
+                  <a:ext uri="{0D108BD9-81ED-4DB2-BD59-A6C34878D82A}">
+                    <a16:rowId xmlns:a16="http://schemas.microsoft.com/office/drawing/2014/main" val="2738762858"/>
+                  </a:ext>
+                </a:extLst>
+              </a:tr>
+              <a:tr h="308421">
+                <a:tc>
+                  <a:txBody>
+                    <a:bodyPr/>
+                    <a:lstStyle/>
+                    <a:p>
+                      <a:pPr algn="ctr"/>
+                      <a:r>
+                        <a:rPr lang="en-US" sz="1600" b="1" dirty="0"/>
+                        <a:t>Hygiea</a:t>
+                      </a:r>
+                    </a:p>
+                  </a:txBody>
+                  <a:tcPr marL="89601" marR="89601" marT="44801" marB="44801"/>
+                </a:tc>
+                <a:tc>
+                  <a:txBody>
+                    <a:bodyPr/>
+                    <a:lstStyle/>
+                    <a:p>
+                      <a:pPr algn="ctr"/>
+                      <a:r>
+                        <a:rPr lang="en-US" sz="1600" dirty="0"/>
+                        <a:t>450</a:t>
+                      </a:r>
+                    </a:p>
+                  </a:txBody>
+                  <a:tcPr marL="89601" marR="89601" marT="44801" marB="44801"/>
+                </a:tc>
+                <a:tc>
+                  <a:txBody>
+                    <a:bodyPr/>
+                    <a:lstStyle/>
+                    <a:p>
+                      <a:pPr algn="ctr"/>
+                      <a:r>
+                        <a:rPr lang="en-US" sz="1600" dirty="0"/>
+                        <a:t>800</a:t>
+                      </a:r>
+                    </a:p>
+                  </a:txBody>
+                  <a:tcPr marL="89601" marR="89601" marT="44801" marB="44801"/>
+                </a:tc>
+                <a:tc>
+                  <a:txBody>
+                    <a:bodyPr/>
+                    <a:lstStyle/>
+                    <a:p>
+                      <a:pPr algn="ctr"/>
+                      <a:r>
+                        <a:rPr lang="en-US" sz="1600" dirty="0"/>
+                        <a:t>1000</a:t>
+                      </a:r>
+                    </a:p>
+                  </a:txBody>
+                  <a:tcPr marL="89601" marR="89601" marT="44801" marB="44801"/>
+                </a:tc>
+                <a:extLst>
+                  <a:ext uri="{0D108BD9-81ED-4DB2-BD59-A6C34878D82A}">
+                    <a16:rowId xmlns:a16="http://schemas.microsoft.com/office/drawing/2014/main" val="3770625073"/>
+                  </a:ext>
+                </a:extLst>
+              </a:tr>
+              <a:tr h="308421">
+                <a:tc>
+                  <a:txBody>
+                    <a:bodyPr/>
+                    <a:lstStyle/>
+                    <a:p>
+                      <a:pPr algn="ctr"/>
+                      <a:r>
+                        <a:rPr lang="en-US" sz="1600" b="1" dirty="0"/>
+                        <a:t>Pallas</a:t>
+                      </a:r>
+                    </a:p>
+                  </a:txBody>
+                  <a:tcPr marL="89601" marR="89601" marT="44801" marB="44801"/>
+                </a:tc>
+                <a:tc>
+                  <a:txBody>
+                    <a:bodyPr/>
+                    <a:lstStyle/>
+                    <a:p>
+                      <a:pPr algn="ctr"/>
+                      <a:r>
+                        <a:rPr lang="en-US" sz="1600" dirty="0"/>
+                        <a:t>1050</a:t>
+                      </a:r>
+                    </a:p>
+                  </a:txBody>
+                  <a:tcPr marL="89601" marR="89601" marT="44801" marB="44801"/>
+                </a:tc>
+                <a:tc>
+                  <a:txBody>
+                    <a:bodyPr/>
+                    <a:lstStyle/>
+                    <a:p>
+                      <a:pPr algn="ctr"/>
+                      <a:r>
+                        <a:rPr lang="en-US" sz="1600" dirty="0"/>
+                        <a:t>400</a:t>
+                      </a:r>
+                    </a:p>
+                  </a:txBody>
+                  <a:tcPr marL="89601" marR="89601" marT="44801" marB="44801"/>
+                </a:tc>
+                <a:tc>
+                  <a:txBody>
+                    <a:bodyPr/>
+                    <a:lstStyle/>
+                    <a:p>
+                      <a:pPr algn="ctr"/>
+                      <a:r>
+                        <a:rPr lang="en-US" sz="1600" dirty="0"/>
+                        <a:t>1000</a:t>
+                      </a:r>
+                    </a:p>
+                  </a:txBody>
+                  <a:tcPr marL="89601" marR="89601" marT="44801" marB="44801"/>
+                </a:tc>
+                <a:extLst>
+                  <a:ext uri="{0D108BD9-81ED-4DB2-BD59-A6C34878D82A}">
+                    <a16:rowId xmlns:a16="http://schemas.microsoft.com/office/drawing/2014/main" val="3249050652"/>
+                  </a:ext>
+                </a:extLst>
+              </a:tr>
+              <a:tr h="308421">
+                <a:tc>
+                  <a:txBody>
+                    <a:bodyPr/>
+                    <a:lstStyle/>
+                    <a:p>
+                      <a:pPr algn="ctr"/>
+                      <a:r>
+                        <a:rPr lang="en-US" sz="1600" b="1" dirty="0"/>
+                        <a:t>Ceres</a:t>
+                      </a:r>
+                    </a:p>
+                  </a:txBody>
+                  <a:tcPr marL="89601" marR="89601" marT="44801" marB="44801"/>
+                </a:tc>
+                <a:tc>
+                  <a:txBody>
+                    <a:bodyPr/>
+                    <a:lstStyle/>
+                    <a:p>
+                      <a:pPr algn="ctr"/>
+                      <a:r>
+                        <a:rPr lang="en-US" sz="1600" dirty="0"/>
+                        <a:t>500</a:t>
+                      </a:r>
+                    </a:p>
+                  </a:txBody>
+                  <a:tcPr marL="89601" marR="89601" marT="44801" marB="44801"/>
+                </a:tc>
+                <a:tc>
+                  <a:txBody>
+                    <a:bodyPr/>
+                    <a:lstStyle/>
+                    <a:p>
+                      <a:pPr algn="ctr"/>
+                      <a:r>
+                        <a:rPr lang="en-US" sz="1600" dirty="0"/>
+                        <a:t>500</a:t>
+                      </a:r>
+                    </a:p>
+                  </a:txBody>
+                  <a:tcPr marL="89601" marR="89601" marT="44801" marB="44801"/>
+                </a:tc>
+                <a:tc>
+                  <a:txBody>
+                    <a:bodyPr/>
+                    <a:lstStyle/>
+                    <a:p>
+                      <a:pPr algn="ctr"/>
+                      <a:r>
+                        <a:rPr lang="en-US" sz="1600" dirty="0"/>
+                        <a:t>1200</a:t>
+                      </a:r>
+                    </a:p>
+                  </a:txBody>
+                  <a:tcPr marL="89601" marR="89601" marT="44801" marB="44801"/>
+                </a:tc>
+                <a:extLst>
+                  <a:ext uri="{0D108BD9-81ED-4DB2-BD59-A6C34878D82A}">
+                    <a16:rowId xmlns:a16="http://schemas.microsoft.com/office/drawing/2014/main" val="3899100833"/>
+                  </a:ext>
+                </a:extLst>
+              </a:tr>
+            </a:tbl>
+          </a:graphicData>
+        </a:graphic>
+      </p:graphicFrame>
       <p:sp>
         <p:nvSpPr>
           <p:cNvPr id="28" name="Rectangle 27">
@@ -34794,7 +35761,7 @@
                 </a:solidFill>
                 <a:latin typeface="Bodoni MT" panose="02070603080606020203" pitchFamily="18" charset="0"/>
               </a:rPr>
-              <a:t>Ex: Oakdale School Busing</a:t>
+              <a:t>Ex: The Expanse</a:t>
             </a:r>
           </a:p>
         </p:txBody>
@@ -35408,7 +36375,7 @@
                 </a:solidFill>
                 <a:latin typeface="Corbel" panose="020B0503020204020204" pitchFamily="34" charset="0"/>
               </a:rPr>
-              <a:t>We cannot bus more students than what is currently available at each school</a:t>
+              <a:t>We cannot move more people than what is currently available</a:t>
             </a:r>
           </a:p>
           <a:p>
@@ -35602,50 +36569,8 @@
           </a:prstGeom>
         </p:spPr>
       </p:pic>
-      <p:pic>
-        <p:nvPicPr>
-          <p:cNvPr id="23" name="Picture 22">
-            <a:extLst>
-              <a:ext uri="{FF2B5EF4-FFF2-40B4-BE49-F238E27FC236}">
-                <a16:creationId xmlns:a16="http://schemas.microsoft.com/office/drawing/2014/main" id="{41F5BF81-0C01-4886-9A11-189313421106}"/>
-              </a:ext>
-            </a:extLst>
-          </p:cNvPr>
-          <p:cNvPicPr>
-            <a:picLocks noChangeAspect="1"/>
-          </p:cNvPicPr>
-          <p:nvPr/>
-        </p:nvPicPr>
-        <p:blipFill>
-          <a:blip r:embed="rId6"/>
-          <a:stretch>
-            <a:fillRect/>
-          </a:stretch>
-        </p:blipFill>
-        <p:spPr>
-          <a:xfrm>
-            <a:off x="1668161" y="2680404"/>
-            <a:ext cx="5820575" cy="1227582"/>
-          </a:xfrm>
-          <a:prstGeom prst="rect">
-            <a:avLst/>
-          </a:prstGeom>
-          <a:ln w="38100">
-            <a:solidFill>
-              <a:srgbClr val="11B29F"/>
-            </a:solidFill>
-          </a:ln>
-          <a:effectLst>
-            <a:outerShdw blurRad="292100" dist="139700" dir="2700000" algn="tl" rotWithShape="0">
-              <a:srgbClr val="333333">
-                <a:alpha val="65000"/>
-              </a:srgbClr>
-            </a:outerShdw>
-          </a:effectLst>
-        </p:spPr>
-      </p:pic>
-      <mc:AlternateContent xmlns:mc="http://schemas.openxmlformats.org/markup-compatibility/2006" xmlns:a14="http://schemas.microsoft.com/office/drawing/2010/main">
-        <mc:Choice Requires="a14">
+      <mc:AlternateContent xmlns:mc="http://schemas.openxmlformats.org/markup-compatibility/2006">
+        <mc:Choice xmlns:a14="http://schemas.microsoft.com/office/drawing/2010/main" Requires="a14">
           <p:sp>
             <p:nvSpPr>
               <p:cNvPr id="31" name="TextBox 30">
@@ -35702,7 +36627,7 @@
                             <a:rPr lang="en-US" b="0" i="1" smtClean="0">
                               <a:latin typeface="Cambria Math" panose="02040503050406030204" pitchFamily="18" charset="0"/>
                             </a:rPr>
-                            <m:t>𝑁𝑁</m:t>
+                            <m:t>𝑉𝑉</m:t>
                           </m:r>
                         </m:sub>
                       </m:sSub>
@@ -35733,7 +36658,7 @@
                             <a:rPr lang="en-US" b="0" i="1" smtClean="0">
                               <a:latin typeface="Cambria Math" panose="02040503050406030204" pitchFamily="18" charset="0"/>
                             </a:rPr>
-                            <m:t>𝑁𝑆</m:t>
+                            <m:t>𝑉𝐻</m:t>
                           </m:r>
                         </m:sub>
                       </m:sSub>
@@ -35764,7 +36689,7 @@
                             <a:rPr lang="en-US" b="0" i="1" smtClean="0">
                               <a:latin typeface="Cambria Math" panose="02040503050406030204" pitchFamily="18" charset="0"/>
                             </a:rPr>
-                            <m:t>𝑁𝐸</m:t>
+                            <m:t>𝑉𝑃</m:t>
                           </m:r>
                         </m:sub>
                       </m:sSub>
@@ -35795,7 +36720,7 @@
                             <a:rPr lang="en-US" b="0" i="1" smtClean="0">
                               <a:latin typeface="Cambria Math" panose="02040503050406030204" pitchFamily="18" charset="0"/>
                             </a:rPr>
-                            <m:t>𝑁𝑊</m:t>
+                            <m:t>𝑉𝐶</m:t>
                           </m:r>
                         </m:sub>
                       </m:sSub>
@@ -35842,10 +36767,10 @@
                         </m:e>
                         <m:sub>
                           <m:r>
-                            <a:rPr lang="en-US" i="1">
-                              <a:latin typeface="Cambria Math" panose="02040503050406030204" pitchFamily="18" charset="0"/>
-                            </a:rPr>
-                            <m:t>𝑁𝑁</m:t>
+                            <a:rPr lang="en-US" b="0" i="1" smtClean="0">
+                              <a:latin typeface="Cambria Math" panose="02040503050406030204" pitchFamily="18" charset="0"/>
+                            </a:rPr>
+                            <m:t>𝑉𝑉</m:t>
                           </m:r>
                         </m:sub>
                       </m:sSub>
@@ -35873,10 +36798,10 @@
                         </m:e>
                         <m:sub>
                           <m:r>
-                            <a:rPr lang="en-US" i="1">
-                              <a:latin typeface="Cambria Math" panose="02040503050406030204" pitchFamily="18" charset="0"/>
-                            </a:rPr>
-                            <m:t>𝑁𝑆</m:t>
+                            <a:rPr lang="en-US" b="0" i="1" smtClean="0">
+                              <a:latin typeface="Cambria Math" panose="02040503050406030204" pitchFamily="18" charset="0"/>
+                            </a:rPr>
+                            <m:t>𝑉𝐻</m:t>
                           </m:r>
                         </m:sub>
                       </m:sSub>
@@ -35904,10 +36829,10 @@
                         </m:e>
                         <m:sub>
                           <m:r>
-                            <a:rPr lang="en-US" i="1">
-                              <a:latin typeface="Cambria Math" panose="02040503050406030204" pitchFamily="18" charset="0"/>
-                            </a:rPr>
-                            <m:t>𝑁𝐸</m:t>
+                            <a:rPr lang="en-US" b="0" i="1" smtClean="0">
+                              <a:latin typeface="Cambria Math" panose="02040503050406030204" pitchFamily="18" charset="0"/>
+                            </a:rPr>
+                            <m:t>𝑉𝑃</m:t>
                           </m:r>
                         </m:sub>
                       </m:sSub>
@@ -35935,10 +36860,10 @@
                         </m:e>
                         <m:sub>
                           <m:r>
-                            <a:rPr lang="en-US" i="1">
-                              <a:latin typeface="Cambria Math" panose="02040503050406030204" pitchFamily="18" charset="0"/>
-                            </a:rPr>
-                            <m:t>𝑁𝑊</m:t>
+                            <a:rPr lang="en-US" b="0" i="1" smtClean="0">
+                              <a:latin typeface="Cambria Math" panose="02040503050406030204" pitchFamily="18" charset="0"/>
+                            </a:rPr>
+                            <m:t>𝑉𝐶</m:t>
                           </m:r>
                         </m:sub>
                       </m:sSub>
@@ -35988,13 +36913,7 @@
                             <a:rPr lang="en-US" b="0" i="1" smtClean="0">
                               <a:latin typeface="Cambria Math" panose="02040503050406030204" pitchFamily="18" charset="0"/>
                             </a:rPr>
-                            <m:t>𝑆</m:t>
-                          </m:r>
-                          <m:r>
-                            <a:rPr lang="en-US" i="1">
-                              <a:latin typeface="Cambria Math" panose="02040503050406030204" pitchFamily="18" charset="0"/>
-                            </a:rPr>
-                            <m:t>𝑁</m:t>
+                            <m:t>𝐻𝑉</m:t>
                           </m:r>
                         </m:sub>
                       </m:sSub>
@@ -36025,13 +36944,7 @@
                             <a:rPr lang="en-US" b="0" i="1" smtClean="0">
                               <a:latin typeface="Cambria Math" panose="02040503050406030204" pitchFamily="18" charset="0"/>
                             </a:rPr>
-                            <m:t>𝑆</m:t>
-                          </m:r>
-                          <m:r>
-                            <a:rPr lang="en-US" i="1">
-                              <a:latin typeface="Cambria Math" panose="02040503050406030204" pitchFamily="18" charset="0"/>
-                            </a:rPr>
-                            <m:t>𝑆</m:t>
+                            <m:t>𝐻𝐻</m:t>
                           </m:r>
                         </m:sub>
                       </m:sSub>
@@ -36062,13 +36975,7 @@
                             <a:rPr lang="en-US" b="0" i="1" smtClean="0">
                               <a:latin typeface="Cambria Math" panose="02040503050406030204" pitchFamily="18" charset="0"/>
                             </a:rPr>
-                            <m:t>𝑆</m:t>
-                          </m:r>
-                          <m:r>
-                            <a:rPr lang="en-US" i="1">
-                              <a:latin typeface="Cambria Math" panose="02040503050406030204" pitchFamily="18" charset="0"/>
-                            </a:rPr>
-                            <m:t>𝐸</m:t>
+                            <m:t>𝐻𝑃</m:t>
                           </m:r>
                         </m:sub>
                       </m:sSub>
@@ -36099,13 +37006,7 @@
                             <a:rPr lang="en-US" b="0" i="1" smtClean="0">
                               <a:latin typeface="Cambria Math" panose="02040503050406030204" pitchFamily="18" charset="0"/>
                             </a:rPr>
-                            <m:t>𝑆</m:t>
-                          </m:r>
-                          <m:r>
-                            <a:rPr lang="en-US" i="1">
-                              <a:latin typeface="Cambria Math" panose="02040503050406030204" pitchFamily="18" charset="0"/>
-                            </a:rPr>
-                            <m:t>𝑊</m:t>
+                            <m:t>𝐻𝐶</m:t>
                           </m:r>
                         </m:sub>
                       </m:sSub>
@@ -36152,10 +37053,10 @@
                         </m:e>
                         <m:sub>
                           <m:r>
-                            <a:rPr lang="en-US" i="1">
-                              <a:latin typeface="Cambria Math" panose="02040503050406030204" pitchFamily="18" charset="0"/>
-                            </a:rPr>
-                            <m:t>𝑆𝑁</m:t>
+                            <a:rPr lang="en-US" b="0" i="1" smtClean="0">
+                              <a:latin typeface="Cambria Math" panose="02040503050406030204" pitchFamily="18" charset="0"/>
+                            </a:rPr>
+                            <m:t>𝐻𝑉</m:t>
                           </m:r>
                         </m:sub>
                       </m:sSub>
@@ -36183,10 +37084,10 @@
                         </m:e>
                         <m:sub>
                           <m:r>
-                            <a:rPr lang="en-US" i="1">
-                              <a:latin typeface="Cambria Math" panose="02040503050406030204" pitchFamily="18" charset="0"/>
-                            </a:rPr>
-                            <m:t>𝑆𝑆</m:t>
+                            <a:rPr lang="en-US" b="0" i="1" smtClean="0">
+                              <a:latin typeface="Cambria Math" panose="02040503050406030204" pitchFamily="18" charset="0"/>
+                            </a:rPr>
+                            <m:t>𝐻𝐻</m:t>
                           </m:r>
                         </m:sub>
                       </m:sSub>
@@ -36214,10 +37115,10 @@
                         </m:e>
                         <m:sub>
                           <m:r>
-                            <a:rPr lang="en-US" i="1">
-                              <a:latin typeface="Cambria Math" panose="02040503050406030204" pitchFamily="18" charset="0"/>
-                            </a:rPr>
-                            <m:t>𝑆𝐸</m:t>
+                            <a:rPr lang="en-US" b="0" i="1" smtClean="0">
+                              <a:latin typeface="Cambria Math" panose="02040503050406030204" pitchFamily="18" charset="0"/>
+                            </a:rPr>
+                            <m:t>𝐻𝑃</m:t>
                           </m:r>
                         </m:sub>
                       </m:sSub>
@@ -36245,10 +37146,10 @@
                         </m:e>
                         <m:sub>
                           <m:r>
-                            <a:rPr lang="en-US" i="1">
-                              <a:latin typeface="Cambria Math" panose="02040503050406030204" pitchFamily="18" charset="0"/>
-                            </a:rPr>
-                            <m:t>𝑆𝑊</m:t>
+                            <a:rPr lang="en-US" b="0" i="1" smtClean="0">
+                              <a:latin typeface="Cambria Math" panose="02040503050406030204" pitchFamily="18" charset="0"/>
+                            </a:rPr>
+                            <m:t>𝐻𝐶</m:t>
                           </m:r>
                         </m:sub>
                       </m:sSub>
@@ -36298,13 +37199,7 @@
                             <a:rPr lang="en-US" b="0" i="1" smtClean="0">
                               <a:latin typeface="Cambria Math" panose="02040503050406030204" pitchFamily="18" charset="0"/>
                             </a:rPr>
-                            <m:t>𝐸</m:t>
-                          </m:r>
-                          <m:r>
-                            <a:rPr lang="en-US" i="1">
-                              <a:latin typeface="Cambria Math" panose="02040503050406030204" pitchFamily="18" charset="0"/>
-                            </a:rPr>
-                            <m:t>𝑁</m:t>
+                            <m:t>𝑃𝑉</m:t>
                           </m:r>
                         </m:sub>
                       </m:sSub>
@@ -36335,13 +37230,7 @@
                             <a:rPr lang="en-US" b="0" i="1" smtClean="0">
                               <a:latin typeface="Cambria Math" panose="02040503050406030204" pitchFamily="18" charset="0"/>
                             </a:rPr>
-                            <m:t>𝐸</m:t>
-                          </m:r>
-                          <m:r>
-                            <a:rPr lang="en-US" i="1">
-                              <a:latin typeface="Cambria Math" panose="02040503050406030204" pitchFamily="18" charset="0"/>
-                            </a:rPr>
-                            <m:t>𝑆</m:t>
+                            <m:t>𝑃𝐻</m:t>
                           </m:r>
                         </m:sub>
                       </m:sSub>
@@ -36372,13 +37261,7 @@
                             <a:rPr lang="en-US" b="0" i="1" smtClean="0">
                               <a:latin typeface="Cambria Math" panose="02040503050406030204" pitchFamily="18" charset="0"/>
                             </a:rPr>
-                            <m:t>𝐸</m:t>
-                          </m:r>
-                          <m:r>
-                            <a:rPr lang="en-US" i="1">
-                              <a:latin typeface="Cambria Math" panose="02040503050406030204" pitchFamily="18" charset="0"/>
-                            </a:rPr>
-                            <m:t>𝐸</m:t>
+                            <m:t>𝑃𝑃</m:t>
                           </m:r>
                         </m:sub>
                       </m:sSub>
@@ -36409,13 +37292,7 @@
                             <a:rPr lang="en-US" b="0" i="1" smtClean="0">
                               <a:latin typeface="Cambria Math" panose="02040503050406030204" pitchFamily="18" charset="0"/>
                             </a:rPr>
-                            <m:t>𝐸</m:t>
-                          </m:r>
-                          <m:r>
-                            <a:rPr lang="en-US" i="1">
-                              <a:latin typeface="Cambria Math" panose="02040503050406030204" pitchFamily="18" charset="0"/>
-                            </a:rPr>
-                            <m:t>𝑊</m:t>
+                            <m:t>𝑃𝐶</m:t>
                           </m:r>
                         </m:sub>
                       </m:sSub>
@@ -36468,10 +37345,10 @@
                         </m:e>
                         <m:sub>
                           <m:r>
-                            <a:rPr lang="en-US" i="1">
-                              <a:latin typeface="Cambria Math" panose="02040503050406030204" pitchFamily="18" charset="0"/>
-                            </a:rPr>
-                            <m:t>𝐸𝑁</m:t>
+                            <a:rPr lang="en-US" b="0" i="1" smtClean="0">
+                              <a:latin typeface="Cambria Math" panose="02040503050406030204" pitchFamily="18" charset="0"/>
+                            </a:rPr>
+                            <m:t>𝑃𝑉</m:t>
                           </m:r>
                         </m:sub>
                       </m:sSub>
@@ -36499,10 +37376,10 @@
                         </m:e>
                         <m:sub>
                           <m:r>
-                            <a:rPr lang="en-US" i="1">
-                              <a:latin typeface="Cambria Math" panose="02040503050406030204" pitchFamily="18" charset="0"/>
-                            </a:rPr>
-                            <m:t>𝐸𝑆</m:t>
+                            <a:rPr lang="en-US" b="0" i="1" smtClean="0">
+                              <a:latin typeface="Cambria Math" panose="02040503050406030204" pitchFamily="18" charset="0"/>
+                            </a:rPr>
+                            <m:t>𝑃𝐻</m:t>
                           </m:r>
                         </m:sub>
                       </m:sSub>
@@ -36530,10 +37407,10 @@
                         </m:e>
                         <m:sub>
                           <m:r>
-                            <a:rPr lang="en-US" i="1">
-                              <a:latin typeface="Cambria Math" panose="02040503050406030204" pitchFamily="18" charset="0"/>
-                            </a:rPr>
-                            <m:t>𝐸𝐸</m:t>
+                            <a:rPr lang="en-US" b="0" i="1" smtClean="0">
+                              <a:latin typeface="Cambria Math" panose="02040503050406030204" pitchFamily="18" charset="0"/>
+                            </a:rPr>
+                            <m:t>𝑃𝑃</m:t>
                           </m:r>
                         </m:sub>
                       </m:sSub>
@@ -36561,10 +37438,10 @@
                         </m:e>
                         <m:sub>
                           <m:r>
-                            <a:rPr lang="en-US" i="1">
-                              <a:latin typeface="Cambria Math" panose="02040503050406030204" pitchFamily="18" charset="0"/>
-                            </a:rPr>
-                            <m:t>𝐸𝑊</m:t>
+                            <a:rPr lang="en-US" b="0" i="1" smtClean="0">
+                              <a:latin typeface="Cambria Math" panose="02040503050406030204" pitchFamily="18" charset="0"/>
+                            </a:rPr>
+                            <m:t>𝑃𝐶</m:t>
                           </m:r>
                         </m:sub>
                       </m:sSub>
@@ -36614,13 +37491,7 @@
                             <a:rPr lang="en-US" b="0" i="1" smtClean="0">
                               <a:latin typeface="Cambria Math" panose="02040503050406030204" pitchFamily="18" charset="0"/>
                             </a:rPr>
-                            <m:t>𝑊</m:t>
-                          </m:r>
-                          <m:r>
-                            <a:rPr lang="en-US" i="1">
-                              <a:latin typeface="Cambria Math" panose="02040503050406030204" pitchFamily="18" charset="0"/>
-                            </a:rPr>
-                            <m:t>𝑁</m:t>
+                            <m:t>𝐶𝑉</m:t>
                           </m:r>
                         </m:sub>
                       </m:sSub>
@@ -36651,13 +37522,7 @@
                             <a:rPr lang="en-US" b="0" i="1" smtClean="0">
                               <a:latin typeface="Cambria Math" panose="02040503050406030204" pitchFamily="18" charset="0"/>
                             </a:rPr>
-                            <m:t>𝑊</m:t>
-                          </m:r>
-                          <m:r>
-                            <a:rPr lang="en-US" i="1">
-                              <a:latin typeface="Cambria Math" panose="02040503050406030204" pitchFamily="18" charset="0"/>
-                            </a:rPr>
-                            <m:t>𝑆</m:t>
+                            <m:t>𝐶𝐻</m:t>
                           </m:r>
                         </m:sub>
                       </m:sSub>
@@ -36688,13 +37553,7 @@
                             <a:rPr lang="en-US" b="0" i="1" smtClean="0">
                               <a:latin typeface="Cambria Math" panose="02040503050406030204" pitchFamily="18" charset="0"/>
                             </a:rPr>
-                            <m:t>𝑊</m:t>
-                          </m:r>
-                          <m:r>
-                            <a:rPr lang="en-US" i="1">
-                              <a:latin typeface="Cambria Math" panose="02040503050406030204" pitchFamily="18" charset="0"/>
-                            </a:rPr>
-                            <m:t>𝐸</m:t>
+                            <m:t>𝐶𝑃</m:t>
                           </m:r>
                         </m:sub>
                       </m:sSub>
@@ -36725,13 +37584,7 @@
                             <a:rPr lang="en-US" b="0" i="1" smtClean="0">
                               <a:latin typeface="Cambria Math" panose="02040503050406030204" pitchFamily="18" charset="0"/>
                             </a:rPr>
-                            <m:t>𝑊</m:t>
-                          </m:r>
-                          <m:r>
-                            <a:rPr lang="en-US" i="1">
-                              <a:latin typeface="Cambria Math" panose="02040503050406030204" pitchFamily="18" charset="0"/>
-                            </a:rPr>
-                            <m:t>𝑊</m:t>
+                            <m:t>𝐶𝐶</m:t>
                           </m:r>
                         </m:sub>
                       </m:sSub>
@@ -36778,10 +37631,10 @@
                         </m:e>
                         <m:sub>
                           <m:r>
-                            <a:rPr lang="en-US" i="1">
-                              <a:latin typeface="Cambria Math" panose="02040503050406030204" pitchFamily="18" charset="0"/>
-                            </a:rPr>
-                            <m:t>𝑊𝑁</m:t>
+                            <a:rPr lang="en-US" b="0" i="1" smtClean="0">
+                              <a:latin typeface="Cambria Math" panose="02040503050406030204" pitchFamily="18" charset="0"/>
+                            </a:rPr>
+                            <m:t>𝐶𝑉</m:t>
                           </m:r>
                         </m:sub>
                       </m:sSub>
@@ -36809,10 +37662,10 @@
                         </m:e>
                         <m:sub>
                           <m:r>
-                            <a:rPr lang="en-US" i="1">
-                              <a:latin typeface="Cambria Math" panose="02040503050406030204" pitchFamily="18" charset="0"/>
-                            </a:rPr>
-                            <m:t>𝑊𝑆</m:t>
+                            <a:rPr lang="en-US" b="0" i="1" smtClean="0">
+                              <a:latin typeface="Cambria Math" panose="02040503050406030204" pitchFamily="18" charset="0"/>
+                            </a:rPr>
+                            <m:t>𝐶𝐻</m:t>
                           </m:r>
                         </m:sub>
                       </m:sSub>
@@ -36840,10 +37693,10 @@
                         </m:e>
                         <m:sub>
                           <m:r>
-                            <a:rPr lang="en-US" i="1">
-                              <a:latin typeface="Cambria Math" panose="02040503050406030204" pitchFamily="18" charset="0"/>
-                            </a:rPr>
-                            <m:t>𝑊𝐸</m:t>
+                            <a:rPr lang="en-US" b="0" i="1" smtClean="0">
+                              <a:latin typeface="Cambria Math" panose="02040503050406030204" pitchFamily="18" charset="0"/>
+                            </a:rPr>
+                            <m:t>𝐶𝑃</m:t>
                           </m:r>
                         </m:sub>
                       </m:sSub>
@@ -36871,10 +37724,10 @@
                         </m:e>
                         <m:sub>
                           <m:r>
-                            <a:rPr lang="en-US" i="1">
-                              <a:latin typeface="Cambria Math" panose="02040503050406030204" pitchFamily="18" charset="0"/>
-                            </a:rPr>
-                            <m:t>𝑊𝑊</m:t>
+                            <a:rPr lang="en-US" b="0" i="1" smtClean="0">
+                              <a:latin typeface="Cambria Math" panose="02040503050406030204" pitchFamily="18" charset="0"/>
+                            </a:rPr>
+                            <m:t>𝐶𝐶</m:t>
                           </m:r>
                         </m:sub>
                       </m:sSub>
@@ -36898,7 +37751,7 @@
             </p:txBody>
           </p:sp>
         </mc:Choice>
-        <mc:Fallback xmlns="">
+        <mc:Fallback>
           <p:sp>
             <p:nvSpPr>
               <p:cNvPr id="31" name="TextBox 30">
@@ -36922,7 +37775,7 @@
                 <a:avLst/>
               </a:prstGeom>
               <a:blipFill>
-                <a:blip r:embed="rId7"/>
+                <a:blip r:embed="rId6"/>
                 <a:stretch>
                   <a:fillRect/>
                 </a:stretch>
@@ -36957,8 +37810,8 @@
         </p:nvSpPr>
         <p:spPr>
           <a:xfrm>
-            <a:off x="3761772" y="2916820"/>
-            <a:ext cx="2245489" cy="991166"/>
+            <a:off x="5081120" y="2645099"/>
+            <a:ext cx="2887223" cy="1694131"/>
           </a:xfrm>
           <a:prstGeom prst="rect">
             <a:avLst/>

--- a/Lectures/Lecture 17/Lecture 17.pptx
+++ b/Lectures/Lecture 17/Lecture 17.pptx
@@ -227,7 +227,7 @@
           <a:p>
             <a:fld id="{467FE51A-BC06-4E6F-B1DA-B477364E598F}" type="datetimeFigureOut">
               <a:rPr lang="en-US" smtClean="0"/>
-              <a:t>3/8/2021</a:t>
+              <a:t>3/14/2021</a:t>
             </a:fld>
             <a:endParaRPr lang="en-US"/>
           </a:p>
@@ -641,7 +641,7 @@
           <a:p>
             <a:fld id="{11C4ABE2-2F1A-4C31-A43A-C3E7CE49CE95}" type="datetimeFigureOut">
               <a:rPr lang="en-US" smtClean="0"/>
-              <a:t>3/8/2021</a:t>
+              <a:t>3/14/2021</a:t>
             </a:fld>
             <a:endParaRPr lang="en-US"/>
           </a:p>
@@ -839,7 +839,7 @@
           <a:p>
             <a:fld id="{11C4ABE2-2F1A-4C31-A43A-C3E7CE49CE95}" type="datetimeFigureOut">
               <a:rPr lang="en-US" smtClean="0"/>
-              <a:t>3/8/2021</a:t>
+              <a:t>3/14/2021</a:t>
             </a:fld>
             <a:endParaRPr lang="en-US"/>
           </a:p>
@@ -1047,7 +1047,7 @@
           <a:p>
             <a:fld id="{11C4ABE2-2F1A-4C31-A43A-C3E7CE49CE95}" type="datetimeFigureOut">
               <a:rPr lang="en-US" smtClean="0"/>
-              <a:t>3/8/2021</a:t>
+              <a:t>3/14/2021</a:t>
             </a:fld>
             <a:endParaRPr lang="en-US"/>
           </a:p>
@@ -1245,7 +1245,7 @@
           <a:p>
             <a:fld id="{11C4ABE2-2F1A-4C31-A43A-C3E7CE49CE95}" type="datetimeFigureOut">
               <a:rPr lang="en-US" smtClean="0"/>
-              <a:t>3/8/2021</a:t>
+              <a:t>3/14/2021</a:t>
             </a:fld>
             <a:endParaRPr lang="en-US"/>
           </a:p>
@@ -1520,7 +1520,7 @@
           <a:p>
             <a:fld id="{11C4ABE2-2F1A-4C31-A43A-C3E7CE49CE95}" type="datetimeFigureOut">
               <a:rPr lang="en-US" smtClean="0"/>
-              <a:t>3/8/2021</a:t>
+              <a:t>3/14/2021</a:t>
             </a:fld>
             <a:endParaRPr lang="en-US"/>
           </a:p>
@@ -1785,7 +1785,7 @@
           <a:p>
             <a:fld id="{11C4ABE2-2F1A-4C31-A43A-C3E7CE49CE95}" type="datetimeFigureOut">
               <a:rPr lang="en-US" smtClean="0"/>
-              <a:t>3/8/2021</a:t>
+              <a:t>3/14/2021</a:t>
             </a:fld>
             <a:endParaRPr lang="en-US"/>
           </a:p>
@@ -2197,7 +2197,7 @@
           <a:p>
             <a:fld id="{11C4ABE2-2F1A-4C31-A43A-C3E7CE49CE95}" type="datetimeFigureOut">
               <a:rPr lang="en-US" smtClean="0"/>
-              <a:t>3/8/2021</a:t>
+              <a:t>3/14/2021</a:t>
             </a:fld>
             <a:endParaRPr lang="en-US"/>
           </a:p>
@@ -2338,7 +2338,7 @@
           <a:p>
             <a:fld id="{11C4ABE2-2F1A-4C31-A43A-C3E7CE49CE95}" type="datetimeFigureOut">
               <a:rPr lang="en-US" smtClean="0"/>
-              <a:t>3/8/2021</a:t>
+              <a:t>3/14/2021</a:t>
             </a:fld>
             <a:endParaRPr lang="en-US"/>
           </a:p>
@@ -2451,7 +2451,7 @@
           <a:p>
             <a:fld id="{11C4ABE2-2F1A-4C31-A43A-C3E7CE49CE95}" type="datetimeFigureOut">
               <a:rPr lang="en-US" smtClean="0"/>
-              <a:t>3/8/2021</a:t>
+              <a:t>3/14/2021</a:t>
             </a:fld>
             <a:endParaRPr lang="en-US"/>
           </a:p>
@@ -2762,7 +2762,7 @@
           <a:p>
             <a:fld id="{11C4ABE2-2F1A-4C31-A43A-C3E7CE49CE95}" type="datetimeFigureOut">
               <a:rPr lang="en-US" smtClean="0"/>
-              <a:t>3/8/2021</a:t>
+              <a:t>3/14/2021</a:t>
             </a:fld>
             <a:endParaRPr lang="en-US"/>
           </a:p>
@@ -3050,7 +3050,7 @@
           <a:p>
             <a:fld id="{11C4ABE2-2F1A-4C31-A43A-C3E7CE49CE95}" type="datetimeFigureOut">
               <a:rPr lang="en-US" smtClean="0"/>
-              <a:t>3/8/2021</a:t>
+              <a:t>3/14/2021</a:t>
             </a:fld>
             <a:endParaRPr lang="en-US"/>
           </a:p>
@@ -3291,7 +3291,7 @@
           <a:p>
             <a:fld id="{11C4ABE2-2F1A-4C31-A43A-C3E7CE49CE95}" type="datetimeFigureOut">
               <a:rPr lang="en-US" smtClean="0"/>
-              <a:t>3/8/2021</a:t>
+              <a:t>3/14/2021</a:t>
             </a:fld>
             <a:endParaRPr lang="en-US"/>
           </a:p>
@@ -7023,8 +7023,8 @@
         </p:blipFill>
         <p:spPr>
           <a:xfrm>
-            <a:off x="5927664" y="4507829"/>
-            <a:ext cx="1833726" cy="2216047"/>
+            <a:off x="5935485" y="4482377"/>
+            <a:ext cx="1875847" cy="2266950"/>
           </a:xfrm>
           <a:prstGeom prst="rect">
             <a:avLst/>
@@ -7045,10 +7045,10 @@
       </p:pic>
       <p:pic>
         <p:nvPicPr>
-          <p:cNvPr id="7" name="Picture 6">
-            <a:extLst>
-              <a:ext uri="{FF2B5EF4-FFF2-40B4-BE49-F238E27FC236}">
-                <a16:creationId xmlns:a16="http://schemas.microsoft.com/office/drawing/2014/main" id="{CE6B075F-71D0-4CE8-961C-BC9BE5DD23FA}"/>
+          <p:cNvPr id="4" name="Picture 3">
+            <a:extLst>
+              <a:ext uri="{FF2B5EF4-FFF2-40B4-BE49-F238E27FC236}">
+                <a16:creationId xmlns:a16="http://schemas.microsoft.com/office/drawing/2014/main" id="{F2546E3B-63C3-433E-B6F1-3A8B26AD0EC3}"/>
               </a:ext>
             </a:extLst>
           </p:cNvPr>
@@ -7065,8 +7065,8 @@
         </p:blipFill>
         <p:spPr>
           <a:xfrm>
-            <a:off x="1647716" y="4507831"/>
-            <a:ext cx="4021340" cy="2216046"/>
+            <a:off x="1633581" y="4482377"/>
+            <a:ext cx="4133850" cy="2266950"/>
           </a:xfrm>
           <a:prstGeom prst="rect">
             <a:avLst/>
@@ -7076,13 +7076,6 @@
               <a:srgbClr val="11B29F"/>
             </a:solidFill>
           </a:ln>
-          <a:effectLst>
-            <a:outerShdw blurRad="292100" dist="139700" dir="2700000" algn="tl" rotWithShape="0">
-              <a:srgbClr val="333333">
-                <a:alpha val="65000"/>
-              </a:srgbClr>
-            </a:outerShdw>
-          </a:effectLst>
         </p:spPr>
       </p:pic>
     </p:spTree>
@@ -8087,10 +8080,10 @@
       </p:pic>
       <p:pic>
         <p:nvPicPr>
-          <p:cNvPr id="30" name="Picture 29">
-            <a:extLst>
-              <a:ext uri="{FF2B5EF4-FFF2-40B4-BE49-F238E27FC236}">
-                <a16:creationId xmlns:a16="http://schemas.microsoft.com/office/drawing/2014/main" id="{2F3CF4D1-BE6E-4BD9-8A95-5A8D1CED7F35}"/>
+          <p:cNvPr id="4" name="Picture 3">
+            <a:extLst>
+              <a:ext uri="{FF2B5EF4-FFF2-40B4-BE49-F238E27FC236}">
+                <a16:creationId xmlns:a16="http://schemas.microsoft.com/office/drawing/2014/main" id="{C1795096-C8D3-45D4-B514-F8ABE6141CCE}"/>
               </a:ext>
             </a:extLst>
           </p:cNvPr>
@@ -8107,8 +8100,8 @@
         </p:blipFill>
         <p:spPr>
           <a:xfrm>
-            <a:off x="1664263" y="2689171"/>
-            <a:ext cx="7256634" cy="4075359"/>
+            <a:off x="1587802" y="2717236"/>
+            <a:ext cx="6988662" cy="3937959"/>
           </a:xfrm>
           <a:prstGeom prst="rect">
             <a:avLst/>
@@ -8118,13 +8111,6 @@
               <a:srgbClr val="11B29F"/>
             </a:solidFill>
           </a:ln>
-          <a:effectLst>
-            <a:outerShdw blurRad="292100" dist="139700" dir="2700000" algn="tl" rotWithShape="0">
-              <a:srgbClr val="333333">
-                <a:alpha val="65000"/>
-              </a:srgbClr>
-            </a:outerShdw>
-          </a:effectLst>
         </p:spPr>
       </p:pic>
     </p:spTree>
@@ -9104,7 +9090,7 @@
               <a:buChar char="•"/>
             </a:pPr>
             <a:r>
-              <a:rPr lang="en-US" dirty="0">
+              <a:rPr lang="en-US" sz="2000" dirty="0">
                 <a:solidFill>
                   <a:srgbClr val="404040"/>
                 </a:solidFill>
@@ -10762,10 +10748,10 @@
       </p:pic>
       <p:pic>
         <p:nvPicPr>
-          <p:cNvPr id="4" name="Picture 3">
-            <a:extLst>
-              <a:ext uri="{FF2B5EF4-FFF2-40B4-BE49-F238E27FC236}">
-                <a16:creationId xmlns:a16="http://schemas.microsoft.com/office/drawing/2014/main" id="{BBA48D21-407B-4FF2-903E-534FD2D89540}"/>
+          <p:cNvPr id="6" name="Picture 5">
+            <a:extLst>
+              <a:ext uri="{FF2B5EF4-FFF2-40B4-BE49-F238E27FC236}">
+                <a16:creationId xmlns:a16="http://schemas.microsoft.com/office/drawing/2014/main" id="{945DC46C-87A3-488C-A3A9-37F039CDE04C}"/>
               </a:ext>
             </a:extLst>
           </p:cNvPr>
@@ -10782,8 +10768,8 @@
         </p:blipFill>
         <p:spPr>
           <a:xfrm>
-            <a:off x="1666087" y="2671620"/>
-            <a:ext cx="6294400" cy="4092251"/>
+            <a:off x="636425" y="2787565"/>
+            <a:ext cx="6329418" cy="3419341"/>
           </a:xfrm>
           <a:prstGeom prst="rect">
             <a:avLst/>
@@ -10793,13 +10779,41 @@
               <a:srgbClr val="11B29F"/>
             </a:solidFill>
           </a:ln>
-          <a:effectLst>
-            <a:outerShdw blurRad="292100" dist="139700" dir="2700000" algn="tl" rotWithShape="0">
-              <a:srgbClr val="333333">
-                <a:alpha val="65000"/>
-              </a:srgbClr>
-            </a:outerShdw>
-          </a:effectLst>
+        </p:spPr>
+      </p:pic>
+      <p:pic>
+        <p:nvPicPr>
+          <p:cNvPr id="9" name="Picture 8">
+            <a:extLst>
+              <a:ext uri="{FF2B5EF4-FFF2-40B4-BE49-F238E27FC236}">
+                <a16:creationId xmlns:a16="http://schemas.microsoft.com/office/drawing/2014/main" id="{FCDC0FA0-7618-458D-A676-7B29CEA064EE}"/>
+              </a:ext>
+            </a:extLst>
+          </p:cNvPr>
+          <p:cNvPicPr>
+            <a:picLocks noChangeAspect="1"/>
+          </p:cNvPicPr>
+          <p:nvPr/>
+        </p:nvPicPr>
+        <p:blipFill>
+          <a:blip r:embed="rId7"/>
+          <a:stretch>
+            <a:fillRect/>
+          </a:stretch>
+        </p:blipFill>
+        <p:spPr>
+          <a:xfrm>
+            <a:off x="7148945" y="2775245"/>
+            <a:ext cx="2643059" cy="3419342"/>
+          </a:xfrm>
+          <a:prstGeom prst="rect">
+            <a:avLst/>
+          </a:prstGeom>
+          <a:ln w="38100">
+            <a:solidFill>
+              <a:srgbClr val="11B29F"/>
+            </a:solidFill>
+          </a:ln>
         </p:spPr>
       </p:pic>
       <p:sp>
@@ -10816,8 +10830,8 @@
         </p:nvSpPr>
         <p:spPr>
           <a:xfrm>
-            <a:off x="3139636" y="5909982"/>
-            <a:ext cx="1748370" cy="806824"/>
+            <a:off x="7149892" y="3340314"/>
+            <a:ext cx="2642111" cy="1290456"/>
           </a:xfrm>
           <a:prstGeom prst="rect">
             <a:avLst/>
@@ -13282,10 +13296,10 @@
       </p:pic>
       <p:pic>
         <p:nvPicPr>
-          <p:cNvPr id="4" name="Picture 3">
-            <a:extLst>
-              <a:ext uri="{FF2B5EF4-FFF2-40B4-BE49-F238E27FC236}">
-                <a16:creationId xmlns:a16="http://schemas.microsoft.com/office/drawing/2014/main" id="{2EF59F48-58AC-4829-AC97-C4ED1B5C4546}"/>
+          <p:cNvPr id="8" name="Picture 7">
+            <a:extLst>
+              <a:ext uri="{FF2B5EF4-FFF2-40B4-BE49-F238E27FC236}">
+                <a16:creationId xmlns:a16="http://schemas.microsoft.com/office/drawing/2014/main" id="{D303436D-5316-4503-98B4-C1F615A5F20A}"/>
               </a:ext>
             </a:extLst>
           </p:cNvPr>
@@ -13302,8 +13316,8 @@
         </p:blipFill>
         <p:spPr>
           <a:xfrm>
-            <a:off x="1651520" y="2704460"/>
-            <a:ext cx="6172989" cy="4041943"/>
+            <a:off x="662848" y="2790286"/>
+            <a:ext cx="6099059" cy="3325505"/>
           </a:xfrm>
           <a:prstGeom prst="rect">
             <a:avLst/>
@@ -13313,13 +13327,41 @@
               <a:srgbClr val="11B29F"/>
             </a:solidFill>
           </a:ln>
-          <a:effectLst>
-            <a:outerShdw blurRad="292100" dist="139700" dir="2700000" algn="tl" rotWithShape="0">
-              <a:srgbClr val="333333">
-                <a:alpha val="65000"/>
-              </a:srgbClr>
-            </a:outerShdw>
-          </a:effectLst>
+        </p:spPr>
+      </p:pic>
+      <p:pic>
+        <p:nvPicPr>
+          <p:cNvPr id="10" name="Picture 9">
+            <a:extLst>
+              <a:ext uri="{FF2B5EF4-FFF2-40B4-BE49-F238E27FC236}">
+                <a16:creationId xmlns:a16="http://schemas.microsoft.com/office/drawing/2014/main" id="{CEADD0D7-DBDA-4274-A84D-E47046124FC9}"/>
+              </a:ext>
+            </a:extLst>
+          </p:cNvPr>
+          <p:cNvPicPr>
+            <a:picLocks noChangeAspect="1"/>
+          </p:cNvPicPr>
+          <p:nvPr/>
+        </p:nvPicPr>
+        <p:blipFill>
+          <a:blip r:embed="rId7"/>
+          <a:stretch>
+            <a:fillRect/>
+          </a:stretch>
+        </p:blipFill>
+        <p:spPr>
+          <a:xfrm>
+            <a:off x="7016658" y="2762250"/>
+            <a:ext cx="2775345" cy="3353542"/>
+          </a:xfrm>
+          <a:prstGeom prst="rect">
+            <a:avLst/>
+          </a:prstGeom>
+          <a:ln w="38100">
+            <a:solidFill>
+              <a:srgbClr val="11B29F"/>
+            </a:solidFill>
+          </a:ln>
         </p:spPr>
       </p:pic>
       <p:sp>
@@ -13336,7 +13378,7 @@
         </p:nvSpPr>
         <p:spPr>
           <a:xfrm>
-            <a:off x="4914648" y="6415535"/>
+            <a:off x="9495333" y="4469963"/>
             <a:ext cx="249023" cy="247483"/>
           </a:xfrm>
           <a:prstGeom prst="rect">
@@ -16194,10 +16236,10 @@
       </p:pic>
       <p:pic>
         <p:nvPicPr>
-          <p:cNvPr id="3" name="Picture 2">
-            <a:extLst>
-              <a:ext uri="{FF2B5EF4-FFF2-40B4-BE49-F238E27FC236}">
-                <a16:creationId xmlns:a16="http://schemas.microsoft.com/office/drawing/2014/main" id="{AB39C8B7-3356-4743-BD20-A4E7D949FA58}"/>
+          <p:cNvPr id="6" name="Picture 5">
+            <a:extLst>
+              <a:ext uri="{FF2B5EF4-FFF2-40B4-BE49-F238E27FC236}">
+                <a16:creationId xmlns:a16="http://schemas.microsoft.com/office/drawing/2014/main" id="{D65794AE-7398-43FC-A1B1-2C4733787F14}"/>
               </a:ext>
             </a:extLst>
           </p:cNvPr>
@@ -16214,8 +16256,8 @@
         </p:blipFill>
         <p:spPr>
           <a:xfrm>
-            <a:off x="2837095" y="2671620"/>
-            <a:ext cx="4540657" cy="3465239"/>
+            <a:off x="1318161" y="2708172"/>
+            <a:ext cx="5651164" cy="3197020"/>
           </a:xfrm>
           <a:prstGeom prst="rect">
             <a:avLst/>
@@ -16225,67 +16267,43 @@
               <a:srgbClr val="11B29F"/>
             </a:solidFill>
           </a:ln>
-          <a:effectLst>
-            <a:outerShdw blurRad="292100" dist="139700" dir="2700000" algn="tl" rotWithShape="0">
-              <a:srgbClr val="333333">
-                <a:alpha val="65000"/>
-              </a:srgbClr>
-            </a:outerShdw>
-          </a:effectLst>
         </p:spPr>
       </p:pic>
-      <p:sp>
-        <p:nvSpPr>
-          <p:cNvPr id="30" name="Rectangle 29">
-            <a:extLst>
-              <a:ext uri="{FF2B5EF4-FFF2-40B4-BE49-F238E27FC236}">
-                <a16:creationId xmlns:a16="http://schemas.microsoft.com/office/drawing/2014/main" id="{0DAEE9C5-7AB9-4EB9-8D6C-70F5988307A0}"/>
-              </a:ext>
-            </a:extLst>
-          </p:cNvPr>
-          <p:cNvSpPr/>
+      <p:pic>
+        <p:nvPicPr>
+          <p:cNvPr id="8" name="Picture 7">
+            <a:extLst>
+              <a:ext uri="{FF2B5EF4-FFF2-40B4-BE49-F238E27FC236}">
+                <a16:creationId xmlns:a16="http://schemas.microsoft.com/office/drawing/2014/main" id="{E96A622C-72A7-4B1A-88E6-6F91C0E4B81B}"/>
+              </a:ext>
+            </a:extLst>
+          </p:cNvPr>
+          <p:cNvPicPr>
+            <a:picLocks noChangeAspect="1"/>
+          </p:cNvPicPr>
           <p:nvPr/>
-        </p:nvSpPr>
+        </p:nvPicPr>
+        <p:blipFill>
+          <a:blip r:embed="rId7"/>
+          <a:stretch>
+            <a:fillRect/>
+          </a:stretch>
+        </p:blipFill>
         <p:spPr>
           <a:xfrm>
-            <a:off x="5924423" y="5657402"/>
-            <a:ext cx="1343712" cy="407222"/>
+            <a:off x="7152427" y="2708172"/>
+            <a:ext cx="2643095" cy="3193740"/>
           </a:xfrm>
           <a:prstGeom prst="rect">
             <a:avLst/>
           </a:prstGeom>
-          <a:noFill/>
           <a:ln w="38100">
             <a:solidFill>
-              <a:srgbClr val="A71B86"/>
+              <a:srgbClr val="11B29F"/>
             </a:solidFill>
           </a:ln>
         </p:spPr>
-        <p:style>
-          <a:lnRef idx="2">
-            <a:schemeClr val="accent1">
-              <a:shade val="50000"/>
-            </a:schemeClr>
-          </a:lnRef>
-          <a:fillRef idx="1">
-            <a:schemeClr val="accent1"/>
-          </a:fillRef>
-          <a:effectRef idx="0">
-            <a:schemeClr val="accent1"/>
-          </a:effectRef>
-          <a:fontRef idx="minor">
-            <a:schemeClr val="lt1"/>
-          </a:fontRef>
-        </p:style>
-        <p:txBody>
-          <a:bodyPr rtlCol="0" anchor="ctr"/>
-          <a:lstStyle/>
-          <a:p>
-            <a:pPr algn="ctr"/>
-            <a:endParaRPr lang="en-US"/>
-          </a:p>
-        </p:txBody>
-      </p:sp>
+      </p:pic>
     </p:spTree>
     <p:extLst>
       <p:ext uri="{BB962C8B-B14F-4D97-AF65-F5344CB8AC3E}">
@@ -17119,7 +17137,7 @@
                 </a:solidFill>
                 <a:latin typeface="Corbel" panose="020B0503020204020204" pitchFamily="34" charset="0"/>
               </a:rPr>
-              <a:t>Q: What do you mean you cannot bus half a person?</a:t>
+              <a:t>Q: What do you mean you cannot move half a person?</a:t>
             </a:r>
           </a:p>
           <a:p>
@@ -18960,8 +18978,8 @@
           </a:p>
         </p:txBody>
       </p:sp>
-      <mc:AlternateContent xmlns:mc="http://schemas.openxmlformats.org/markup-compatibility/2006">
-        <mc:Choice xmlns:a14="http://schemas.microsoft.com/office/drawing/2010/main" Requires="a14">
+      <mc:AlternateContent xmlns:mc="http://schemas.openxmlformats.org/markup-compatibility/2006" xmlns:a14="http://schemas.microsoft.com/office/drawing/2010/main">
+        <mc:Choice Requires="a14">
           <p:sp>
             <p:nvSpPr>
               <p:cNvPr id="36" name="TextBox 35">
@@ -19745,7 +19763,7 @@
             </p:txBody>
           </p:sp>
         </mc:Choice>
-        <mc:Fallback>
+        <mc:Fallback xmlns="">
           <p:sp>
             <p:nvSpPr>
               <p:cNvPr id="36" name="TextBox 35">
@@ -20901,8 +20919,8 @@
           </a:prstGeom>
         </p:spPr>
       </p:pic>
-      <mc:AlternateContent xmlns:mc="http://schemas.openxmlformats.org/markup-compatibility/2006">
-        <mc:Choice xmlns:a14="http://schemas.microsoft.com/office/drawing/2010/main" Requires="a14">
+      <mc:AlternateContent xmlns:mc="http://schemas.openxmlformats.org/markup-compatibility/2006" xmlns:a14="http://schemas.microsoft.com/office/drawing/2010/main">
+        <mc:Choice Requires="a14">
           <p:sp>
             <p:nvSpPr>
               <p:cNvPr id="4" name="TextBox 3">
@@ -21280,7 +21298,7 @@
             </p:txBody>
           </p:sp>
         </mc:Choice>
-        <mc:Fallback>
+        <mc:Fallback xmlns="">
           <p:sp>
             <p:nvSpPr>
               <p:cNvPr id="4" name="TextBox 3">
@@ -21325,8 +21343,8 @@
           </p:sp>
         </mc:Fallback>
       </mc:AlternateContent>
-      <mc:AlternateContent xmlns:mc="http://schemas.openxmlformats.org/markup-compatibility/2006">
-        <mc:Choice xmlns:a14="http://schemas.microsoft.com/office/drawing/2010/main" Requires="a14">
+      <mc:AlternateContent xmlns:mc="http://schemas.openxmlformats.org/markup-compatibility/2006" xmlns:a14="http://schemas.microsoft.com/office/drawing/2010/main">
+        <mc:Choice Requires="a14">
           <p:sp>
             <p:nvSpPr>
               <p:cNvPr id="30" name="TextBox 29">
@@ -21744,7 +21762,7 @@
             </p:txBody>
           </p:sp>
         </mc:Choice>
-        <mc:Fallback>
+        <mc:Fallback xmlns="">
           <p:sp>
             <p:nvSpPr>
               <p:cNvPr id="30" name="TextBox 29">
@@ -22897,8 +22915,8 @@
           </a:prstGeom>
         </p:spPr>
       </p:pic>
-      <mc:AlternateContent xmlns:mc="http://schemas.openxmlformats.org/markup-compatibility/2006">
-        <mc:Choice xmlns:a14="http://schemas.microsoft.com/office/drawing/2010/main" Requires="a14">
+      <mc:AlternateContent xmlns:mc="http://schemas.openxmlformats.org/markup-compatibility/2006" xmlns:a14="http://schemas.microsoft.com/office/drawing/2010/main">
+        <mc:Choice Requires="a14">
           <p:sp>
             <p:nvSpPr>
               <p:cNvPr id="30" name="TextBox 29">
@@ -23299,7 +23317,7 @@
             </p:txBody>
           </p:sp>
         </mc:Choice>
-        <mc:Fallback>
+        <mc:Fallback xmlns="">
           <p:sp>
             <p:nvSpPr>
               <p:cNvPr id="30" name="TextBox 29">
@@ -23344,8 +23362,8 @@
           </p:sp>
         </mc:Fallback>
       </mc:AlternateContent>
-      <mc:AlternateContent xmlns:mc="http://schemas.openxmlformats.org/markup-compatibility/2006">
-        <mc:Choice xmlns:a14="http://schemas.microsoft.com/office/drawing/2010/main" Requires="a14">
+      <mc:AlternateContent xmlns:mc="http://schemas.openxmlformats.org/markup-compatibility/2006" xmlns:a14="http://schemas.microsoft.com/office/drawing/2010/main">
+        <mc:Choice Requires="a14">
           <p:sp>
             <p:nvSpPr>
               <p:cNvPr id="23" name="TextBox 22">
@@ -24844,7 +24862,7 @@
             </p:txBody>
           </p:sp>
         </mc:Choice>
-        <mc:Fallback>
+        <mc:Fallback xmlns="">
           <p:sp>
             <p:nvSpPr>
               <p:cNvPr id="23" name="TextBox 22">
@@ -24889,8 +24907,8 @@
           </p:sp>
         </mc:Fallback>
       </mc:AlternateContent>
-      <mc:AlternateContent xmlns:mc="http://schemas.openxmlformats.org/markup-compatibility/2006">
-        <mc:Choice xmlns:a14="http://schemas.microsoft.com/office/drawing/2010/main" Requires="a14">
+      <mc:AlternateContent xmlns:mc="http://schemas.openxmlformats.org/markup-compatibility/2006" xmlns:a14="http://schemas.microsoft.com/office/drawing/2010/main">
+        <mc:Choice Requires="a14">
           <p:sp>
             <p:nvSpPr>
               <p:cNvPr id="29" name="TextBox 28">
@@ -25301,7 +25319,7 @@
             </p:txBody>
           </p:sp>
         </mc:Choice>
-        <mc:Fallback>
+        <mc:Fallback xmlns="">
           <p:sp>
             <p:nvSpPr>
               <p:cNvPr id="29" name="TextBox 28">
@@ -26460,8 +26478,8 @@
           </a:prstGeom>
         </p:spPr>
       </p:pic>
-      <mc:AlternateContent xmlns:mc="http://schemas.openxmlformats.org/markup-compatibility/2006">
-        <mc:Choice xmlns:a14="http://schemas.microsoft.com/office/drawing/2010/main" Requires="a14">
+      <mc:AlternateContent xmlns:mc="http://schemas.openxmlformats.org/markup-compatibility/2006" xmlns:a14="http://schemas.microsoft.com/office/drawing/2010/main">
+        <mc:Choice Requires="a14">
           <p:sp>
             <p:nvSpPr>
               <p:cNvPr id="23" name="TextBox 22">
@@ -27445,7 +27463,7 @@
             </p:txBody>
           </p:sp>
         </mc:Choice>
-        <mc:Fallback>
+        <mc:Fallback xmlns="">
           <p:sp>
             <p:nvSpPr>
               <p:cNvPr id="23" name="TextBox 22">
@@ -30981,8 +30999,8 @@
           </a:p>
         </p:txBody>
       </p:sp>
-      <mc:AlternateContent xmlns:mc="http://schemas.openxmlformats.org/markup-compatibility/2006">
-        <mc:Choice xmlns:a14="http://schemas.microsoft.com/office/drawing/2010/main" Requires="a14">
+      <mc:AlternateContent xmlns:mc="http://schemas.openxmlformats.org/markup-compatibility/2006" xmlns:a14="http://schemas.microsoft.com/office/drawing/2010/main">
+        <mc:Choice Requires="a14">
           <p:sp>
             <p:nvSpPr>
               <p:cNvPr id="36" name="TextBox 35">
@@ -31341,7 +31359,7 @@
             </p:txBody>
           </p:sp>
         </mc:Choice>
-        <mc:Fallback>
+        <mc:Fallback xmlns="">
           <p:sp>
             <p:nvSpPr>
               <p:cNvPr id="36" name="TextBox 35">
@@ -31599,8 +31617,8 @@
           </a:fontRef>
         </p:style>
       </p:cxnSp>
-      <mc:AlternateContent xmlns:mc="http://schemas.openxmlformats.org/markup-compatibility/2006">
-        <mc:Choice xmlns:a14="http://schemas.microsoft.com/office/drawing/2010/main" Requires="a14">
+      <mc:AlternateContent xmlns:mc="http://schemas.openxmlformats.org/markup-compatibility/2006" xmlns:a14="http://schemas.microsoft.com/office/drawing/2010/main">
+        <mc:Choice Requires="a14">
           <p:sp>
             <p:nvSpPr>
               <p:cNvPr id="41" name="TextBox 40">
@@ -31704,7 +31722,7 @@
             </p:txBody>
           </p:sp>
         </mc:Choice>
-        <mc:Fallback>
+        <mc:Fallback xmlns="">
           <p:sp>
             <p:nvSpPr>
               <p:cNvPr id="41" name="TextBox 40">
@@ -34044,7 +34062,13 @@
                             <a:rPr lang="en-US" b="0" i="1" smtClean="0">
                               <a:latin typeface="Cambria Math" panose="02040503050406030204" pitchFamily="18" charset="0"/>
                             </a:rPr>
-                            <m:t>𝑃𝐶</m:t>
+                            <m:t>𝑃</m:t>
+                          </m:r>
+                          <m:r>
+                            <a:rPr lang="en-US" b="0" i="1" smtClean="0">
+                              <a:latin typeface="Cambria Math" panose="02040503050406030204" pitchFamily="18" charset="0"/>
+                            </a:rPr>
+                            <m:t>𝐶</m:t>
                           </m:r>
                         </m:sub>
                       </m:sSub>
@@ -36569,8 +36593,8 @@
           </a:prstGeom>
         </p:spPr>
       </p:pic>
-      <mc:AlternateContent xmlns:mc="http://schemas.openxmlformats.org/markup-compatibility/2006">
-        <mc:Choice xmlns:a14="http://schemas.microsoft.com/office/drawing/2010/main" Requires="a14">
+      <mc:AlternateContent xmlns:mc="http://schemas.openxmlformats.org/markup-compatibility/2006" xmlns:a14="http://schemas.microsoft.com/office/drawing/2010/main">
+        <mc:Choice Requires="a14">
           <p:sp>
             <p:nvSpPr>
               <p:cNvPr id="31" name="TextBox 30">
@@ -37751,7 +37775,7 @@
             </p:txBody>
           </p:sp>
         </mc:Choice>
-        <mc:Fallback>
+        <mc:Fallback xmlns="">
           <p:sp>
             <p:nvSpPr>
               <p:cNvPr id="31" name="TextBox 30">
